--- a/slides/rsa.pptx
+++ b/slides/rsa.pptx
@@ -5,7 +5,7 @@
     <p:sldMasterId id="2147483648" r:id="rId1"/>
   </p:sldMasterIdLst>
   <p:notesMasterIdLst>
-    <p:notesMasterId r:id="rId33"/>
+    <p:notesMasterId r:id="rId42"/>
   </p:notesMasterIdLst>
   <p:sldIdLst>
     <p:sldId id="257" r:id="rId2"/>
@@ -39,6 +39,15 @@
     <p:sldId id="283" r:id="rId30"/>
     <p:sldId id="284" r:id="rId31"/>
     <p:sldId id="286" r:id="rId32"/>
+    <p:sldId id="296" r:id="rId33"/>
+    <p:sldId id="288" r:id="rId34"/>
+    <p:sldId id="289" r:id="rId35"/>
+    <p:sldId id="290" r:id="rId36"/>
+    <p:sldId id="291" r:id="rId37"/>
+    <p:sldId id="292" r:id="rId38"/>
+    <p:sldId id="293" r:id="rId39"/>
+    <p:sldId id="294" r:id="rId40"/>
+    <p:sldId id="295" r:id="rId41"/>
   </p:sldIdLst>
   <p:sldSz cx="9144000" cy="6858000" type="screen4x3"/>
   <p:notesSz cx="6858000" cy="9144000"/>
@@ -222,7 +231,7 @@
           <a:p>
             <a:fld id="{D0338F95-770F-E94F-A280-EF91BDB6984A}" type="datetimeFigureOut">
               <a:rPr lang="en-US" smtClean="0"/>
-              <a:t>3/15/16</a:t>
+              <a:t>3/22/16</a:t>
             </a:fld>
             <a:endParaRPr lang="en-US"/>
           </a:p>
@@ -843,7 +852,7 @@
           <a:p>
             <a:fld id="{1D39919E-3AE4-F04B-A56E-544BBBDA8D97}" type="datetimeFigureOut">
               <a:rPr lang="en-US" smtClean="0"/>
-              <a:t>3/15/16</a:t>
+              <a:t>3/22/16</a:t>
             </a:fld>
             <a:endParaRPr lang="en-US"/>
           </a:p>
@@ -1013,7 +1022,7 @@
           <a:p>
             <a:fld id="{1D39919E-3AE4-F04B-A56E-544BBBDA8D97}" type="datetimeFigureOut">
               <a:rPr lang="en-US" smtClean="0"/>
-              <a:t>3/15/16</a:t>
+              <a:t>3/22/16</a:t>
             </a:fld>
             <a:endParaRPr lang="en-US"/>
           </a:p>
@@ -1193,7 +1202,7 @@
           <a:p>
             <a:fld id="{1D39919E-3AE4-F04B-A56E-544BBBDA8D97}" type="datetimeFigureOut">
               <a:rPr lang="en-US" smtClean="0"/>
-              <a:t>3/15/16</a:t>
+              <a:t>3/22/16</a:t>
             </a:fld>
             <a:endParaRPr lang="en-US"/>
           </a:p>
@@ -1363,7 +1372,7 @@
           <a:p>
             <a:fld id="{1D39919E-3AE4-F04B-A56E-544BBBDA8D97}" type="datetimeFigureOut">
               <a:rPr lang="en-US" smtClean="0"/>
-              <a:t>3/15/16</a:t>
+              <a:t>3/22/16</a:t>
             </a:fld>
             <a:endParaRPr lang="en-US"/>
           </a:p>
@@ -1609,7 +1618,7 @@
           <a:p>
             <a:fld id="{1D39919E-3AE4-F04B-A56E-544BBBDA8D97}" type="datetimeFigureOut">
               <a:rPr lang="en-US" smtClean="0"/>
-              <a:t>3/15/16</a:t>
+              <a:t>3/22/16</a:t>
             </a:fld>
             <a:endParaRPr lang="en-US"/>
           </a:p>
@@ -1897,7 +1906,7 @@
           <a:p>
             <a:fld id="{1D39919E-3AE4-F04B-A56E-544BBBDA8D97}" type="datetimeFigureOut">
               <a:rPr lang="en-US" smtClean="0"/>
-              <a:t>3/15/16</a:t>
+              <a:t>3/22/16</a:t>
             </a:fld>
             <a:endParaRPr lang="en-US"/>
           </a:p>
@@ -2319,7 +2328,7 @@
           <a:p>
             <a:fld id="{1D39919E-3AE4-F04B-A56E-544BBBDA8D97}" type="datetimeFigureOut">
               <a:rPr lang="en-US" smtClean="0"/>
-              <a:t>3/15/16</a:t>
+              <a:t>3/22/16</a:t>
             </a:fld>
             <a:endParaRPr lang="en-US"/>
           </a:p>
@@ -2437,7 +2446,7 @@
           <a:p>
             <a:fld id="{1D39919E-3AE4-F04B-A56E-544BBBDA8D97}" type="datetimeFigureOut">
               <a:rPr lang="en-US" smtClean="0"/>
-              <a:t>3/15/16</a:t>
+              <a:t>3/22/16</a:t>
             </a:fld>
             <a:endParaRPr lang="en-US"/>
           </a:p>
@@ -2532,7 +2541,7 @@
           <a:p>
             <a:fld id="{1D39919E-3AE4-F04B-A56E-544BBBDA8D97}" type="datetimeFigureOut">
               <a:rPr lang="en-US" smtClean="0"/>
-              <a:t>3/15/16</a:t>
+              <a:t>3/22/16</a:t>
             </a:fld>
             <a:endParaRPr lang="en-US"/>
           </a:p>
@@ -2809,7 +2818,7 @@
           <a:p>
             <a:fld id="{1D39919E-3AE4-F04B-A56E-544BBBDA8D97}" type="datetimeFigureOut">
               <a:rPr lang="en-US" smtClean="0"/>
-              <a:t>3/15/16</a:t>
+              <a:t>3/22/16</a:t>
             </a:fld>
             <a:endParaRPr lang="en-US"/>
           </a:p>
@@ -3062,7 +3071,7 @@
           <a:p>
             <a:fld id="{1D39919E-3AE4-F04B-A56E-544BBBDA8D97}" type="datetimeFigureOut">
               <a:rPr lang="en-US" smtClean="0"/>
-              <a:t>3/15/16</a:t>
+              <a:t>3/22/16</a:t>
             </a:fld>
             <a:endParaRPr lang="en-US"/>
           </a:p>
@@ -3275,7 +3284,7 @@
           <a:p>
             <a:fld id="{1D39919E-3AE4-F04B-A56E-544BBBDA8D97}" type="datetimeFigureOut">
               <a:rPr lang="en-US" smtClean="0"/>
-              <a:t>3/15/16</a:t>
+              <a:t>3/22/16</a:t>
             </a:fld>
             <a:endParaRPr lang="en-US"/>
           </a:p>
@@ -3702,15 +3711,7 @@
           <a:p>
             <a:r>
               <a:rPr lang="en-US" sz="2800" dirty="0" smtClean="0"/>
-              <a:t>Public</a:t>
-            </a:r>
-            <a:r>
-              <a:rPr lang="en-US" sz="2800" dirty="0" smtClean="0"/>
-              <a:t>-key </a:t>
-            </a:r>
-            <a:r>
-              <a:rPr lang="en-US" sz="2800" dirty="0" smtClean="0"/>
-              <a:t>encryption</a:t>
+              <a:t>Public-key encryption</a:t>
             </a:r>
           </a:p>
           <a:p>
@@ -3724,7 +3725,6 @@
               <a:rPr lang="en-US" sz="2800" dirty="0" smtClean="0"/>
               <a:t>PKCS#1 RSA encryption</a:t>
             </a:r>
-            <a:endParaRPr lang="en-US" sz="2800" dirty="0" smtClean="0"/>
           </a:p>
         </p:txBody>
       </p:sp>
@@ -3766,13 +3766,8 @@
             </a:r>
             <a:r>
               <a:rPr lang="en-US" sz="2000" dirty="0" smtClean="0"/>
-              <a:t>  Sec. </a:t>
-            </a:r>
-            <a:r>
-              <a:rPr lang="en-US" sz="2000" dirty="0" smtClean="0"/>
-              <a:t>8.1, 8.2</a:t>
-            </a:r>
-            <a:endParaRPr lang="en-US" sz="2000" dirty="0" smtClean="0"/>
+              <a:t>  Sec. 8.1, 8.2</a:t>
+            </a:r>
           </a:p>
           <a:p>
             <a:r>
@@ -4065,7 +4060,6 @@
                         <a:rPr lang="en-US" sz="2400" dirty="0" smtClean="0"/>
                         <a:t>)</a:t>
                       </a:r>
-                      <a:endParaRPr lang="en-US" sz="2400" dirty="0" smtClean="0"/>
                     </a:p>
                   </a:txBody>
                   <a:tcPr/>
@@ -4145,7 +4139,6 @@
                         <a:rPr lang="en-US" sz="2400" dirty="0" smtClean="0"/>
                         <a:t>)</a:t>
                       </a:r>
-                      <a:endParaRPr lang="en-US" sz="2400" dirty="0" smtClean="0"/>
                     </a:p>
                   </a:txBody>
                   <a:tcPr/>
@@ -16215,7 +16208,6 @@
                         <a:rPr lang="en-US" sz="2400" dirty="0" smtClean="0"/>
                         <a:t>$75 on EC2 / 4 hours</a:t>
                       </a:r>
-                      <a:endParaRPr lang="en-US" sz="2400" dirty="0" smtClean="0"/>
                     </a:p>
                   </a:txBody>
                   <a:tcPr/>
@@ -18102,6 +18094,5400 @@
 </p:sld>
 </file>
 
+<file path=ppt/slides/slide32.xml><?xml version="1.0" encoding="utf-8"?>
+<p:sld xmlns:a="http://schemas.openxmlformats.org/drawingml/2006/main" xmlns:r="http://schemas.openxmlformats.org/officeDocument/2006/relationships" xmlns:p="http://schemas.openxmlformats.org/presentationml/2006/main">
+  <p:cSld>
+    <p:spTree>
+      <p:nvGrpSpPr>
+        <p:cNvPr id="1" name=""/>
+        <p:cNvGrpSpPr/>
+        <p:nvPr/>
+      </p:nvGrpSpPr>
+      <p:grpSpPr>
+        <a:xfrm>
+          <a:off x="0" y="0"/>
+          <a:ext cx="0" cy="0"/>
+          <a:chOff x="0" y="0"/>
+          <a:chExt cx="0" cy="0"/>
+        </a:xfrm>
+      </p:grpSpPr>
+      <p:sp>
+        <p:nvSpPr>
+          <p:cNvPr id="2" name="Title 1"/>
+          <p:cNvSpPr>
+            <a:spLocks noGrp="1"/>
+          </p:cNvSpPr>
+          <p:nvPr>
+            <p:ph type="title"/>
+          </p:nvPr>
+        </p:nvSpPr>
+        <p:spPr/>
+        <p:txBody>
+          <a:bodyPr>
+            <a:normAutofit fontScale="90000"/>
+          </a:bodyPr>
+          <a:lstStyle/>
+          <a:p>
+            <a:r>
+              <a:rPr lang="en-US" dirty="0" smtClean="0"/>
+              <a:t>TLS handshake for</a:t>
+            </a:r>
+            <a:br>
+              <a:rPr lang="en-US" dirty="0" smtClean="0"/>
+            </a:br>
+            <a:r>
+              <a:rPr lang="en-US" dirty="0" err="1" smtClean="0"/>
+              <a:t>Diffie</a:t>
+            </a:r>
+            <a:r>
+              <a:rPr lang="en-US" dirty="0" smtClean="0"/>
+              <a:t>-Hellman Key Exchange</a:t>
+            </a:r>
+            <a:endParaRPr lang="en-US" dirty="0"/>
+          </a:p>
+        </p:txBody>
+      </p:sp>
+      <p:pic>
+        <p:nvPicPr>
+          <p:cNvPr id="4" name="Picture 3" descr="C:\Documents and Settings\rist\Local Settings\Temporary Internet Files\Content.IE5\CNYX6FYV\MCj04352420000[1].png"/>
+          <p:cNvPicPr>
+            <a:picLocks noChangeAspect="1" noChangeArrowheads="1"/>
+          </p:cNvPicPr>
+          <p:nvPr/>
+        </p:nvPicPr>
+        <p:blipFill>
+          <a:blip r:embed="rId2" cstate="print"/>
+          <a:srcRect/>
+          <a:stretch>
+            <a:fillRect/>
+          </a:stretch>
+        </p:blipFill>
+        <p:spPr bwMode="auto">
+          <a:xfrm>
+            <a:off x="8114947" y="228600"/>
+            <a:ext cx="533400" cy="1055370"/>
+          </a:xfrm>
+          <a:prstGeom prst="rect">
+            <a:avLst/>
+          </a:prstGeom>
+          <a:noFill/>
+        </p:spPr>
+      </p:pic>
+      <p:pic>
+        <p:nvPicPr>
+          <p:cNvPr id="5" name="Picture 4" descr="C:\Documents and Settings\rist\Local Settings\Temporary Internet Files\Content.IE5\CNYX6FYV\MCj04352420000[1].png"/>
+          <p:cNvPicPr>
+            <a:picLocks noChangeAspect="1" noChangeArrowheads="1"/>
+          </p:cNvPicPr>
+          <p:nvPr/>
+        </p:nvPicPr>
+        <p:blipFill>
+          <a:blip r:embed="rId2" cstate="print"/>
+          <a:srcRect/>
+          <a:stretch>
+            <a:fillRect/>
+          </a:stretch>
+        </p:blipFill>
+        <p:spPr bwMode="auto">
+          <a:xfrm>
+            <a:off x="457200" y="304800"/>
+            <a:ext cx="457200" cy="904603"/>
+          </a:xfrm>
+          <a:prstGeom prst="rect">
+            <a:avLst/>
+          </a:prstGeom>
+          <a:noFill/>
+        </p:spPr>
+      </p:pic>
+      <p:sp>
+        <p:nvSpPr>
+          <p:cNvPr id="6" name="TextBox 5"/>
+          <p:cNvSpPr txBox="1"/>
+          <p:nvPr/>
+        </p:nvSpPr>
+        <p:spPr>
+          <a:xfrm>
+            <a:off x="263455" y="1055610"/>
+            <a:ext cx="727145" cy="369332"/>
+          </a:xfrm>
+          <a:prstGeom prst="rect">
+            <a:avLst/>
+          </a:prstGeom>
+          <a:noFill/>
+        </p:spPr>
+        <p:txBody>
+          <a:bodyPr wrap="none" rtlCol="0">
+            <a:spAutoFit/>
+          </a:bodyPr>
+          <a:lstStyle/>
+          <a:p>
+            <a:r>
+              <a:rPr lang="en-US" dirty="0" smtClean="0"/>
+              <a:t>Client</a:t>
+            </a:r>
+            <a:endParaRPr lang="en-US" dirty="0"/>
+          </a:p>
+        </p:txBody>
+      </p:sp>
+      <p:sp>
+        <p:nvSpPr>
+          <p:cNvPr id="7" name="TextBox 6"/>
+          <p:cNvSpPr txBox="1"/>
+          <p:nvPr/>
+        </p:nvSpPr>
+        <p:spPr>
+          <a:xfrm>
+            <a:off x="8077200" y="1066800"/>
+            <a:ext cx="787395" cy="369332"/>
+          </a:xfrm>
+          <a:prstGeom prst="rect">
+            <a:avLst/>
+          </a:prstGeom>
+          <a:noFill/>
+        </p:spPr>
+        <p:txBody>
+          <a:bodyPr wrap="none" rtlCol="0">
+            <a:spAutoFit/>
+          </a:bodyPr>
+          <a:lstStyle/>
+          <a:p>
+            <a:r>
+              <a:rPr lang="en-US" dirty="0" smtClean="0"/>
+              <a:t>Server</a:t>
+            </a:r>
+            <a:endParaRPr lang="en-US" dirty="0"/>
+          </a:p>
+        </p:txBody>
+      </p:sp>
+      <p:sp>
+        <p:nvSpPr>
+          <p:cNvPr id="8" name="TextBox 7"/>
+          <p:cNvSpPr txBox="1"/>
+          <p:nvPr/>
+        </p:nvSpPr>
+        <p:spPr>
+          <a:xfrm>
+            <a:off x="7391400" y="3962400"/>
+            <a:ext cx="1082348" cy="369332"/>
+          </a:xfrm>
+          <a:prstGeom prst="rect">
+            <a:avLst/>
+          </a:prstGeom>
+          <a:noFill/>
+        </p:spPr>
+        <p:txBody>
+          <a:bodyPr wrap="none" rtlCol="0">
+            <a:spAutoFit/>
+          </a:bodyPr>
+          <a:lstStyle/>
+          <a:p>
+            <a:r>
+              <a:rPr lang="en-US" dirty="0" smtClean="0"/>
+              <a:t>PMS = </a:t>
+            </a:r>
+            <a:r>
+              <a:rPr lang="en-US" dirty="0" err="1" smtClean="0"/>
+              <a:t>g</a:t>
+            </a:r>
+            <a:r>
+              <a:rPr lang="en-US" baseline="30000" dirty="0" err="1" smtClean="0"/>
+              <a:t>xy</a:t>
+            </a:r>
+            <a:endParaRPr lang="en-US" dirty="0" smtClean="0"/>
+          </a:p>
+        </p:txBody>
+      </p:sp>
+      <p:cxnSp>
+        <p:nvCxnSpPr>
+          <p:cNvPr id="10" name="Straight Arrow Connector 9"/>
+          <p:cNvCxnSpPr/>
+          <p:nvPr/>
+        </p:nvCxnSpPr>
+        <p:spPr>
+          <a:xfrm>
+            <a:off x="2057400" y="2133600"/>
+            <a:ext cx="4953000" cy="0"/>
+          </a:xfrm>
+          <a:prstGeom prst="straightConnector1">
+            <a:avLst/>
+          </a:prstGeom>
+          <a:ln>
+            <a:tailEnd type="arrow"/>
+          </a:ln>
+        </p:spPr>
+        <p:style>
+          <a:lnRef idx="2">
+            <a:schemeClr val="accent1"/>
+          </a:lnRef>
+          <a:fillRef idx="0">
+            <a:schemeClr val="accent1"/>
+          </a:fillRef>
+          <a:effectRef idx="1">
+            <a:schemeClr val="accent1"/>
+          </a:effectRef>
+          <a:fontRef idx="minor">
+            <a:schemeClr val="tx1"/>
+          </a:fontRef>
+        </p:style>
+      </p:cxnSp>
+      <p:sp>
+        <p:nvSpPr>
+          <p:cNvPr id="12" name="TextBox 11"/>
+          <p:cNvSpPr txBox="1"/>
+          <p:nvPr/>
+        </p:nvSpPr>
+        <p:spPr>
+          <a:xfrm>
+            <a:off x="2044606" y="1764268"/>
+            <a:ext cx="4763781" cy="369332"/>
+          </a:xfrm>
+          <a:prstGeom prst="rect">
+            <a:avLst/>
+          </a:prstGeom>
+          <a:noFill/>
+        </p:spPr>
+        <p:txBody>
+          <a:bodyPr wrap="none" rtlCol="0">
+            <a:spAutoFit/>
+          </a:bodyPr>
+          <a:lstStyle/>
+          <a:p>
+            <a:r>
+              <a:rPr lang="en-US" dirty="0" err="1" smtClean="0"/>
+              <a:t>ClientHello</a:t>
+            </a:r>
+            <a:r>
+              <a:rPr lang="en-US" dirty="0" smtClean="0"/>
+              <a:t>, </a:t>
+            </a:r>
+            <a:r>
+              <a:rPr lang="en-US" dirty="0" err="1" smtClean="0"/>
+              <a:t>MaxVer</a:t>
+            </a:r>
+            <a:r>
+              <a:rPr lang="en-US" dirty="0" smtClean="0"/>
+              <a:t>, </a:t>
+            </a:r>
+            <a:r>
+              <a:rPr lang="en-US" dirty="0" err="1" smtClean="0"/>
+              <a:t>Nc</a:t>
+            </a:r>
+            <a:r>
+              <a:rPr lang="en-US" dirty="0" smtClean="0"/>
+              <a:t>, Ciphers/</a:t>
+            </a:r>
+            <a:r>
+              <a:rPr lang="en-US" dirty="0" err="1" smtClean="0"/>
+              <a:t>CompMethods</a:t>
+            </a:r>
+            <a:endParaRPr lang="en-US" dirty="0"/>
+          </a:p>
+        </p:txBody>
+      </p:sp>
+      <p:cxnSp>
+        <p:nvCxnSpPr>
+          <p:cNvPr id="13" name="Straight Arrow Connector 12"/>
+          <p:cNvCxnSpPr/>
+          <p:nvPr/>
+        </p:nvCxnSpPr>
+        <p:spPr>
+          <a:xfrm flipH="1">
+            <a:off x="2070194" y="2743200"/>
+            <a:ext cx="4953000" cy="0"/>
+          </a:xfrm>
+          <a:prstGeom prst="straightConnector1">
+            <a:avLst/>
+          </a:prstGeom>
+          <a:ln>
+            <a:tailEnd type="arrow"/>
+          </a:ln>
+        </p:spPr>
+        <p:style>
+          <a:lnRef idx="2">
+            <a:schemeClr val="accent1"/>
+          </a:lnRef>
+          <a:fillRef idx="0">
+            <a:schemeClr val="accent1"/>
+          </a:fillRef>
+          <a:effectRef idx="1">
+            <a:schemeClr val="accent1"/>
+          </a:effectRef>
+          <a:fontRef idx="minor">
+            <a:schemeClr val="tx1"/>
+          </a:fontRef>
+        </p:style>
+      </p:cxnSp>
+      <p:sp>
+        <p:nvSpPr>
+          <p:cNvPr id="14" name="TextBox 13"/>
+          <p:cNvSpPr txBox="1"/>
+          <p:nvPr/>
+        </p:nvSpPr>
+        <p:spPr>
+          <a:xfrm>
+            <a:off x="2057400" y="2362200"/>
+            <a:ext cx="5202341" cy="369332"/>
+          </a:xfrm>
+          <a:prstGeom prst="rect">
+            <a:avLst/>
+          </a:prstGeom>
+          <a:noFill/>
+        </p:spPr>
+        <p:txBody>
+          <a:bodyPr wrap="none" rtlCol="0">
+            <a:spAutoFit/>
+          </a:bodyPr>
+          <a:lstStyle/>
+          <a:p>
+            <a:r>
+              <a:rPr lang="en-US" dirty="0" err="1" smtClean="0"/>
+              <a:t>ServerHello</a:t>
+            </a:r>
+            <a:r>
+              <a:rPr lang="en-US" dirty="0" smtClean="0"/>
+              <a:t>, </a:t>
+            </a:r>
+            <a:r>
+              <a:rPr lang="en-US" dirty="0" err="1" smtClean="0"/>
+              <a:t>Ver</a:t>
+            </a:r>
+            <a:r>
+              <a:rPr lang="en-US" dirty="0" smtClean="0"/>
+              <a:t>, Ns, </a:t>
+            </a:r>
+            <a:r>
+              <a:rPr lang="en-US" dirty="0" err="1" smtClean="0"/>
+              <a:t>SessionID</a:t>
+            </a:r>
+            <a:r>
+              <a:rPr lang="en-US" dirty="0" smtClean="0"/>
+              <a:t>, Cipher/</a:t>
+            </a:r>
+            <a:r>
+              <a:rPr lang="en-US" dirty="0" err="1" smtClean="0"/>
+              <a:t>CompMethod</a:t>
+            </a:r>
+            <a:endParaRPr lang="en-US" dirty="0"/>
+          </a:p>
+        </p:txBody>
+      </p:sp>
+      <p:cxnSp>
+        <p:nvCxnSpPr>
+          <p:cNvPr id="15" name="Straight Arrow Connector 14"/>
+          <p:cNvCxnSpPr/>
+          <p:nvPr/>
+        </p:nvCxnSpPr>
+        <p:spPr>
+          <a:xfrm flipH="1">
+            <a:off x="2057400" y="3124200"/>
+            <a:ext cx="4953000" cy="0"/>
+          </a:xfrm>
+          <a:prstGeom prst="straightConnector1">
+            <a:avLst/>
+          </a:prstGeom>
+          <a:ln>
+            <a:tailEnd type="arrow"/>
+          </a:ln>
+        </p:spPr>
+        <p:style>
+          <a:lnRef idx="2">
+            <a:schemeClr val="accent1"/>
+          </a:lnRef>
+          <a:fillRef idx="0">
+            <a:schemeClr val="accent1"/>
+          </a:fillRef>
+          <a:effectRef idx="1">
+            <a:schemeClr val="accent1"/>
+          </a:effectRef>
+          <a:fontRef idx="minor">
+            <a:schemeClr val="tx1"/>
+          </a:fontRef>
+        </p:style>
+      </p:cxnSp>
+      <p:sp>
+        <p:nvSpPr>
+          <p:cNvPr id="16" name="TextBox 15"/>
+          <p:cNvSpPr txBox="1"/>
+          <p:nvPr/>
+        </p:nvSpPr>
+        <p:spPr>
+          <a:xfrm>
+            <a:off x="2682745" y="2743200"/>
+            <a:ext cx="2999627" cy="369332"/>
+          </a:xfrm>
+          <a:prstGeom prst="rect">
+            <a:avLst/>
+          </a:prstGeom>
+          <a:noFill/>
+        </p:spPr>
+        <p:txBody>
+          <a:bodyPr wrap="none" rtlCol="0">
+            <a:spAutoFit/>
+          </a:bodyPr>
+          <a:lstStyle/>
+          <a:p>
+            <a:r>
+              <a:rPr lang="en-US" dirty="0" smtClean="0"/>
+              <a:t>CERT = (</a:t>
+            </a:r>
+            <a:r>
+              <a:rPr lang="en-US" dirty="0" err="1" smtClean="0"/>
+              <a:t>pk</a:t>
+            </a:r>
+            <a:r>
+              <a:rPr lang="en-US" baseline="-25000" dirty="0" err="1" smtClean="0"/>
+              <a:t>s</a:t>
+            </a:r>
+            <a:r>
+              <a:rPr lang="en-US" dirty="0" smtClean="0"/>
+              <a:t> , signature over it)</a:t>
+            </a:r>
+            <a:endParaRPr lang="en-US" dirty="0"/>
+          </a:p>
+        </p:txBody>
+      </p:sp>
+      <p:sp>
+        <p:nvSpPr>
+          <p:cNvPr id="17" name="TextBox 16"/>
+          <p:cNvSpPr txBox="1"/>
+          <p:nvPr/>
+        </p:nvSpPr>
+        <p:spPr>
+          <a:xfrm>
+            <a:off x="68869" y="2362200"/>
+            <a:ext cx="1615647" cy="1200329"/>
+          </a:xfrm>
+          <a:prstGeom prst="rect">
+            <a:avLst/>
+          </a:prstGeom>
+          <a:noFill/>
+        </p:spPr>
+        <p:txBody>
+          <a:bodyPr wrap="none" rtlCol="0">
+            <a:spAutoFit/>
+          </a:bodyPr>
+          <a:lstStyle/>
+          <a:p>
+            <a:r>
+              <a:rPr lang="en-US" dirty="0" smtClean="0"/>
+              <a:t>Check CERT</a:t>
+            </a:r>
+          </a:p>
+          <a:p>
+            <a:r>
+              <a:rPr lang="en-US" dirty="0" smtClean="0"/>
+              <a:t>using CA public</a:t>
+            </a:r>
+          </a:p>
+          <a:p>
+            <a:r>
+              <a:rPr lang="en-US" dirty="0" smtClean="0"/>
+              <a:t>verification key</a:t>
+            </a:r>
+          </a:p>
+          <a:p>
+            <a:r>
+              <a:rPr lang="en-US" dirty="0" smtClean="0"/>
+              <a:t>Check </a:t>
+            </a:r>
+            <a:r>
+              <a:rPr lang="en-US" dirty="0" err="1" smtClean="0"/>
+              <a:t>σ</a:t>
+            </a:r>
+            <a:endParaRPr lang="en-US" dirty="0"/>
+          </a:p>
+        </p:txBody>
+      </p:sp>
+      <p:sp>
+        <p:nvSpPr>
+          <p:cNvPr id="18" name="TextBox 17"/>
+          <p:cNvSpPr txBox="1"/>
+          <p:nvPr/>
+        </p:nvSpPr>
+        <p:spPr>
+          <a:xfrm>
+            <a:off x="0" y="1905000"/>
+            <a:ext cx="1650136" cy="369332"/>
+          </a:xfrm>
+          <a:prstGeom prst="rect">
+            <a:avLst/>
+          </a:prstGeom>
+          <a:noFill/>
+        </p:spPr>
+        <p:txBody>
+          <a:bodyPr wrap="none" rtlCol="0">
+            <a:spAutoFit/>
+          </a:bodyPr>
+          <a:lstStyle/>
+          <a:p>
+            <a:r>
+              <a:rPr lang="en-US" dirty="0" smtClean="0"/>
+              <a:t>Pick random </a:t>
+            </a:r>
+            <a:r>
+              <a:rPr lang="en-US" dirty="0" err="1" smtClean="0"/>
+              <a:t>Nc</a:t>
+            </a:r>
+            <a:endParaRPr lang="en-US" dirty="0"/>
+          </a:p>
+        </p:txBody>
+      </p:sp>
+      <p:cxnSp>
+        <p:nvCxnSpPr>
+          <p:cNvPr id="20" name="Straight Connector 19"/>
+          <p:cNvCxnSpPr/>
+          <p:nvPr/>
+        </p:nvCxnSpPr>
+        <p:spPr>
+          <a:xfrm>
+            <a:off x="0" y="1600200"/>
+            <a:ext cx="9144000" cy="0"/>
+          </a:xfrm>
+          <a:prstGeom prst="line">
+            <a:avLst/>
+          </a:prstGeom>
+        </p:spPr>
+        <p:style>
+          <a:lnRef idx="2">
+            <a:schemeClr val="dk1"/>
+          </a:lnRef>
+          <a:fillRef idx="0">
+            <a:schemeClr val="dk1"/>
+          </a:fillRef>
+          <a:effectRef idx="1">
+            <a:schemeClr val="dk1"/>
+          </a:effectRef>
+          <a:fontRef idx="minor">
+            <a:schemeClr val="tx1"/>
+          </a:fontRef>
+        </p:style>
+      </p:cxnSp>
+      <p:sp>
+        <p:nvSpPr>
+          <p:cNvPr id="21" name="TextBox 20"/>
+          <p:cNvSpPr txBox="1"/>
+          <p:nvPr/>
+        </p:nvSpPr>
+        <p:spPr>
+          <a:xfrm>
+            <a:off x="7391400" y="2286000"/>
+            <a:ext cx="1646605" cy="369332"/>
+          </a:xfrm>
+          <a:prstGeom prst="rect">
+            <a:avLst/>
+          </a:prstGeom>
+          <a:noFill/>
+        </p:spPr>
+        <p:txBody>
+          <a:bodyPr wrap="none" rtlCol="0">
+            <a:spAutoFit/>
+          </a:bodyPr>
+          <a:lstStyle/>
+          <a:p>
+            <a:r>
+              <a:rPr lang="en-US" dirty="0" smtClean="0"/>
+              <a:t>Pick random Ns</a:t>
+            </a:r>
+            <a:endParaRPr lang="en-US" dirty="0"/>
+          </a:p>
+        </p:txBody>
+      </p:sp>
+      <p:sp>
+        <p:nvSpPr>
+          <p:cNvPr id="22" name="TextBox 21"/>
+          <p:cNvSpPr txBox="1"/>
+          <p:nvPr/>
+        </p:nvSpPr>
+        <p:spPr>
+          <a:xfrm>
+            <a:off x="78809" y="3620869"/>
+            <a:ext cx="1556924" cy="646331"/>
+          </a:xfrm>
+          <a:prstGeom prst="rect">
+            <a:avLst/>
+          </a:prstGeom>
+          <a:noFill/>
+        </p:spPr>
+        <p:txBody>
+          <a:bodyPr wrap="none" rtlCol="0">
+            <a:spAutoFit/>
+          </a:bodyPr>
+          <a:lstStyle/>
+          <a:p>
+            <a:r>
+              <a:rPr lang="en-US" dirty="0" smtClean="0"/>
+              <a:t>Pick random y</a:t>
+            </a:r>
+          </a:p>
+          <a:p>
+            <a:r>
+              <a:rPr lang="en-US" dirty="0" smtClean="0"/>
+              <a:t>Y = </a:t>
+            </a:r>
+            <a:r>
+              <a:rPr lang="en-US" dirty="0" err="1" smtClean="0"/>
+              <a:t>g</a:t>
+            </a:r>
+            <a:r>
+              <a:rPr lang="en-US" baseline="30000" dirty="0" err="1" smtClean="0"/>
+              <a:t>y</a:t>
+            </a:r>
+            <a:endParaRPr lang="en-US" dirty="0"/>
+          </a:p>
+        </p:txBody>
+      </p:sp>
+      <p:cxnSp>
+        <p:nvCxnSpPr>
+          <p:cNvPr id="24" name="Straight Arrow Connector 23"/>
+          <p:cNvCxnSpPr/>
+          <p:nvPr/>
+        </p:nvCxnSpPr>
+        <p:spPr>
+          <a:xfrm>
+            <a:off x="2070194" y="4038600"/>
+            <a:ext cx="4953000" cy="0"/>
+          </a:xfrm>
+          <a:prstGeom prst="straightConnector1">
+            <a:avLst/>
+          </a:prstGeom>
+          <a:ln>
+            <a:tailEnd type="arrow"/>
+          </a:ln>
+        </p:spPr>
+        <p:style>
+          <a:lnRef idx="2">
+            <a:schemeClr val="accent1"/>
+          </a:lnRef>
+          <a:fillRef idx="0">
+            <a:schemeClr val="accent1"/>
+          </a:fillRef>
+          <a:effectRef idx="1">
+            <a:schemeClr val="accent1"/>
+          </a:effectRef>
+          <a:fontRef idx="minor">
+            <a:schemeClr val="tx1"/>
+          </a:fontRef>
+        </p:style>
+      </p:cxnSp>
+      <p:sp>
+        <p:nvSpPr>
+          <p:cNvPr id="25" name="TextBox 24"/>
+          <p:cNvSpPr txBox="1"/>
+          <p:nvPr/>
+        </p:nvSpPr>
+        <p:spPr>
+          <a:xfrm>
+            <a:off x="4182894" y="3657600"/>
+            <a:ext cx="300082" cy="369332"/>
+          </a:xfrm>
+          <a:prstGeom prst="rect">
+            <a:avLst/>
+          </a:prstGeom>
+          <a:noFill/>
+        </p:spPr>
+        <p:txBody>
+          <a:bodyPr wrap="none" rtlCol="0">
+            <a:spAutoFit/>
+          </a:bodyPr>
+          <a:lstStyle/>
+          <a:p>
+            <a:r>
+              <a:rPr lang="en-US" dirty="0"/>
+              <a:t>Y</a:t>
+            </a:r>
+          </a:p>
+        </p:txBody>
+      </p:sp>
+      <p:cxnSp>
+        <p:nvCxnSpPr>
+          <p:cNvPr id="26" name="Straight Arrow Connector 25"/>
+          <p:cNvCxnSpPr/>
+          <p:nvPr/>
+        </p:nvCxnSpPr>
+        <p:spPr>
+          <a:xfrm>
+            <a:off x="2057400" y="4953000"/>
+            <a:ext cx="4953000" cy="0"/>
+          </a:xfrm>
+          <a:prstGeom prst="straightConnector1">
+            <a:avLst/>
+          </a:prstGeom>
+          <a:ln>
+            <a:tailEnd type="arrow"/>
+          </a:ln>
+        </p:spPr>
+        <p:style>
+          <a:lnRef idx="2">
+            <a:schemeClr val="accent1"/>
+          </a:lnRef>
+          <a:fillRef idx="0">
+            <a:schemeClr val="accent1"/>
+          </a:fillRef>
+          <a:effectRef idx="1">
+            <a:schemeClr val="accent1"/>
+          </a:effectRef>
+          <a:fontRef idx="minor">
+            <a:schemeClr val="tx1"/>
+          </a:fontRef>
+        </p:style>
+      </p:cxnSp>
+      <p:sp>
+        <p:nvSpPr>
+          <p:cNvPr id="27" name="TextBox 26"/>
+          <p:cNvSpPr txBox="1"/>
+          <p:nvPr/>
+        </p:nvSpPr>
+        <p:spPr>
+          <a:xfrm>
+            <a:off x="2105923" y="4267200"/>
+            <a:ext cx="5275803" cy="646331"/>
+          </a:xfrm>
+          <a:prstGeom prst="rect">
+            <a:avLst/>
+          </a:prstGeom>
+          <a:noFill/>
+        </p:spPr>
+        <p:txBody>
+          <a:bodyPr wrap="none" rtlCol="0">
+            <a:spAutoFit/>
+          </a:bodyPr>
+          <a:lstStyle/>
+          <a:p>
+            <a:r>
+              <a:rPr lang="en-US" dirty="0" err="1" smtClean="0"/>
+              <a:t>ChangeCipherSpec</a:t>
+            </a:r>
+            <a:r>
+              <a:rPr lang="en-US" dirty="0" smtClean="0"/>
+              <a:t>, </a:t>
+            </a:r>
+          </a:p>
+          <a:p>
+            <a:r>
+              <a:rPr lang="en-US" dirty="0" smtClean="0"/>
+              <a:t>{ Finished, PRF(MS, “Client finished” || H(transcript)) }  </a:t>
+            </a:r>
+            <a:endParaRPr lang="en-US" dirty="0"/>
+          </a:p>
+        </p:txBody>
+      </p:sp>
+      <p:cxnSp>
+        <p:nvCxnSpPr>
+          <p:cNvPr id="28" name="Straight Arrow Connector 27"/>
+          <p:cNvCxnSpPr/>
+          <p:nvPr/>
+        </p:nvCxnSpPr>
+        <p:spPr>
+          <a:xfrm flipH="1">
+            <a:off x="2057400" y="5751731"/>
+            <a:ext cx="4953000" cy="0"/>
+          </a:xfrm>
+          <a:prstGeom prst="straightConnector1">
+            <a:avLst/>
+          </a:prstGeom>
+          <a:ln>
+            <a:tailEnd type="arrow"/>
+          </a:ln>
+        </p:spPr>
+        <p:style>
+          <a:lnRef idx="2">
+            <a:schemeClr val="accent1"/>
+          </a:lnRef>
+          <a:fillRef idx="0">
+            <a:schemeClr val="accent1"/>
+          </a:fillRef>
+          <a:effectRef idx="1">
+            <a:schemeClr val="accent1"/>
+          </a:effectRef>
+          <a:fontRef idx="minor">
+            <a:schemeClr val="tx1"/>
+          </a:fontRef>
+        </p:style>
+      </p:cxnSp>
+      <p:sp>
+        <p:nvSpPr>
+          <p:cNvPr id="29" name="TextBox 28"/>
+          <p:cNvSpPr txBox="1"/>
+          <p:nvPr/>
+        </p:nvSpPr>
+        <p:spPr>
+          <a:xfrm>
+            <a:off x="2133600" y="5029200"/>
+            <a:ext cx="5339923" cy="646331"/>
+          </a:xfrm>
+          <a:prstGeom prst="rect">
+            <a:avLst/>
+          </a:prstGeom>
+          <a:noFill/>
+        </p:spPr>
+        <p:txBody>
+          <a:bodyPr wrap="none" rtlCol="0">
+            <a:spAutoFit/>
+          </a:bodyPr>
+          <a:lstStyle/>
+          <a:p>
+            <a:r>
+              <a:rPr lang="en-US" dirty="0" err="1" smtClean="0"/>
+              <a:t>ChangeCipherSpec</a:t>
+            </a:r>
+            <a:r>
+              <a:rPr lang="en-US" dirty="0" smtClean="0"/>
+              <a:t>, </a:t>
+            </a:r>
+          </a:p>
+          <a:p>
+            <a:r>
+              <a:rPr lang="en-US" dirty="0" smtClean="0"/>
+              <a:t>{ Finished, PRF(MS, “Server finished” || H(transcript’)) }  </a:t>
+            </a:r>
+            <a:endParaRPr lang="en-US" dirty="0"/>
+          </a:p>
+        </p:txBody>
+      </p:sp>
+      <p:sp>
+        <p:nvSpPr>
+          <p:cNvPr id="30" name="TextBox 29"/>
+          <p:cNvSpPr txBox="1"/>
+          <p:nvPr/>
+        </p:nvSpPr>
+        <p:spPr>
+          <a:xfrm>
+            <a:off x="2514600" y="6172200"/>
+            <a:ext cx="4451797" cy="369332"/>
+          </a:xfrm>
+          <a:prstGeom prst="rect">
+            <a:avLst/>
+          </a:prstGeom>
+          <a:noFill/>
+        </p:spPr>
+        <p:txBody>
+          <a:bodyPr wrap="none" rtlCol="0">
+            <a:spAutoFit/>
+          </a:bodyPr>
+          <a:lstStyle/>
+          <a:p>
+            <a:r>
+              <a:rPr lang="en-US" dirty="0" smtClean="0"/>
+              <a:t>MS &lt;- PRF(PMS, “master secret” || </a:t>
+            </a:r>
+            <a:r>
+              <a:rPr lang="en-US" dirty="0" err="1" smtClean="0"/>
+              <a:t>Nc</a:t>
+            </a:r>
+            <a:r>
+              <a:rPr lang="en-US" dirty="0" smtClean="0"/>
+              <a:t> || Ns )</a:t>
+            </a:r>
+            <a:endParaRPr lang="en-US" dirty="0"/>
+          </a:p>
+        </p:txBody>
+      </p:sp>
+      <p:sp>
+        <p:nvSpPr>
+          <p:cNvPr id="32" name="TextBox 31"/>
+          <p:cNvSpPr txBox="1"/>
+          <p:nvPr/>
+        </p:nvSpPr>
+        <p:spPr>
+          <a:xfrm>
+            <a:off x="41588" y="5248870"/>
+            <a:ext cx="1750675" cy="923330"/>
+          </a:xfrm>
+          <a:prstGeom prst="rect">
+            <a:avLst/>
+          </a:prstGeom>
+          <a:noFill/>
+          <a:ln>
+            <a:solidFill>
+              <a:srgbClr val="008000"/>
+            </a:solidFill>
+          </a:ln>
+        </p:spPr>
+        <p:txBody>
+          <a:bodyPr wrap="none" rtlCol="0">
+            <a:spAutoFit/>
+          </a:bodyPr>
+          <a:lstStyle/>
+          <a:p>
+            <a:r>
+              <a:rPr lang="en-US" dirty="0" smtClean="0"/>
+              <a:t>Bracket notation</a:t>
+            </a:r>
+          </a:p>
+          <a:p>
+            <a:r>
+              <a:rPr lang="en-US" dirty="0" smtClean="0"/>
+              <a:t>means contents </a:t>
+            </a:r>
+          </a:p>
+          <a:p>
+            <a:r>
+              <a:rPr lang="en-US" dirty="0" smtClean="0"/>
+              <a:t>encrypted</a:t>
+            </a:r>
+          </a:p>
+        </p:txBody>
+      </p:sp>
+      <p:cxnSp>
+        <p:nvCxnSpPr>
+          <p:cNvPr id="34" name="Straight Arrow Connector 33"/>
+          <p:cNvCxnSpPr/>
+          <p:nvPr/>
+        </p:nvCxnSpPr>
+        <p:spPr>
+          <a:xfrm flipV="1">
+            <a:off x="1219200" y="4800600"/>
+            <a:ext cx="886723" cy="448270"/>
+          </a:xfrm>
+          <a:prstGeom prst="straightConnector1">
+            <a:avLst/>
+          </a:prstGeom>
+          <a:ln>
+            <a:tailEnd type="arrow"/>
+          </a:ln>
+        </p:spPr>
+        <p:style>
+          <a:lnRef idx="2">
+            <a:schemeClr val="accent3"/>
+          </a:lnRef>
+          <a:fillRef idx="0">
+            <a:schemeClr val="accent3"/>
+          </a:fillRef>
+          <a:effectRef idx="1">
+            <a:schemeClr val="accent3"/>
+          </a:effectRef>
+          <a:fontRef idx="minor">
+            <a:schemeClr val="tx1"/>
+          </a:fontRef>
+        </p:style>
+      </p:cxnSp>
+      <p:cxnSp>
+        <p:nvCxnSpPr>
+          <p:cNvPr id="36" name="Straight Arrow Connector 35"/>
+          <p:cNvCxnSpPr/>
+          <p:nvPr/>
+        </p:nvCxnSpPr>
+        <p:spPr>
+          <a:xfrm flipH="1">
+            <a:off x="2057400" y="3505200"/>
+            <a:ext cx="4953000" cy="0"/>
+          </a:xfrm>
+          <a:prstGeom prst="straightConnector1">
+            <a:avLst/>
+          </a:prstGeom>
+          <a:ln>
+            <a:tailEnd type="arrow"/>
+          </a:ln>
+        </p:spPr>
+        <p:style>
+          <a:lnRef idx="2">
+            <a:schemeClr val="accent1"/>
+          </a:lnRef>
+          <a:fillRef idx="0">
+            <a:schemeClr val="accent1"/>
+          </a:fillRef>
+          <a:effectRef idx="1">
+            <a:schemeClr val="accent1"/>
+          </a:effectRef>
+          <a:fontRef idx="minor">
+            <a:schemeClr val="tx1"/>
+          </a:fontRef>
+        </p:style>
+      </p:cxnSp>
+      <p:sp>
+        <p:nvSpPr>
+          <p:cNvPr id="37" name="TextBox 36"/>
+          <p:cNvSpPr txBox="1"/>
+          <p:nvPr/>
+        </p:nvSpPr>
+        <p:spPr>
+          <a:xfrm>
+            <a:off x="2682745" y="3124200"/>
+            <a:ext cx="3396708" cy="369332"/>
+          </a:xfrm>
+          <a:prstGeom prst="rect">
+            <a:avLst/>
+          </a:prstGeom>
+          <a:noFill/>
+        </p:spPr>
+        <p:txBody>
+          <a:bodyPr wrap="none" rtlCol="0">
+            <a:spAutoFit/>
+          </a:bodyPr>
+          <a:lstStyle/>
+          <a:p>
+            <a:r>
+              <a:rPr lang="en-US" dirty="0" smtClean="0"/>
+              <a:t>p , g , X ,   </a:t>
+            </a:r>
+            <a:r>
+              <a:rPr lang="en-US" dirty="0" err="1" smtClean="0"/>
+              <a:t>σ</a:t>
+            </a:r>
+            <a:r>
+              <a:rPr lang="en-US" dirty="0" smtClean="0"/>
+              <a:t>  = Sign(</a:t>
+            </a:r>
+            <a:r>
+              <a:rPr lang="en-US" dirty="0" err="1" smtClean="0"/>
+              <a:t>sk</a:t>
+            </a:r>
+            <a:r>
+              <a:rPr lang="en-US" baseline="-25000" dirty="0" err="1" smtClean="0"/>
+              <a:t>s</a:t>
+            </a:r>
+            <a:r>
+              <a:rPr lang="en-US" dirty="0" smtClean="0"/>
+              <a:t>, p || g || X) </a:t>
+            </a:r>
+            <a:endParaRPr lang="en-US" dirty="0"/>
+          </a:p>
+        </p:txBody>
+      </p:sp>
+      <p:sp>
+        <p:nvSpPr>
+          <p:cNvPr id="38" name="TextBox 37"/>
+          <p:cNvSpPr txBox="1"/>
+          <p:nvPr/>
+        </p:nvSpPr>
+        <p:spPr>
+          <a:xfrm>
+            <a:off x="7391400" y="2678668"/>
+            <a:ext cx="1505540" cy="646331"/>
+          </a:xfrm>
+          <a:prstGeom prst="rect">
+            <a:avLst/>
+          </a:prstGeom>
+          <a:noFill/>
+        </p:spPr>
+        <p:txBody>
+          <a:bodyPr wrap="none" rtlCol="0">
+            <a:spAutoFit/>
+          </a:bodyPr>
+          <a:lstStyle/>
+          <a:p>
+            <a:r>
+              <a:rPr lang="en-US" dirty="0" smtClean="0"/>
+              <a:t>Pick random x</a:t>
+            </a:r>
+          </a:p>
+          <a:p>
+            <a:r>
+              <a:rPr lang="en-US" dirty="0" smtClean="0"/>
+              <a:t>X = </a:t>
+            </a:r>
+            <a:r>
+              <a:rPr lang="en-US" dirty="0" err="1" smtClean="0"/>
+              <a:t>g</a:t>
+            </a:r>
+            <a:r>
+              <a:rPr lang="en-US" baseline="30000" dirty="0" err="1" smtClean="0"/>
+              <a:t>x</a:t>
+            </a:r>
+            <a:endParaRPr lang="en-US" dirty="0"/>
+          </a:p>
+        </p:txBody>
+      </p:sp>
+      <p:sp>
+        <p:nvSpPr>
+          <p:cNvPr id="39" name="TextBox 38"/>
+          <p:cNvSpPr txBox="1"/>
+          <p:nvPr/>
+        </p:nvSpPr>
+        <p:spPr>
+          <a:xfrm>
+            <a:off x="76200" y="4419600"/>
+            <a:ext cx="1082348" cy="369332"/>
+          </a:xfrm>
+          <a:prstGeom prst="rect">
+            <a:avLst/>
+          </a:prstGeom>
+          <a:noFill/>
+        </p:spPr>
+        <p:txBody>
+          <a:bodyPr wrap="none" rtlCol="0">
+            <a:spAutoFit/>
+          </a:bodyPr>
+          <a:lstStyle/>
+          <a:p>
+            <a:r>
+              <a:rPr lang="en-US" dirty="0" smtClean="0"/>
+              <a:t>PMS = </a:t>
+            </a:r>
+            <a:r>
+              <a:rPr lang="en-US" dirty="0" err="1" smtClean="0"/>
+              <a:t>g</a:t>
+            </a:r>
+            <a:r>
+              <a:rPr lang="en-US" baseline="30000" dirty="0" err="1" smtClean="0"/>
+              <a:t>xy</a:t>
+            </a:r>
+            <a:endParaRPr lang="en-US" dirty="0" smtClean="0"/>
+          </a:p>
+        </p:txBody>
+      </p:sp>
+    </p:spTree>
+    <p:extLst>
+      <p:ext uri="{BB962C8B-B14F-4D97-AF65-F5344CB8AC3E}">
+        <p14:creationId xmlns:p14="http://schemas.microsoft.com/office/powerpoint/2010/main" val="4293201060"/>
+      </p:ext>
+    </p:extLst>
+  </p:cSld>
+  <p:clrMapOvr>
+    <a:masterClrMapping/>
+  </p:clrMapOvr>
+  <p:timing>
+    <p:tnLst>
+      <p:par>
+        <p:cTn xmlns:p14="http://schemas.microsoft.com/office/powerpoint/2010/main" id="1" dur="indefinite" restart="never" nodeType="tmRoot"/>
+      </p:par>
+    </p:tnLst>
+  </p:timing>
+</p:sld>
+</file>
+
+<file path=ppt/slides/slide33.xml><?xml version="1.0" encoding="utf-8"?>
+<p:sld xmlns:a="http://schemas.openxmlformats.org/drawingml/2006/main" xmlns:r="http://schemas.openxmlformats.org/officeDocument/2006/relationships" xmlns:p="http://schemas.openxmlformats.org/presentationml/2006/main">
+  <p:cSld>
+    <p:spTree>
+      <p:nvGrpSpPr>
+        <p:cNvPr id="1" name=""/>
+        <p:cNvGrpSpPr/>
+        <p:nvPr/>
+      </p:nvGrpSpPr>
+      <p:grpSpPr>
+        <a:xfrm>
+          <a:off x="0" y="0"/>
+          <a:ext cx="0" cy="0"/>
+          <a:chOff x="0" y="0"/>
+          <a:chExt cx="0" cy="0"/>
+        </a:xfrm>
+      </p:grpSpPr>
+      <p:sp>
+        <p:nvSpPr>
+          <p:cNvPr id="2" name="Title 1"/>
+          <p:cNvSpPr>
+            <a:spLocks noGrp="1"/>
+          </p:cNvSpPr>
+          <p:nvPr>
+            <p:ph type="title"/>
+          </p:nvPr>
+        </p:nvSpPr>
+        <p:spPr/>
+        <p:txBody>
+          <a:bodyPr/>
+          <a:lstStyle/>
+          <a:p>
+            <a:r>
+              <a:rPr lang="en-US" dirty="0" err="1" smtClean="0"/>
+              <a:t>Diffie</a:t>
+            </a:r>
+            <a:r>
+              <a:rPr lang="en-US" dirty="0" smtClean="0"/>
+              <a:t>-Hellman math</a:t>
+            </a:r>
+            <a:endParaRPr lang="en-US" dirty="0"/>
+          </a:p>
+        </p:txBody>
+      </p:sp>
+      <p:sp>
+        <p:nvSpPr>
+          <p:cNvPr id="4" name="TextBox 3"/>
+          <p:cNvSpPr txBox="1"/>
+          <p:nvPr/>
+        </p:nvSpPr>
+        <p:spPr>
+          <a:xfrm>
+            <a:off x="442987" y="1676400"/>
+            <a:ext cx="7039657" cy="3539431"/>
+          </a:xfrm>
+          <a:prstGeom prst="rect">
+            <a:avLst/>
+          </a:prstGeom>
+          <a:noFill/>
+        </p:spPr>
+        <p:txBody>
+          <a:bodyPr wrap="none" rtlCol="0">
+            <a:spAutoFit/>
+          </a:bodyPr>
+          <a:lstStyle/>
+          <a:p>
+            <a:r>
+              <a:rPr lang="en-US" sz="2800" dirty="0" smtClean="0"/>
+              <a:t>Let p be a large prime number</a:t>
+            </a:r>
+          </a:p>
+          <a:p>
+            <a:r>
+              <a:rPr lang="en-US" sz="2800" dirty="0" smtClean="0"/>
+              <a:t>Fix the group G  =  </a:t>
+            </a:r>
+            <a:r>
+              <a:rPr lang="en-US" sz="2800" b="1" dirty="0" err="1" smtClean="0"/>
+              <a:t>Z</a:t>
+            </a:r>
+            <a:r>
+              <a:rPr lang="en-US" sz="2800" baseline="-25000" dirty="0" err="1"/>
+              <a:t>p</a:t>
+            </a:r>
+            <a:r>
+              <a:rPr lang="en-US" sz="2800" dirty="0" smtClean="0"/>
+              <a:t>  = {1,2,3,…, p-1}</a:t>
+            </a:r>
+          </a:p>
+          <a:p>
+            <a:endParaRPr lang="en-US" sz="2800" b="1" dirty="0"/>
+          </a:p>
+          <a:p>
+            <a:r>
+              <a:rPr lang="en-US" sz="2800" dirty="0" smtClean="0"/>
+              <a:t>Then G  is </a:t>
+            </a:r>
+            <a:r>
+              <a:rPr lang="en-US" sz="2800" i="1" dirty="0" smtClean="0"/>
+              <a:t>cyclic</a:t>
+            </a:r>
+            <a:r>
+              <a:rPr lang="en-US" sz="2800" dirty="0" smtClean="0"/>
+              <a:t>. This means one can give a </a:t>
+            </a:r>
+          </a:p>
+          <a:p>
+            <a:r>
+              <a:rPr lang="en-US" sz="2800" dirty="0" smtClean="0"/>
+              <a:t>member g    G  , called the generator, such that  </a:t>
+            </a:r>
+            <a:endParaRPr lang="en-US" sz="2800" b="1" i="1" dirty="0" smtClean="0"/>
+          </a:p>
+          <a:p>
+            <a:endParaRPr lang="en-US" sz="2800" dirty="0" smtClean="0"/>
+          </a:p>
+          <a:p>
+            <a:endParaRPr lang="en-US" sz="2800" dirty="0" smtClean="0"/>
+          </a:p>
+          <a:p>
+            <a:r>
+              <a:rPr lang="en-US" sz="2800" dirty="0" smtClean="0"/>
+              <a:t>Example:  p = 7. Is 2 or 3 a generator for </a:t>
+            </a:r>
+            <a:r>
+              <a:rPr lang="en-US" sz="2800" b="1" dirty="0" smtClean="0"/>
+              <a:t>Z</a:t>
+            </a:r>
+            <a:r>
+              <a:rPr lang="en-US" sz="2800" baseline="-25000" dirty="0" smtClean="0"/>
+              <a:t>7  </a:t>
+            </a:r>
+            <a:r>
+              <a:rPr lang="en-US" sz="2800" dirty="0" smtClean="0"/>
+              <a:t>?</a:t>
+            </a:r>
+            <a:endParaRPr lang="en-US" sz="2800" dirty="0"/>
+          </a:p>
+        </p:txBody>
+      </p:sp>
+      <p:sp>
+        <p:nvSpPr>
+          <p:cNvPr id="11" name="TextBox 10"/>
+          <p:cNvSpPr txBox="1"/>
+          <p:nvPr/>
+        </p:nvSpPr>
+        <p:spPr>
+          <a:xfrm>
+            <a:off x="3357969" y="2133600"/>
+            <a:ext cx="299631" cy="369332"/>
+          </a:xfrm>
+          <a:prstGeom prst="rect">
+            <a:avLst/>
+          </a:prstGeom>
+          <a:noFill/>
+        </p:spPr>
+        <p:txBody>
+          <a:bodyPr wrap="none" rtlCol="0">
+            <a:spAutoFit/>
+          </a:bodyPr>
+          <a:lstStyle/>
+          <a:p>
+            <a:r>
+              <a:rPr lang="en-US" dirty="0" smtClean="0"/>
+              <a:t>*</a:t>
+            </a:r>
+            <a:endParaRPr lang="en-US" dirty="0"/>
+          </a:p>
+        </p:txBody>
+      </p:sp>
+      <p:pic>
+        <p:nvPicPr>
+          <p:cNvPr id="12" name="Picture 11"/>
+          <p:cNvPicPr>
+            <a:picLocks noChangeAspect="1"/>
+          </p:cNvPicPr>
+          <p:nvPr/>
+        </p:nvPicPr>
+        <p:blipFill>
+          <a:blip r:embed="rId2"/>
+          <a:stretch>
+            <a:fillRect/>
+          </a:stretch>
+        </p:blipFill>
+        <p:spPr>
+          <a:xfrm>
+            <a:off x="2057400" y="3581400"/>
+            <a:ext cx="175491" cy="203200"/>
+          </a:xfrm>
+          <a:prstGeom prst="rect">
+            <a:avLst/>
+          </a:prstGeom>
+        </p:spPr>
+      </p:pic>
+      <p:sp>
+        <p:nvSpPr>
+          <p:cNvPr id="3" name="TextBox 2"/>
+          <p:cNvSpPr txBox="1"/>
+          <p:nvPr/>
+        </p:nvSpPr>
+        <p:spPr>
+          <a:xfrm>
+            <a:off x="2438400" y="3962400"/>
+            <a:ext cx="3531736" cy="523220"/>
+          </a:xfrm>
+          <a:prstGeom prst="rect">
+            <a:avLst/>
+          </a:prstGeom>
+          <a:noFill/>
+        </p:spPr>
+        <p:txBody>
+          <a:bodyPr wrap="none" rtlCol="0">
+            <a:spAutoFit/>
+          </a:bodyPr>
+          <a:lstStyle/>
+          <a:p>
+            <a:r>
+              <a:rPr lang="en-US" sz="2800" dirty="0" smtClean="0"/>
+              <a:t>G = { g</a:t>
+            </a:r>
+            <a:r>
+              <a:rPr lang="en-US" sz="2800" baseline="30000" dirty="0" smtClean="0"/>
+              <a:t>0</a:t>
+            </a:r>
+            <a:r>
+              <a:rPr lang="en-US" sz="2800" dirty="0" smtClean="0"/>
+              <a:t>, g</a:t>
+            </a:r>
+            <a:r>
+              <a:rPr lang="en-US" sz="2800" baseline="30000" dirty="0" smtClean="0"/>
+              <a:t>1</a:t>
+            </a:r>
+            <a:r>
+              <a:rPr lang="en-US" sz="2800" dirty="0" smtClean="0"/>
+              <a:t>,  g</a:t>
+            </a:r>
+            <a:r>
+              <a:rPr lang="en-US" sz="2800" baseline="30000" dirty="0" smtClean="0"/>
+              <a:t>2</a:t>
+            </a:r>
+            <a:r>
+              <a:rPr lang="en-US" sz="2800" dirty="0" smtClean="0"/>
+              <a:t>, … , g</a:t>
+            </a:r>
+            <a:r>
+              <a:rPr lang="en-US" sz="2800" baseline="30000" dirty="0" smtClean="0"/>
+              <a:t>p-1 </a:t>
+            </a:r>
+            <a:r>
+              <a:rPr lang="en-US" dirty="0" smtClean="0"/>
+              <a:t>}</a:t>
+            </a:r>
+            <a:endParaRPr lang="en-US" dirty="0"/>
+          </a:p>
+        </p:txBody>
+      </p:sp>
+      <p:graphicFrame>
+        <p:nvGraphicFramePr>
+          <p:cNvPr id="13" name="Table 12"/>
+          <p:cNvGraphicFramePr>
+            <a:graphicFrameLocks noGrp="1"/>
+          </p:cNvGraphicFramePr>
+          <p:nvPr>
+            <p:extLst>
+              <p:ext uri="{D42A27DB-BD31-4B8C-83A1-F6EECF244321}">
+                <p14:modId xmlns:p14="http://schemas.microsoft.com/office/powerpoint/2010/main" val="9586031"/>
+              </p:ext>
+            </p:extLst>
+          </p:nvPr>
+        </p:nvGraphicFramePr>
+        <p:xfrm>
+          <a:off x="1371600" y="5406905"/>
+          <a:ext cx="6748351" cy="1112520"/>
+        </p:xfrm>
+        <a:graphic>
+          <a:graphicData uri="http://schemas.openxmlformats.org/drawingml/2006/table">
+            <a:tbl>
+              <a:tblPr firstRow="1" bandRow="1">
+                <a:tableStyleId>{5940675A-B579-460E-94D1-54222C63F5DA}</a:tableStyleId>
+              </a:tblPr>
+              <a:tblGrid>
+                <a:gridCol w="1191095"/>
+                <a:gridCol w="609600"/>
+                <a:gridCol w="729936"/>
+                <a:gridCol w="843544"/>
+                <a:gridCol w="843544"/>
+                <a:gridCol w="843544"/>
+                <a:gridCol w="843544"/>
+                <a:gridCol w="843544"/>
+              </a:tblGrid>
+              <a:tr h="370840">
+                <a:tc>
+                  <a:txBody>
+                    <a:bodyPr/>
+                    <a:lstStyle/>
+                    <a:p>
+                      <a:r>
+                        <a:rPr lang="en-US" dirty="0" err="1" smtClean="0"/>
+                        <a:t>x</a:t>
+                      </a:r>
+                      <a:endParaRPr lang="en-US" dirty="0"/>
+                    </a:p>
+                  </a:txBody>
+                  <a:tcPr/>
+                </a:tc>
+                <a:tc>
+                  <a:txBody>
+                    <a:bodyPr/>
+                    <a:lstStyle/>
+                    <a:p>
+                      <a:r>
+                        <a:rPr lang="en-US" dirty="0" smtClean="0"/>
+                        <a:t>0</a:t>
+                      </a:r>
+                      <a:endParaRPr lang="en-US" dirty="0"/>
+                    </a:p>
+                  </a:txBody>
+                  <a:tcPr/>
+                </a:tc>
+                <a:tc>
+                  <a:txBody>
+                    <a:bodyPr/>
+                    <a:lstStyle/>
+                    <a:p>
+                      <a:r>
+                        <a:rPr lang="en-US" dirty="0" smtClean="0"/>
+                        <a:t>1</a:t>
+                      </a:r>
+                      <a:endParaRPr lang="en-US" dirty="0"/>
+                    </a:p>
+                  </a:txBody>
+                  <a:tcPr/>
+                </a:tc>
+                <a:tc>
+                  <a:txBody>
+                    <a:bodyPr/>
+                    <a:lstStyle/>
+                    <a:p>
+                      <a:r>
+                        <a:rPr lang="en-US" dirty="0" smtClean="0"/>
+                        <a:t>2</a:t>
+                      </a:r>
+                      <a:endParaRPr lang="en-US" dirty="0"/>
+                    </a:p>
+                  </a:txBody>
+                  <a:tcPr/>
+                </a:tc>
+                <a:tc>
+                  <a:txBody>
+                    <a:bodyPr/>
+                    <a:lstStyle/>
+                    <a:p>
+                      <a:r>
+                        <a:rPr lang="en-US" dirty="0" smtClean="0"/>
+                        <a:t>3</a:t>
+                      </a:r>
+                      <a:endParaRPr lang="en-US" dirty="0"/>
+                    </a:p>
+                  </a:txBody>
+                  <a:tcPr/>
+                </a:tc>
+                <a:tc>
+                  <a:txBody>
+                    <a:bodyPr/>
+                    <a:lstStyle/>
+                    <a:p>
+                      <a:r>
+                        <a:rPr lang="en-US" dirty="0" smtClean="0"/>
+                        <a:t>4</a:t>
+                      </a:r>
+                      <a:endParaRPr lang="en-US" dirty="0"/>
+                    </a:p>
+                  </a:txBody>
+                  <a:tcPr/>
+                </a:tc>
+                <a:tc>
+                  <a:txBody>
+                    <a:bodyPr/>
+                    <a:lstStyle/>
+                    <a:p>
+                      <a:r>
+                        <a:rPr lang="en-US" dirty="0" smtClean="0"/>
+                        <a:t>5</a:t>
+                      </a:r>
+                      <a:endParaRPr lang="en-US" dirty="0"/>
+                    </a:p>
+                  </a:txBody>
+                  <a:tcPr/>
+                </a:tc>
+                <a:tc>
+                  <a:txBody>
+                    <a:bodyPr/>
+                    <a:lstStyle/>
+                    <a:p>
+                      <a:r>
+                        <a:rPr lang="en-US" dirty="0" smtClean="0"/>
+                        <a:t>6</a:t>
+                      </a:r>
+                      <a:endParaRPr lang="en-US" dirty="0"/>
+                    </a:p>
+                  </a:txBody>
+                  <a:tcPr/>
+                </a:tc>
+              </a:tr>
+              <a:tr h="370840">
+                <a:tc>
+                  <a:txBody>
+                    <a:bodyPr/>
+                    <a:lstStyle/>
+                    <a:p>
+                      <a:r>
+                        <a:rPr lang="en-US" dirty="0" smtClean="0"/>
+                        <a:t>2</a:t>
+                      </a:r>
+                      <a:r>
+                        <a:rPr lang="en-US" baseline="30000" dirty="0" smtClean="0"/>
+                        <a:t>x</a:t>
+                      </a:r>
+                      <a:r>
+                        <a:rPr lang="en-US" baseline="0" dirty="0" smtClean="0"/>
+                        <a:t> mod 7</a:t>
+                      </a:r>
+                      <a:endParaRPr lang="en-US" dirty="0"/>
+                    </a:p>
+                  </a:txBody>
+                  <a:tcPr/>
+                </a:tc>
+                <a:tc>
+                  <a:txBody>
+                    <a:bodyPr/>
+                    <a:lstStyle/>
+                    <a:p>
+                      <a:r>
+                        <a:rPr lang="en-US" dirty="0" smtClean="0"/>
+                        <a:t>1</a:t>
+                      </a:r>
+                      <a:endParaRPr lang="en-US" dirty="0"/>
+                    </a:p>
+                  </a:txBody>
+                  <a:tcPr/>
+                </a:tc>
+                <a:tc>
+                  <a:txBody>
+                    <a:bodyPr/>
+                    <a:lstStyle/>
+                    <a:p>
+                      <a:r>
+                        <a:rPr lang="en-US" dirty="0" smtClean="0"/>
+                        <a:t>2</a:t>
+                      </a:r>
+                      <a:endParaRPr lang="en-US" dirty="0"/>
+                    </a:p>
+                  </a:txBody>
+                  <a:tcPr/>
+                </a:tc>
+                <a:tc>
+                  <a:txBody>
+                    <a:bodyPr/>
+                    <a:lstStyle/>
+                    <a:p>
+                      <a:r>
+                        <a:rPr lang="en-US" dirty="0" smtClean="0"/>
+                        <a:t>4</a:t>
+                      </a:r>
+                      <a:endParaRPr lang="en-US" dirty="0"/>
+                    </a:p>
+                  </a:txBody>
+                  <a:tcPr/>
+                </a:tc>
+                <a:tc>
+                  <a:txBody>
+                    <a:bodyPr/>
+                    <a:lstStyle/>
+                    <a:p>
+                      <a:r>
+                        <a:rPr lang="en-US" dirty="0" smtClean="0"/>
+                        <a:t>1</a:t>
+                      </a:r>
+                      <a:endParaRPr lang="en-US" dirty="0"/>
+                    </a:p>
+                  </a:txBody>
+                  <a:tcPr/>
+                </a:tc>
+                <a:tc>
+                  <a:txBody>
+                    <a:bodyPr/>
+                    <a:lstStyle/>
+                    <a:p>
+                      <a:r>
+                        <a:rPr lang="en-US" dirty="0" smtClean="0"/>
+                        <a:t>2</a:t>
+                      </a:r>
+                      <a:endParaRPr lang="en-US" dirty="0"/>
+                    </a:p>
+                  </a:txBody>
+                  <a:tcPr/>
+                </a:tc>
+                <a:tc>
+                  <a:txBody>
+                    <a:bodyPr/>
+                    <a:lstStyle/>
+                    <a:p>
+                      <a:r>
+                        <a:rPr lang="en-US" dirty="0" smtClean="0"/>
+                        <a:t>4</a:t>
+                      </a:r>
+                      <a:endParaRPr lang="en-US" dirty="0"/>
+                    </a:p>
+                  </a:txBody>
+                  <a:tcPr/>
+                </a:tc>
+                <a:tc>
+                  <a:txBody>
+                    <a:bodyPr/>
+                    <a:lstStyle/>
+                    <a:p>
+                      <a:r>
+                        <a:rPr lang="en-US" dirty="0" smtClean="0"/>
+                        <a:t>1</a:t>
+                      </a:r>
+                      <a:endParaRPr lang="en-US" dirty="0"/>
+                    </a:p>
+                  </a:txBody>
+                  <a:tcPr/>
+                </a:tc>
+              </a:tr>
+              <a:tr h="370840">
+                <a:tc>
+                  <a:txBody>
+                    <a:bodyPr/>
+                    <a:lstStyle/>
+                    <a:p>
+                      <a:r>
+                        <a:rPr lang="en-US" baseline="0" dirty="0" smtClean="0"/>
+                        <a:t>3</a:t>
+                      </a:r>
+                      <a:r>
+                        <a:rPr lang="en-US" baseline="30000" dirty="0" smtClean="0"/>
+                        <a:t>x</a:t>
+                      </a:r>
+                      <a:r>
+                        <a:rPr lang="en-US" baseline="0" dirty="0" smtClean="0"/>
+                        <a:t> mod 7</a:t>
+                      </a:r>
+                      <a:endParaRPr lang="en-US" dirty="0"/>
+                    </a:p>
+                  </a:txBody>
+                  <a:tcPr/>
+                </a:tc>
+                <a:tc>
+                  <a:txBody>
+                    <a:bodyPr/>
+                    <a:lstStyle/>
+                    <a:p>
+                      <a:r>
+                        <a:rPr lang="en-US" dirty="0" smtClean="0"/>
+                        <a:t>1</a:t>
+                      </a:r>
+                      <a:endParaRPr lang="en-US" dirty="0"/>
+                    </a:p>
+                  </a:txBody>
+                  <a:tcPr/>
+                </a:tc>
+                <a:tc>
+                  <a:txBody>
+                    <a:bodyPr/>
+                    <a:lstStyle/>
+                    <a:p>
+                      <a:r>
+                        <a:rPr lang="en-US" dirty="0" smtClean="0"/>
+                        <a:t>3</a:t>
+                      </a:r>
+                      <a:endParaRPr lang="en-US" dirty="0"/>
+                    </a:p>
+                  </a:txBody>
+                  <a:tcPr/>
+                </a:tc>
+                <a:tc>
+                  <a:txBody>
+                    <a:bodyPr/>
+                    <a:lstStyle/>
+                    <a:p>
+                      <a:r>
+                        <a:rPr lang="en-US" dirty="0" smtClean="0"/>
+                        <a:t>2</a:t>
+                      </a:r>
+                      <a:endParaRPr lang="en-US" dirty="0"/>
+                    </a:p>
+                  </a:txBody>
+                  <a:tcPr/>
+                </a:tc>
+                <a:tc>
+                  <a:txBody>
+                    <a:bodyPr/>
+                    <a:lstStyle/>
+                    <a:p>
+                      <a:r>
+                        <a:rPr lang="en-US" dirty="0" smtClean="0"/>
+                        <a:t>6</a:t>
+                      </a:r>
+                      <a:endParaRPr lang="en-US" dirty="0"/>
+                    </a:p>
+                  </a:txBody>
+                  <a:tcPr/>
+                </a:tc>
+                <a:tc>
+                  <a:txBody>
+                    <a:bodyPr/>
+                    <a:lstStyle/>
+                    <a:p>
+                      <a:r>
+                        <a:rPr lang="en-US" dirty="0" smtClean="0"/>
+                        <a:t>4</a:t>
+                      </a:r>
+                      <a:endParaRPr lang="en-US" dirty="0"/>
+                    </a:p>
+                  </a:txBody>
+                  <a:tcPr/>
+                </a:tc>
+                <a:tc>
+                  <a:txBody>
+                    <a:bodyPr/>
+                    <a:lstStyle/>
+                    <a:p>
+                      <a:r>
+                        <a:rPr lang="en-US" dirty="0" smtClean="0"/>
+                        <a:t>5</a:t>
+                      </a:r>
+                      <a:endParaRPr lang="en-US" dirty="0"/>
+                    </a:p>
+                  </a:txBody>
+                  <a:tcPr/>
+                </a:tc>
+                <a:tc>
+                  <a:txBody>
+                    <a:bodyPr/>
+                    <a:lstStyle/>
+                    <a:p>
+                      <a:r>
+                        <a:rPr lang="en-US" dirty="0" smtClean="0"/>
+                        <a:t>1</a:t>
+                      </a:r>
+                      <a:endParaRPr lang="en-US" dirty="0"/>
+                    </a:p>
+                  </a:txBody>
+                  <a:tcPr/>
+                </a:tc>
+              </a:tr>
+            </a:tbl>
+          </a:graphicData>
+        </a:graphic>
+      </p:graphicFrame>
+      <p:sp>
+        <p:nvSpPr>
+          <p:cNvPr id="14" name="TextBox 13"/>
+          <p:cNvSpPr txBox="1"/>
+          <p:nvPr/>
+        </p:nvSpPr>
+        <p:spPr>
+          <a:xfrm>
+            <a:off x="6482169" y="4648200"/>
+            <a:ext cx="299631" cy="369332"/>
+          </a:xfrm>
+          <a:prstGeom prst="rect">
+            <a:avLst/>
+          </a:prstGeom>
+          <a:noFill/>
+        </p:spPr>
+        <p:txBody>
+          <a:bodyPr wrap="none" rtlCol="0">
+            <a:spAutoFit/>
+          </a:bodyPr>
+          <a:lstStyle/>
+          <a:p>
+            <a:r>
+              <a:rPr lang="en-US" dirty="0" smtClean="0"/>
+              <a:t>*</a:t>
+            </a:r>
+            <a:endParaRPr lang="en-US" dirty="0"/>
+          </a:p>
+        </p:txBody>
+      </p:sp>
+    </p:spTree>
+    <p:extLst>
+      <p:ext uri="{BB962C8B-B14F-4D97-AF65-F5344CB8AC3E}">
+        <p14:creationId xmlns:p14="http://schemas.microsoft.com/office/powerpoint/2010/main" val="3044925011"/>
+      </p:ext>
+    </p:extLst>
+  </p:cSld>
+  <p:clrMapOvr>
+    <a:masterClrMapping/>
+  </p:clrMapOvr>
+  <p:timing>
+    <p:tnLst>
+      <p:par>
+        <p:cTn xmlns:p14="http://schemas.microsoft.com/office/powerpoint/2010/main" id="1" dur="indefinite" restart="never" nodeType="tmRoot">
+          <p:childTnLst>
+            <p:seq concurrent="1" nextAc="seek">
+              <p:cTn id="2" dur="indefinite" nodeType="mainSeq">
+                <p:childTnLst>
+                  <p:par>
+                    <p:cTn id="3" fill="hold">
+                      <p:stCondLst>
+                        <p:cond delay="indefinite"/>
+                      </p:stCondLst>
+                      <p:childTnLst>
+                        <p:par>
+                          <p:cTn id="4" fill="hold">
+                            <p:stCondLst>
+                              <p:cond delay="0"/>
+                            </p:stCondLst>
+                            <p:childTnLst>
+                              <p:par>
+                                <p:cTn id="5" presetID="1" presetClass="entr" presetSubtype="0" fill="hold" nodeType="clickEffect">
+                                  <p:stCondLst>
+                                    <p:cond delay="0"/>
+                                  </p:stCondLst>
+                                  <p:childTnLst>
+                                    <p:set>
+                                      <p:cBhvr>
+                                        <p:cTn id="6" dur="1" fill="hold">
+                                          <p:stCondLst>
+                                            <p:cond delay="0"/>
+                                          </p:stCondLst>
+                                        </p:cTn>
+                                        <p:tgtEl>
+                                          <p:spTgt spid="4">
+                                            <p:txEl>
+                                              <p:pRg st="7" end="7"/>
+                                            </p:txEl>
+                                          </p:spTgt>
+                                        </p:tgtEl>
+                                        <p:attrNameLst>
+                                          <p:attrName>style.visibility</p:attrName>
+                                        </p:attrNameLst>
+                                      </p:cBhvr>
+                                      <p:to>
+                                        <p:strVal val="visible"/>
+                                      </p:to>
+                                    </p:set>
+                                  </p:childTnLst>
+                                </p:cTn>
+                              </p:par>
+                              <p:par>
+                                <p:cTn id="7" presetID="1" presetClass="entr" presetSubtype="0" fill="hold" grpId="0" nodeType="withEffect">
+                                  <p:stCondLst>
+                                    <p:cond delay="0"/>
+                                  </p:stCondLst>
+                                  <p:childTnLst>
+                                    <p:set>
+                                      <p:cBhvr>
+                                        <p:cTn id="8" dur="1" fill="hold">
+                                          <p:stCondLst>
+                                            <p:cond delay="0"/>
+                                          </p:stCondLst>
+                                        </p:cTn>
+                                        <p:tgtEl>
+                                          <p:spTgt spid="14"/>
+                                        </p:tgtEl>
+                                        <p:attrNameLst>
+                                          <p:attrName>style.visibility</p:attrName>
+                                        </p:attrNameLst>
+                                      </p:cBhvr>
+                                      <p:to>
+                                        <p:strVal val="visible"/>
+                                      </p:to>
+                                    </p:set>
+                                  </p:childTnLst>
+                                </p:cTn>
+                              </p:par>
+                            </p:childTnLst>
+                          </p:cTn>
+                        </p:par>
+                      </p:childTnLst>
+                    </p:cTn>
+                  </p:par>
+                  <p:par>
+                    <p:cTn id="9" fill="hold">
+                      <p:stCondLst>
+                        <p:cond delay="indefinite"/>
+                      </p:stCondLst>
+                      <p:childTnLst>
+                        <p:par>
+                          <p:cTn id="10" fill="hold">
+                            <p:stCondLst>
+                              <p:cond delay="0"/>
+                            </p:stCondLst>
+                            <p:childTnLst>
+                              <p:par>
+                                <p:cTn id="11" presetID="1" presetClass="entr" presetSubtype="0" fill="hold" nodeType="clickEffect">
+                                  <p:stCondLst>
+                                    <p:cond delay="0"/>
+                                  </p:stCondLst>
+                                  <p:childTnLst>
+                                    <p:set>
+                                      <p:cBhvr>
+                                        <p:cTn id="12" dur="1" fill="hold">
+                                          <p:stCondLst>
+                                            <p:cond delay="0"/>
+                                          </p:stCondLst>
+                                        </p:cTn>
+                                        <p:tgtEl>
+                                          <p:spTgt spid="13"/>
+                                        </p:tgtEl>
+                                        <p:attrNameLst>
+                                          <p:attrName>style.visibility</p:attrName>
+                                        </p:attrNameLst>
+                                      </p:cBhvr>
+                                      <p:to>
+                                        <p:strVal val="visible"/>
+                                      </p:to>
+                                    </p:set>
+                                  </p:childTnLst>
+                                </p:cTn>
+                              </p:par>
+                            </p:childTnLst>
+                          </p:cTn>
+                        </p:par>
+                      </p:childTnLst>
+                    </p:cTn>
+                  </p:par>
+                </p:childTnLst>
+              </p:cTn>
+              <p:prevCondLst>
+                <p:cond evt="onPrev" delay="0">
+                  <p:tgtEl>
+                    <p:sldTgt/>
+                  </p:tgtEl>
+                </p:cond>
+              </p:prevCondLst>
+              <p:nextCondLst>
+                <p:cond evt="onNext" delay="0">
+                  <p:tgtEl>
+                    <p:sldTgt/>
+                  </p:tgtEl>
+                </p:cond>
+              </p:nextCondLst>
+            </p:seq>
+          </p:childTnLst>
+        </p:cTn>
+      </p:par>
+    </p:tnLst>
+    <p:bldLst>
+      <p:bldP spid="14" grpId="0"/>
+    </p:bldLst>
+  </p:timing>
+</p:sld>
+</file>
+
+<file path=ppt/slides/slide34.xml><?xml version="1.0" encoding="utf-8"?>
+<p:sld xmlns:a="http://schemas.openxmlformats.org/drawingml/2006/main" xmlns:r="http://schemas.openxmlformats.org/officeDocument/2006/relationships" xmlns:p="http://schemas.openxmlformats.org/presentationml/2006/main">
+  <p:cSld>
+    <p:spTree>
+      <p:nvGrpSpPr>
+        <p:cNvPr id="1" name=""/>
+        <p:cNvGrpSpPr/>
+        <p:nvPr/>
+      </p:nvGrpSpPr>
+      <p:grpSpPr>
+        <a:xfrm>
+          <a:off x="0" y="0"/>
+          <a:ext cx="0" cy="0"/>
+          <a:chOff x="0" y="0"/>
+          <a:chExt cx="0" cy="0"/>
+        </a:xfrm>
+      </p:grpSpPr>
+      <p:sp>
+        <p:nvSpPr>
+          <p:cNvPr id="2" name="Title 1"/>
+          <p:cNvSpPr>
+            <a:spLocks noGrp="1"/>
+          </p:cNvSpPr>
+          <p:nvPr>
+            <p:ph type="title"/>
+          </p:nvPr>
+        </p:nvSpPr>
+        <p:spPr/>
+        <p:txBody>
+          <a:bodyPr/>
+          <a:lstStyle/>
+          <a:p>
+            <a:r>
+              <a:rPr lang="en-US" dirty="0" smtClean="0"/>
+              <a:t>Textbook exponentiation</a:t>
+            </a:r>
+            <a:endParaRPr lang="en-US" dirty="0"/>
+          </a:p>
+        </p:txBody>
+      </p:sp>
+      <p:sp>
+        <p:nvSpPr>
+          <p:cNvPr id="4" name="TextBox 3"/>
+          <p:cNvSpPr txBox="1"/>
+          <p:nvPr/>
+        </p:nvSpPr>
+        <p:spPr>
+          <a:xfrm>
+            <a:off x="685800" y="2744212"/>
+            <a:ext cx="2185364" cy="1938992"/>
+          </a:xfrm>
+          <a:prstGeom prst="rect">
+            <a:avLst/>
+          </a:prstGeom>
+          <a:noFill/>
+          <a:ln>
+            <a:solidFill>
+              <a:srgbClr val="4F81BD"/>
+            </a:solidFill>
+          </a:ln>
+        </p:spPr>
+        <p:txBody>
+          <a:bodyPr wrap="none" rtlCol="0">
+            <a:spAutoFit/>
+          </a:bodyPr>
+          <a:lstStyle/>
+          <a:p>
+            <a:r>
+              <a:rPr lang="en-US" sz="2400" u="sng" dirty="0" err="1" smtClean="0"/>
+              <a:t>ModExp</a:t>
+            </a:r>
+            <a:r>
+              <a:rPr lang="en-US" sz="2400" u="sng" dirty="0" smtClean="0"/>
+              <a:t>(</a:t>
+            </a:r>
+            <a:r>
+              <a:rPr lang="en-US" sz="2400" u="sng" dirty="0" err="1"/>
+              <a:t>h</a:t>
+            </a:r>
+            <a:r>
+              <a:rPr lang="en-US" sz="2400" u="sng" dirty="0" err="1" smtClean="0"/>
+              <a:t>,x</a:t>
+            </a:r>
+            <a:r>
+              <a:rPr lang="en-US" sz="2400" u="sng" dirty="0" smtClean="0"/>
+              <a:t>)</a:t>
+            </a:r>
+          </a:p>
+          <a:p>
+            <a:r>
+              <a:rPr lang="en-US" sz="2400" dirty="0" smtClean="0"/>
+              <a:t>X’ = </a:t>
+            </a:r>
+            <a:r>
+              <a:rPr lang="en-US" sz="2400" dirty="0"/>
+              <a:t>h</a:t>
+            </a:r>
+            <a:endParaRPr lang="en-US" sz="2400" dirty="0" smtClean="0"/>
+          </a:p>
+          <a:p>
+            <a:r>
+              <a:rPr lang="en-US" sz="2400" dirty="0" smtClean="0"/>
+              <a:t>For </a:t>
+            </a:r>
+            <a:r>
+              <a:rPr lang="en-US" sz="2400" dirty="0" err="1" smtClean="0"/>
+              <a:t>i</a:t>
+            </a:r>
+            <a:r>
+              <a:rPr lang="en-US" sz="2400" dirty="0" smtClean="0"/>
+              <a:t> = 2 to x  do</a:t>
+            </a:r>
+          </a:p>
+          <a:p>
+            <a:r>
+              <a:rPr lang="en-US" sz="2400" dirty="0"/>
+              <a:t>	</a:t>
+            </a:r>
+            <a:r>
+              <a:rPr lang="en-US" sz="2400" dirty="0" smtClean="0"/>
+              <a:t>X’ = X’*h</a:t>
+            </a:r>
+          </a:p>
+          <a:p>
+            <a:r>
+              <a:rPr lang="en-US" sz="2400" dirty="0" smtClean="0"/>
+              <a:t>Return X’</a:t>
+            </a:r>
+            <a:endParaRPr lang="en-US" sz="2400" dirty="0"/>
+          </a:p>
+        </p:txBody>
+      </p:sp>
+      <p:sp>
+        <p:nvSpPr>
+          <p:cNvPr id="5" name="TextBox 4"/>
+          <p:cNvSpPr txBox="1"/>
+          <p:nvPr/>
+        </p:nvSpPr>
+        <p:spPr>
+          <a:xfrm>
+            <a:off x="4648200" y="2744212"/>
+            <a:ext cx="3581400" cy="3046988"/>
+          </a:xfrm>
+          <a:prstGeom prst="rect">
+            <a:avLst/>
+          </a:prstGeom>
+          <a:noFill/>
+          <a:ln>
+            <a:solidFill>
+              <a:srgbClr val="4F81BD"/>
+            </a:solidFill>
+          </a:ln>
+        </p:spPr>
+        <p:txBody>
+          <a:bodyPr wrap="square" rtlCol="0">
+            <a:spAutoFit/>
+          </a:bodyPr>
+          <a:lstStyle/>
+          <a:p>
+            <a:r>
+              <a:rPr lang="en-US" sz="2400" u="sng" dirty="0" err="1" smtClean="0"/>
+              <a:t>SqrAndMulExp</a:t>
+            </a:r>
+            <a:r>
+              <a:rPr lang="en-US" sz="2400" u="sng" dirty="0" smtClean="0"/>
+              <a:t>(</a:t>
+            </a:r>
+            <a:r>
+              <a:rPr lang="en-US" sz="2400" u="sng" dirty="0" err="1" smtClean="0"/>
+              <a:t>h,x</a:t>
+            </a:r>
+            <a:r>
+              <a:rPr lang="en-US" sz="2400" u="sng" dirty="0" smtClean="0"/>
+              <a:t>)</a:t>
+            </a:r>
+          </a:p>
+          <a:p>
+            <a:r>
+              <a:rPr lang="en-US" sz="2400" dirty="0" err="1" smtClean="0"/>
+              <a:t>b</a:t>
+            </a:r>
+            <a:r>
+              <a:rPr lang="en-US" sz="2400" baseline="-25000" dirty="0" err="1" smtClean="0"/>
+              <a:t>k</a:t>
+            </a:r>
+            <a:r>
+              <a:rPr lang="en-US" sz="2400" dirty="0" smtClean="0"/>
+              <a:t>,…,b</a:t>
+            </a:r>
+            <a:r>
+              <a:rPr lang="en-US" sz="2400" baseline="-25000" dirty="0" smtClean="0"/>
+              <a:t>0</a:t>
+            </a:r>
+            <a:r>
+              <a:rPr lang="en-US" sz="2400" dirty="0" smtClean="0"/>
+              <a:t> = </a:t>
+            </a:r>
+            <a:r>
+              <a:rPr lang="en-US" sz="2400" dirty="0"/>
+              <a:t>x</a:t>
+            </a:r>
+            <a:endParaRPr lang="en-US" sz="2400" dirty="0" smtClean="0"/>
+          </a:p>
+          <a:p>
+            <a:r>
+              <a:rPr lang="en-US" sz="2400" dirty="0" smtClean="0"/>
+              <a:t>f = 1</a:t>
+            </a:r>
+          </a:p>
+          <a:p>
+            <a:r>
+              <a:rPr lang="en-US" sz="2400" dirty="0" smtClean="0"/>
+              <a:t>For </a:t>
+            </a:r>
+            <a:r>
+              <a:rPr lang="en-US" sz="2400" dirty="0" err="1" smtClean="0"/>
+              <a:t>i</a:t>
+            </a:r>
+            <a:r>
+              <a:rPr lang="en-US" sz="2400" dirty="0" smtClean="0"/>
+              <a:t> = k down to </a:t>
+            </a:r>
+            <a:r>
+              <a:rPr lang="en-US" sz="2400" dirty="0"/>
+              <a:t>0</a:t>
+            </a:r>
+            <a:r>
+              <a:rPr lang="en-US" sz="2400" dirty="0" smtClean="0"/>
+              <a:t> do</a:t>
+            </a:r>
+          </a:p>
+          <a:p>
+            <a:r>
+              <a:rPr lang="en-US" sz="2400" dirty="0"/>
+              <a:t>	</a:t>
+            </a:r>
+            <a:r>
+              <a:rPr lang="en-US" sz="2400" dirty="0" smtClean="0"/>
+              <a:t>f = f</a:t>
+            </a:r>
+            <a:r>
+              <a:rPr lang="en-US" sz="2400" baseline="30000" dirty="0" smtClean="0"/>
+              <a:t>2</a:t>
+            </a:r>
+            <a:r>
+              <a:rPr lang="en-US" sz="2400" dirty="0" smtClean="0"/>
+              <a:t>  mod N</a:t>
+            </a:r>
+          </a:p>
+          <a:p>
+            <a:r>
+              <a:rPr lang="en-US" sz="2400" dirty="0"/>
+              <a:t>	</a:t>
+            </a:r>
+            <a:r>
+              <a:rPr lang="en-US" sz="2400" dirty="0" smtClean="0"/>
+              <a:t>If b</a:t>
+            </a:r>
+            <a:r>
+              <a:rPr lang="en-US" sz="2400" baseline="-25000" dirty="0" smtClean="0"/>
+              <a:t>i</a:t>
+            </a:r>
+            <a:r>
+              <a:rPr lang="en-US" sz="2400" dirty="0" smtClean="0"/>
+              <a:t> = 1 then</a:t>
+            </a:r>
+          </a:p>
+          <a:p>
+            <a:r>
+              <a:rPr lang="en-US" sz="2400" dirty="0"/>
+              <a:t>	</a:t>
+            </a:r>
+            <a:r>
+              <a:rPr lang="en-US" sz="2400" dirty="0" smtClean="0"/>
+              <a:t>	f = f*h</a:t>
+            </a:r>
+          </a:p>
+          <a:p>
+            <a:r>
+              <a:rPr lang="en-US" sz="2400" dirty="0" smtClean="0"/>
+              <a:t>Return f</a:t>
+            </a:r>
+          </a:p>
+        </p:txBody>
+      </p:sp>
+      <p:sp>
+        <p:nvSpPr>
+          <p:cNvPr id="3" name="TextBox 2"/>
+          <p:cNvSpPr txBox="1"/>
+          <p:nvPr/>
+        </p:nvSpPr>
+        <p:spPr>
+          <a:xfrm>
+            <a:off x="480511" y="1447800"/>
+            <a:ext cx="5005747" cy="830997"/>
+          </a:xfrm>
+          <a:prstGeom prst="rect">
+            <a:avLst/>
+          </a:prstGeom>
+          <a:noFill/>
+        </p:spPr>
+        <p:txBody>
+          <a:bodyPr wrap="none" rtlCol="0">
+            <a:spAutoFit/>
+          </a:bodyPr>
+          <a:lstStyle/>
+          <a:p>
+            <a:r>
+              <a:rPr lang="en-US" sz="2400" dirty="0" smtClean="0"/>
+              <a:t>Let G  be cyclic group. </a:t>
+            </a:r>
+          </a:p>
+          <a:p>
+            <a:r>
+              <a:rPr lang="en-US" sz="2400" dirty="0" smtClean="0"/>
+              <a:t>How do we compute </a:t>
+            </a:r>
+            <a:r>
+              <a:rPr lang="en-US" sz="2400" dirty="0" err="1" smtClean="0"/>
+              <a:t>h</a:t>
+            </a:r>
+            <a:r>
+              <a:rPr lang="en-US" sz="2400" baseline="30000" dirty="0" err="1" smtClean="0"/>
+              <a:t>x</a:t>
+            </a:r>
+            <a:r>
+              <a:rPr lang="en-US" sz="2400" dirty="0" smtClean="0"/>
+              <a:t>  for any  h    G?</a:t>
+            </a:r>
+            <a:endParaRPr lang="en-US" sz="2400" dirty="0"/>
+          </a:p>
+        </p:txBody>
+      </p:sp>
+      <p:pic>
+        <p:nvPicPr>
+          <p:cNvPr id="6" name="Picture 5"/>
+          <p:cNvPicPr>
+            <a:picLocks noChangeAspect="1"/>
+          </p:cNvPicPr>
+          <p:nvPr/>
+        </p:nvPicPr>
+        <p:blipFill>
+          <a:blip r:embed="rId2"/>
+          <a:stretch>
+            <a:fillRect/>
+          </a:stretch>
+        </p:blipFill>
+        <p:spPr>
+          <a:xfrm>
+            <a:off x="4807536" y="1981200"/>
+            <a:ext cx="175491" cy="203200"/>
+          </a:xfrm>
+          <a:prstGeom prst="rect">
+            <a:avLst/>
+          </a:prstGeom>
+        </p:spPr>
+      </p:pic>
+      <p:sp>
+        <p:nvSpPr>
+          <p:cNvPr id="7" name="TextBox 6"/>
+          <p:cNvSpPr txBox="1"/>
+          <p:nvPr/>
+        </p:nvSpPr>
+        <p:spPr>
+          <a:xfrm>
+            <a:off x="609600" y="5029200"/>
+            <a:ext cx="2663560" cy="707886"/>
+          </a:xfrm>
+          <a:prstGeom prst="rect">
+            <a:avLst/>
+          </a:prstGeom>
+          <a:noFill/>
+        </p:spPr>
+        <p:txBody>
+          <a:bodyPr wrap="none" rtlCol="0">
+            <a:spAutoFit/>
+          </a:bodyPr>
+          <a:lstStyle/>
+          <a:p>
+            <a:r>
+              <a:rPr lang="en-US" sz="2000" dirty="0" smtClean="0"/>
+              <a:t>Requires time O(|G|) in </a:t>
+            </a:r>
+          </a:p>
+          <a:p>
+            <a:r>
+              <a:rPr lang="en-US" sz="2000" dirty="0" smtClean="0"/>
+              <a:t>worst case.  </a:t>
+            </a:r>
+            <a:endParaRPr lang="en-US" sz="2000" dirty="0"/>
+          </a:p>
+        </p:txBody>
+      </p:sp>
+      <p:sp>
+        <p:nvSpPr>
+          <p:cNvPr id="8" name="TextBox 7"/>
+          <p:cNvSpPr txBox="1"/>
+          <p:nvPr/>
+        </p:nvSpPr>
+        <p:spPr>
+          <a:xfrm>
+            <a:off x="4539121" y="5920710"/>
+            <a:ext cx="3660678" cy="707886"/>
+          </a:xfrm>
+          <a:prstGeom prst="rect">
+            <a:avLst/>
+          </a:prstGeom>
+          <a:noFill/>
+        </p:spPr>
+        <p:txBody>
+          <a:bodyPr wrap="none" rtlCol="0">
+            <a:spAutoFit/>
+          </a:bodyPr>
+          <a:lstStyle/>
+          <a:p>
+            <a:r>
+              <a:rPr lang="en-US" sz="2000" dirty="0" smtClean="0"/>
+              <a:t>Requires time O(k) multiplies and </a:t>
+            </a:r>
+          </a:p>
+          <a:p>
+            <a:r>
+              <a:rPr lang="en-US" sz="2000" dirty="0" smtClean="0"/>
+              <a:t>squares in worst case. </a:t>
+            </a:r>
+            <a:endParaRPr lang="en-US" sz="2000" dirty="0"/>
+          </a:p>
+        </p:txBody>
+      </p:sp>
+    </p:spTree>
+    <p:extLst>
+      <p:ext uri="{BB962C8B-B14F-4D97-AF65-F5344CB8AC3E}">
+        <p14:creationId xmlns:p14="http://schemas.microsoft.com/office/powerpoint/2010/main" val="581718761"/>
+      </p:ext>
+    </p:extLst>
+  </p:cSld>
+  <p:clrMapOvr>
+    <a:masterClrMapping/>
+  </p:clrMapOvr>
+  <p:timing>
+    <p:tnLst>
+      <p:par>
+        <p:cTn xmlns:p14="http://schemas.microsoft.com/office/powerpoint/2010/main" id="1" dur="indefinite" restart="never" nodeType="tmRoot">
+          <p:childTnLst>
+            <p:seq concurrent="1" nextAc="seek">
+              <p:cTn id="2" dur="indefinite" nodeType="mainSeq">
+                <p:childTnLst>
+                  <p:par>
+                    <p:cTn id="3" fill="hold">
+                      <p:stCondLst>
+                        <p:cond delay="indefinite"/>
+                      </p:stCondLst>
+                      <p:childTnLst>
+                        <p:par>
+                          <p:cTn id="4" fill="hold">
+                            <p:stCondLst>
+                              <p:cond delay="0"/>
+                            </p:stCondLst>
+                            <p:childTnLst>
+                              <p:par>
+                                <p:cTn id="5" presetID="1" presetClass="entr" presetSubtype="0" fill="hold" grpId="0" nodeType="clickEffect">
+                                  <p:stCondLst>
+                                    <p:cond delay="0"/>
+                                  </p:stCondLst>
+                                  <p:childTnLst>
+                                    <p:set>
+                                      <p:cBhvr>
+                                        <p:cTn id="6" dur="1" fill="hold">
+                                          <p:stCondLst>
+                                            <p:cond delay="0"/>
+                                          </p:stCondLst>
+                                        </p:cTn>
+                                        <p:tgtEl>
+                                          <p:spTgt spid="7"/>
+                                        </p:tgtEl>
+                                        <p:attrNameLst>
+                                          <p:attrName>style.visibility</p:attrName>
+                                        </p:attrNameLst>
+                                      </p:cBhvr>
+                                      <p:to>
+                                        <p:strVal val="visible"/>
+                                      </p:to>
+                                    </p:set>
+                                  </p:childTnLst>
+                                </p:cTn>
+                              </p:par>
+                            </p:childTnLst>
+                          </p:cTn>
+                        </p:par>
+                      </p:childTnLst>
+                    </p:cTn>
+                  </p:par>
+                  <p:par>
+                    <p:cTn id="7" fill="hold">
+                      <p:stCondLst>
+                        <p:cond delay="indefinite"/>
+                      </p:stCondLst>
+                      <p:childTnLst>
+                        <p:par>
+                          <p:cTn id="8" fill="hold">
+                            <p:stCondLst>
+                              <p:cond delay="0"/>
+                            </p:stCondLst>
+                            <p:childTnLst>
+                              <p:par>
+                                <p:cTn id="9" presetID="1" presetClass="entr" presetSubtype="0" fill="hold" grpId="0" nodeType="clickEffect">
+                                  <p:stCondLst>
+                                    <p:cond delay="0"/>
+                                  </p:stCondLst>
+                                  <p:childTnLst>
+                                    <p:set>
+                                      <p:cBhvr>
+                                        <p:cTn id="10" dur="1" fill="hold">
+                                          <p:stCondLst>
+                                            <p:cond delay="0"/>
+                                          </p:stCondLst>
+                                        </p:cTn>
+                                        <p:tgtEl>
+                                          <p:spTgt spid="5"/>
+                                        </p:tgtEl>
+                                        <p:attrNameLst>
+                                          <p:attrName>style.visibility</p:attrName>
+                                        </p:attrNameLst>
+                                      </p:cBhvr>
+                                      <p:to>
+                                        <p:strVal val="visible"/>
+                                      </p:to>
+                                    </p:set>
+                                  </p:childTnLst>
+                                </p:cTn>
+                              </p:par>
+                            </p:childTnLst>
+                          </p:cTn>
+                        </p:par>
+                      </p:childTnLst>
+                    </p:cTn>
+                  </p:par>
+                  <p:par>
+                    <p:cTn id="11" fill="hold">
+                      <p:stCondLst>
+                        <p:cond delay="indefinite"/>
+                      </p:stCondLst>
+                      <p:childTnLst>
+                        <p:par>
+                          <p:cTn id="12" fill="hold">
+                            <p:stCondLst>
+                              <p:cond delay="0"/>
+                            </p:stCondLst>
+                            <p:childTnLst>
+                              <p:par>
+                                <p:cTn id="13" presetID="1" presetClass="entr" presetSubtype="0" fill="hold" grpId="0" nodeType="clickEffect">
+                                  <p:stCondLst>
+                                    <p:cond delay="0"/>
+                                  </p:stCondLst>
+                                  <p:childTnLst>
+                                    <p:set>
+                                      <p:cBhvr>
+                                        <p:cTn id="14" dur="1" fill="hold">
+                                          <p:stCondLst>
+                                            <p:cond delay="0"/>
+                                          </p:stCondLst>
+                                        </p:cTn>
+                                        <p:tgtEl>
+                                          <p:spTgt spid="8"/>
+                                        </p:tgtEl>
+                                        <p:attrNameLst>
+                                          <p:attrName>style.visibility</p:attrName>
+                                        </p:attrNameLst>
+                                      </p:cBhvr>
+                                      <p:to>
+                                        <p:strVal val="visible"/>
+                                      </p:to>
+                                    </p:set>
+                                  </p:childTnLst>
+                                </p:cTn>
+                              </p:par>
+                            </p:childTnLst>
+                          </p:cTn>
+                        </p:par>
+                      </p:childTnLst>
+                    </p:cTn>
+                  </p:par>
+                </p:childTnLst>
+              </p:cTn>
+              <p:prevCondLst>
+                <p:cond evt="onPrev" delay="0">
+                  <p:tgtEl>
+                    <p:sldTgt/>
+                  </p:tgtEl>
+                </p:cond>
+              </p:prevCondLst>
+              <p:nextCondLst>
+                <p:cond evt="onNext" delay="0">
+                  <p:tgtEl>
+                    <p:sldTgt/>
+                  </p:tgtEl>
+                </p:cond>
+              </p:nextCondLst>
+            </p:seq>
+          </p:childTnLst>
+        </p:cTn>
+      </p:par>
+    </p:tnLst>
+    <p:bldLst>
+      <p:bldP spid="5" grpId="0" animBg="1"/>
+      <p:bldP spid="7" grpId="0"/>
+      <p:bldP spid="8" grpId="0"/>
+    </p:bldLst>
+  </p:timing>
+</p:sld>
+</file>
+
+<file path=ppt/slides/slide35.xml><?xml version="1.0" encoding="utf-8"?>
+<p:sld xmlns:a="http://schemas.openxmlformats.org/drawingml/2006/main" xmlns:r="http://schemas.openxmlformats.org/officeDocument/2006/relationships" xmlns:p="http://schemas.openxmlformats.org/presentationml/2006/main">
+  <p:cSld>
+    <p:spTree>
+      <p:nvGrpSpPr>
+        <p:cNvPr id="1" name=""/>
+        <p:cNvGrpSpPr/>
+        <p:nvPr/>
+      </p:nvGrpSpPr>
+      <p:grpSpPr>
+        <a:xfrm>
+          <a:off x="0" y="0"/>
+          <a:ext cx="0" cy="0"/>
+          <a:chOff x="0" y="0"/>
+          <a:chExt cx="0" cy="0"/>
+        </a:xfrm>
+      </p:grpSpPr>
+      <p:sp>
+        <p:nvSpPr>
+          <p:cNvPr id="5" name="TextBox 4"/>
+          <p:cNvSpPr txBox="1"/>
+          <p:nvPr/>
+        </p:nvSpPr>
+        <p:spPr>
+          <a:xfrm>
+            <a:off x="286322" y="152400"/>
+            <a:ext cx="3581400" cy="3046988"/>
+          </a:xfrm>
+          <a:prstGeom prst="rect">
+            <a:avLst/>
+          </a:prstGeom>
+          <a:noFill/>
+          <a:ln>
+            <a:solidFill>
+              <a:srgbClr val="4F81BD"/>
+            </a:solidFill>
+          </a:ln>
+        </p:spPr>
+        <p:txBody>
+          <a:bodyPr wrap="square" rtlCol="0">
+            <a:spAutoFit/>
+          </a:bodyPr>
+          <a:lstStyle/>
+          <a:p>
+            <a:r>
+              <a:rPr lang="en-US" sz="2400" u="sng" dirty="0" err="1" smtClean="0"/>
+              <a:t>SqrAndMulExp</a:t>
+            </a:r>
+            <a:r>
+              <a:rPr lang="en-US" sz="2400" u="sng" dirty="0" smtClean="0"/>
+              <a:t>(</a:t>
+            </a:r>
+            <a:r>
+              <a:rPr lang="en-US" sz="2400" u="sng" dirty="0" err="1" smtClean="0"/>
+              <a:t>h,x</a:t>
+            </a:r>
+            <a:r>
+              <a:rPr lang="en-US" sz="2400" u="sng" dirty="0" smtClean="0"/>
+              <a:t>)</a:t>
+            </a:r>
+          </a:p>
+          <a:p>
+            <a:r>
+              <a:rPr lang="en-US" sz="2400" dirty="0" err="1" smtClean="0"/>
+              <a:t>b</a:t>
+            </a:r>
+            <a:r>
+              <a:rPr lang="en-US" sz="2400" baseline="-25000" dirty="0" err="1" smtClean="0"/>
+              <a:t>k</a:t>
+            </a:r>
+            <a:r>
+              <a:rPr lang="en-US" sz="2400" dirty="0" smtClean="0"/>
+              <a:t>,…,b</a:t>
+            </a:r>
+            <a:r>
+              <a:rPr lang="en-US" sz="2400" baseline="-25000" dirty="0" smtClean="0"/>
+              <a:t>0</a:t>
+            </a:r>
+            <a:r>
+              <a:rPr lang="en-US" sz="2400" dirty="0" smtClean="0"/>
+              <a:t> = x</a:t>
+            </a:r>
+          </a:p>
+          <a:p>
+            <a:r>
+              <a:rPr lang="en-US" sz="2400" dirty="0" smtClean="0"/>
+              <a:t>f = 1</a:t>
+            </a:r>
+          </a:p>
+          <a:p>
+            <a:r>
+              <a:rPr lang="en-US" sz="2400" dirty="0" smtClean="0"/>
+              <a:t>For </a:t>
+            </a:r>
+            <a:r>
+              <a:rPr lang="en-US" sz="2400" dirty="0" err="1" smtClean="0"/>
+              <a:t>i</a:t>
+            </a:r>
+            <a:r>
+              <a:rPr lang="en-US" sz="2400" dirty="0" smtClean="0"/>
+              <a:t> = k down to 0 do</a:t>
+            </a:r>
+          </a:p>
+          <a:p>
+            <a:r>
+              <a:rPr lang="en-US" sz="2400" dirty="0" smtClean="0"/>
+              <a:t>	f = f</a:t>
+            </a:r>
+            <a:r>
+              <a:rPr lang="en-US" sz="2400" baseline="30000" dirty="0" smtClean="0"/>
+              <a:t>2</a:t>
+            </a:r>
+            <a:r>
+              <a:rPr lang="en-US" sz="2400" dirty="0" smtClean="0"/>
+              <a:t>  mod N</a:t>
+            </a:r>
+          </a:p>
+          <a:p>
+            <a:r>
+              <a:rPr lang="en-US" sz="2400" dirty="0" smtClean="0"/>
+              <a:t>	If b</a:t>
+            </a:r>
+            <a:r>
+              <a:rPr lang="en-US" sz="2400" baseline="-25000" dirty="0" smtClean="0"/>
+              <a:t>i</a:t>
+            </a:r>
+            <a:r>
+              <a:rPr lang="en-US" sz="2400" dirty="0" smtClean="0"/>
+              <a:t> = 1 then</a:t>
+            </a:r>
+          </a:p>
+          <a:p>
+            <a:r>
+              <a:rPr lang="en-US" sz="2400" dirty="0" smtClean="0"/>
+              <a:t>		f = f*h</a:t>
+            </a:r>
+          </a:p>
+          <a:p>
+            <a:r>
+              <a:rPr lang="en-US" sz="2400" dirty="0" smtClean="0"/>
+              <a:t>Return f</a:t>
+            </a:r>
+          </a:p>
+        </p:txBody>
+      </p:sp>
+      <p:sp>
+        <p:nvSpPr>
+          <p:cNvPr id="3" name="TextBox 2"/>
+          <p:cNvSpPr txBox="1"/>
+          <p:nvPr/>
+        </p:nvSpPr>
+        <p:spPr>
+          <a:xfrm>
+            <a:off x="1772534" y="4495800"/>
+            <a:ext cx="1454044" cy="523220"/>
+          </a:xfrm>
+          <a:prstGeom prst="rect">
+            <a:avLst/>
+          </a:prstGeom>
+          <a:noFill/>
+        </p:spPr>
+        <p:txBody>
+          <a:bodyPr wrap="none" rtlCol="0">
+            <a:spAutoFit/>
+          </a:bodyPr>
+          <a:lstStyle/>
+          <a:p>
+            <a:r>
+              <a:rPr lang="en-US" sz="2800" dirty="0" smtClean="0"/>
+              <a:t>f</a:t>
+            </a:r>
+            <a:r>
+              <a:rPr lang="en-US" sz="2800" baseline="-25000" dirty="0" smtClean="0"/>
+              <a:t>3</a:t>
+            </a:r>
+            <a:r>
+              <a:rPr lang="en-US" sz="2800" dirty="0" smtClean="0"/>
+              <a:t> = 1 </a:t>
+            </a:r>
+            <a:r>
+              <a:rPr lang="en-US" sz="2800" dirty="0" smtClean="0">
+                <a:latin typeface="Wingdings"/>
+                <a:ea typeface="Wingdings"/>
+                <a:cs typeface="Wingdings"/>
+                <a:sym typeface="Wingdings"/>
+              </a:rPr>
+              <a:t></a:t>
+            </a:r>
+            <a:r>
+              <a:rPr lang="en-US" sz="2800" dirty="0" smtClean="0"/>
+              <a:t> h </a:t>
+            </a:r>
+            <a:endParaRPr lang="en-US" sz="2800" dirty="0"/>
+          </a:p>
+        </p:txBody>
+      </p:sp>
+      <p:sp>
+        <p:nvSpPr>
+          <p:cNvPr id="10" name="TextBox 9"/>
+          <p:cNvSpPr txBox="1"/>
+          <p:nvPr/>
+        </p:nvSpPr>
+        <p:spPr>
+          <a:xfrm>
+            <a:off x="1776063" y="5115580"/>
+            <a:ext cx="1066743" cy="523220"/>
+          </a:xfrm>
+          <a:prstGeom prst="rect">
+            <a:avLst/>
+          </a:prstGeom>
+          <a:noFill/>
+        </p:spPr>
+        <p:txBody>
+          <a:bodyPr wrap="none" rtlCol="0">
+            <a:spAutoFit/>
+          </a:bodyPr>
+          <a:lstStyle/>
+          <a:p>
+            <a:r>
+              <a:rPr lang="en-US" sz="2800" dirty="0" smtClean="0"/>
+              <a:t>f</a:t>
+            </a:r>
+            <a:r>
+              <a:rPr lang="en-US" sz="2800" baseline="-25000" dirty="0"/>
+              <a:t>2</a:t>
+            </a:r>
+            <a:r>
+              <a:rPr lang="en-US" sz="2800" dirty="0" smtClean="0"/>
+              <a:t> = h</a:t>
+            </a:r>
+            <a:r>
+              <a:rPr lang="en-US" sz="2800" baseline="30000" dirty="0" smtClean="0"/>
+              <a:t>2 </a:t>
+            </a:r>
+            <a:r>
+              <a:rPr lang="en-US" sz="2800" dirty="0" smtClean="0"/>
+              <a:t> </a:t>
+            </a:r>
+            <a:endParaRPr lang="en-US" sz="2800" dirty="0"/>
+          </a:p>
+        </p:txBody>
+      </p:sp>
+      <p:sp>
+        <p:nvSpPr>
+          <p:cNvPr id="12" name="TextBox 11"/>
+          <p:cNvSpPr txBox="1"/>
+          <p:nvPr/>
+        </p:nvSpPr>
+        <p:spPr>
+          <a:xfrm>
+            <a:off x="1804800" y="5648980"/>
+            <a:ext cx="1894059" cy="523220"/>
+          </a:xfrm>
+          <a:prstGeom prst="rect">
+            <a:avLst/>
+          </a:prstGeom>
+          <a:noFill/>
+        </p:spPr>
+        <p:txBody>
+          <a:bodyPr wrap="none" rtlCol="0">
+            <a:spAutoFit/>
+          </a:bodyPr>
+          <a:lstStyle/>
+          <a:p>
+            <a:r>
+              <a:rPr lang="en-US" sz="2800" dirty="0" smtClean="0"/>
+              <a:t>f</a:t>
+            </a:r>
+            <a:r>
+              <a:rPr lang="en-US" sz="2800" baseline="-25000" dirty="0" smtClean="0"/>
+              <a:t>1</a:t>
+            </a:r>
+            <a:r>
+              <a:rPr lang="en-US" sz="2800" dirty="0" smtClean="0"/>
+              <a:t> = (h</a:t>
+            </a:r>
+            <a:r>
+              <a:rPr lang="en-US" sz="2800" baseline="30000" dirty="0" smtClean="0"/>
+              <a:t>2</a:t>
+            </a:r>
+            <a:r>
+              <a:rPr lang="en-US" sz="2800" dirty="0" smtClean="0"/>
+              <a:t>)</a:t>
+            </a:r>
+            <a:r>
+              <a:rPr lang="en-US" sz="2800" baseline="30000" dirty="0" smtClean="0"/>
+              <a:t>2 </a:t>
+            </a:r>
+            <a:r>
+              <a:rPr lang="en-US" sz="2800" dirty="0" smtClean="0">
+                <a:latin typeface="Wingdings"/>
+                <a:ea typeface="Wingdings"/>
+                <a:cs typeface="Wingdings"/>
+                <a:sym typeface="Wingdings"/>
+              </a:rPr>
+              <a:t></a:t>
+            </a:r>
+            <a:r>
+              <a:rPr lang="en-US" sz="2800" dirty="0" smtClean="0"/>
+              <a:t> </a:t>
+            </a:r>
+            <a:r>
+              <a:rPr lang="en-US" sz="2800" dirty="0"/>
+              <a:t>h</a:t>
+            </a:r>
+            <a:r>
+              <a:rPr lang="en-US" sz="2800" dirty="0" smtClean="0"/>
+              <a:t> </a:t>
+            </a:r>
+            <a:endParaRPr lang="en-US" sz="2800" dirty="0"/>
+          </a:p>
+        </p:txBody>
+      </p:sp>
+      <p:sp>
+        <p:nvSpPr>
+          <p:cNvPr id="4" name="TextBox 3"/>
+          <p:cNvSpPr txBox="1"/>
+          <p:nvPr/>
+        </p:nvSpPr>
+        <p:spPr>
+          <a:xfrm>
+            <a:off x="523244" y="4525266"/>
+            <a:ext cx="898804" cy="461665"/>
+          </a:xfrm>
+          <a:prstGeom prst="rect">
+            <a:avLst/>
+          </a:prstGeom>
+          <a:noFill/>
+        </p:spPr>
+        <p:txBody>
+          <a:bodyPr wrap="none" rtlCol="0">
+            <a:spAutoFit/>
+          </a:bodyPr>
+          <a:lstStyle/>
+          <a:p>
+            <a:r>
+              <a:rPr lang="en-US" sz="2400" dirty="0" smtClean="0"/>
+              <a:t>b</a:t>
+            </a:r>
+            <a:r>
+              <a:rPr lang="en-US" sz="2400" baseline="-25000" dirty="0" smtClean="0"/>
+              <a:t>3</a:t>
+            </a:r>
+            <a:r>
+              <a:rPr lang="en-US" sz="2400" dirty="0" smtClean="0"/>
+              <a:t> = 1</a:t>
+            </a:r>
+            <a:endParaRPr lang="en-US" sz="2400" dirty="0"/>
+          </a:p>
+        </p:txBody>
+      </p:sp>
+      <p:sp>
+        <p:nvSpPr>
+          <p:cNvPr id="13" name="TextBox 12"/>
+          <p:cNvSpPr txBox="1"/>
+          <p:nvPr/>
+        </p:nvSpPr>
+        <p:spPr>
+          <a:xfrm>
+            <a:off x="533400" y="5105400"/>
+            <a:ext cx="898804" cy="461665"/>
+          </a:xfrm>
+          <a:prstGeom prst="rect">
+            <a:avLst/>
+          </a:prstGeom>
+          <a:noFill/>
+        </p:spPr>
+        <p:txBody>
+          <a:bodyPr wrap="none" rtlCol="0">
+            <a:spAutoFit/>
+          </a:bodyPr>
+          <a:lstStyle/>
+          <a:p>
+            <a:r>
+              <a:rPr lang="en-US" sz="2400" dirty="0" smtClean="0"/>
+              <a:t>b</a:t>
+            </a:r>
+            <a:r>
+              <a:rPr lang="en-US" sz="2400" baseline="-25000" dirty="0"/>
+              <a:t>2</a:t>
+            </a:r>
+            <a:r>
+              <a:rPr lang="en-US" sz="2400" dirty="0" smtClean="0"/>
+              <a:t> = 0</a:t>
+            </a:r>
+            <a:endParaRPr lang="en-US" sz="2400" dirty="0"/>
+          </a:p>
+        </p:txBody>
+      </p:sp>
+      <p:sp>
+        <p:nvSpPr>
+          <p:cNvPr id="14" name="TextBox 13"/>
+          <p:cNvSpPr txBox="1"/>
+          <p:nvPr/>
+        </p:nvSpPr>
+        <p:spPr>
+          <a:xfrm>
+            <a:off x="533400" y="5725180"/>
+            <a:ext cx="898804" cy="461665"/>
+          </a:xfrm>
+          <a:prstGeom prst="rect">
+            <a:avLst/>
+          </a:prstGeom>
+          <a:noFill/>
+        </p:spPr>
+        <p:txBody>
+          <a:bodyPr wrap="none" rtlCol="0">
+            <a:spAutoFit/>
+          </a:bodyPr>
+          <a:lstStyle/>
+          <a:p>
+            <a:r>
+              <a:rPr lang="en-US" sz="2400" dirty="0" smtClean="0"/>
+              <a:t>b</a:t>
+            </a:r>
+            <a:r>
+              <a:rPr lang="en-US" sz="2400" baseline="-25000" dirty="0" smtClean="0"/>
+              <a:t>1</a:t>
+            </a:r>
+            <a:r>
+              <a:rPr lang="en-US" sz="2400" dirty="0" smtClean="0"/>
+              <a:t> = 1</a:t>
+            </a:r>
+            <a:endParaRPr lang="en-US" sz="2400" dirty="0"/>
+          </a:p>
+        </p:txBody>
+      </p:sp>
+      <p:sp>
+        <p:nvSpPr>
+          <p:cNvPr id="15" name="TextBox 14"/>
+          <p:cNvSpPr txBox="1"/>
+          <p:nvPr/>
+        </p:nvSpPr>
+        <p:spPr>
+          <a:xfrm>
+            <a:off x="1768196" y="6182380"/>
+            <a:ext cx="2382290" cy="523220"/>
+          </a:xfrm>
+          <a:prstGeom prst="rect">
+            <a:avLst/>
+          </a:prstGeom>
+          <a:noFill/>
+        </p:spPr>
+        <p:txBody>
+          <a:bodyPr wrap="none" rtlCol="0">
+            <a:spAutoFit/>
+          </a:bodyPr>
+          <a:lstStyle/>
+          <a:p>
+            <a:r>
+              <a:rPr lang="en-US" sz="2800" dirty="0" smtClean="0"/>
+              <a:t>f</a:t>
+            </a:r>
+            <a:r>
+              <a:rPr lang="en-US" sz="2800" baseline="-25000" dirty="0" smtClean="0"/>
+              <a:t>0</a:t>
+            </a:r>
+            <a:r>
+              <a:rPr lang="en-US" sz="2800" dirty="0" smtClean="0"/>
+              <a:t> = (h</a:t>
+            </a:r>
+            <a:r>
+              <a:rPr lang="en-US" sz="2800" baseline="30000" dirty="0" smtClean="0"/>
+              <a:t>4 </a:t>
+            </a:r>
+            <a:r>
+              <a:rPr lang="en-US" sz="2800" dirty="0" smtClean="0">
+                <a:latin typeface="Wingdings"/>
+                <a:ea typeface="Wingdings"/>
+                <a:cs typeface="Wingdings"/>
+                <a:sym typeface="Wingdings"/>
+              </a:rPr>
+              <a:t></a:t>
+            </a:r>
+            <a:r>
+              <a:rPr lang="en-US" sz="2800" dirty="0" smtClean="0"/>
+              <a:t> h)</a:t>
+            </a:r>
+            <a:r>
+              <a:rPr lang="en-US" sz="2800" baseline="30000" dirty="0" smtClean="0"/>
+              <a:t>2 </a:t>
+            </a:r>
+            <a:r>
+              <a:rPr lang="en-US" sz="2800" dirty="0">
+                <a:latin typeface="Wingdings"/>
+                <a:ea typeface="Wingdings"/>
+                <a:cs typeface="Wingdings"/>
+                <a:sym typeface="Wingdings"/>
+              </a:rPr>
+              <a:t></a:t>
+            </a:r>
+            <a:r>
+              <a:rPr lang="en-US" sz="2800" dirty="0"/>
+              <a:t> </a:t>
+            </a:r>
+            <a:r>
+              <a:rPr lang="en-US" sz="2800" dirty="0" smtClean="0"/>
+              <a:t>h </a:t>
+            </a:r>
+            <a:endParaRPr lang="en-US" sz="2800" dirty="0"/>
+          </a:p>
+        </p:txBody>
+      </p:sp>
+      <p:sp>
+        <p:nvSpPr>
+          <p:cNvPr id="16" name="TextBox 15"/>
+          <p:cNvSpPr txBox="1"/>
+          <p:nvPr/>
+        </p:nvSpPr>
+        <p:spPr>
+          <a:xfrm>
+            <a:off x="548996" y="6258580"/>
+            <a:ext cx="898804" cy="461665"/>
+          </a:xfrm>
+          <a:prstGeom prst="rect">
+            <a:avLst/>
+          </a:prstGeom>
+          <a:noFill/>
+        </p:spPr>
+        <p:txBody>
+          <a:bodyPr wrap="none" rtlCol="0">
+            <a:spAutoFit/>
+          </a:bodyPr>
+          <a:lstStyle/>
+          <a:p>
+            <a:r>
+              <a:rPr lang="en-US" sz="2400" dirty="0" smtClean="0"/>
+              <a:t>b</a:t>
+            </a:r>
+            <a:r>
+              <a:rPr lang="en-US" sz="2400" baseline="-25000" dirty="0" smtClean="0"/>
+              <a:t>1</a:t>
+            </a:r>
+            <a:r>
+              <a:rPr lang="en-US" sz="2400" dirty="0" smtClean="0"/>
+              <a:t> = 1</a:t>
+            </a:r>
+            <a:endParaRPr lang="en-US" sz="2400" dirty="0"/>
+          </a:p>
+        </p:txBody>
+      </p:sp>
+      <p:sp>
+        <p:nvSpPr>
+          <p:cNvPr id="17" name="TextBox 16"/>
+          <p:cNvSpPr txBox="1"/>
+          <p:nvPr/>
+        </p:nvSpPr>
+        <p:spPr>
+          <a:xfrm>
+            <a:off x="4267200" y="6172200"/>
+            <a:ext cx="2014802" cy="523220"/>
+          </a:xfrm>
+          <a:prstGeom prst="rect">
+            <a:avLst/>
+          </a:prstGeom>
+          <a:noFill/>
+        </p:spPr>
+        <p:txBody>
+          <a:bodyPr wrap="none" rtlCol="0">
+            <a:spAutoFit/>
+          </a:bodyPr>
+          <a:lstStyle/>
+          <a:p>
+            <a:r>
+              <a:rPr lang="en-US" sz="2800" dirty="0" smtClean="0"/>
+              <a:t>=   h</a:t>
+            </a:r>
+            <a:r>
+              <a:rPr lang="en-US" sz="2800" baseline="30000" dirty="0" smtClean="0"/>
+              <a:t>8 </a:t>
+            </a:r>
+            <a:r>
+              <a:rPr lang="en-US" sz="2800" dirty="0" smtClean="0">
+                <a:latin typeface="Wingdings"/>
+                <a:ea typeface="Wingdings"/>
+                <a:cs typeface="Wingdings"/>
+                <a:sym typeface="Wingdings"/>
+              </a:rPr>
+              <a:t></a:t>
+            </a:r>
+            <a:r>
+              <a:rPr lang="en-US" sz="2800" dirty="0" smtClean="0"/>
+              <a:t> h</a:t>
+            </a:r>
+            <a:r>
+              <a:rPr lang="en-US" sz="2800" baseline="30000" dirty="0" smtClean="0"/>
+              <a:t>2 </a:t>
+            </a:r>
+            <a:r>
+              <a:rPr lang="en-US" sz="2800" dirty="0">
+                <a:latin typeface="Wingdings"/>
+                <a:ea typeface="Wingdings"/>
+                <a:cs typeface="Wingdings"/>
+                <a:sym typeface="Wingdings"/>
+              </a:rPr>
+              <a:t></a:t>
+            </a:r>
+            <a:r>
+              <a:rPr lang="en-US" sz="2800" dirty="0"/>
+              <a:t> </a:t>
+            </a:r>
+            <a:r>
+              <a:rPr lang="en-US" sz="2800" dirty="0" smtClean="0"/>
+              <a:t>h </a:t>
+            </a:r>
+            <a:endParaRPr lang="en-US" sz="2800" dirty="0"/>
+          </a:p>
+        </p:txBody>
+      </p:sp>
+      <p:sp>
+        <p:nvSpPr>
+          <p:cNvPr id="18" name="TextBox 17"/>
+          <p:cNvSpPr txBox="1"/>
+          <p:nvPr/>
+        </p:nvSpPr>
+        <p:spPr>
+          <a:xfrm>
+            <a:off x="548996" y="3505200"/>
+            <a:ext cx="4756756" cy="646331"/>
+          </a:xfrm>
+          <a:prstGeom prst="rect">
+            <a:avLst/>
+          </a:prstGeom>
+          <a:noFill/>
+        </p:spPr>
+        <p:txBody>
+          <a:bodyPr wrap="none" rtlCol="0">
+            <a:spAutoFit/>
+          </a:bodyPr>
+          <a:lstStyle/>
+          <a:p>
+            <a:r>
+              <a:rPr lang="en-US" sz="3600" dirty="0"/>
+              <a:t>h</a:t>
+            </a:r>
+            <a:r>
+              <a:rPr lang="en-US" sz="3600" baseline="30000" dirty="0" smtClean="0"/>
+              <a:t>11</a:t>
+            </a:r>
+            <a:r>
+              <a:rPr lang="en-US" sz="3600" dirty="0" smtClean="0"/>
+              <a:t> =   h</a:t>
+            </a:r>
+            <a:r>
+              <a:rPr lang="en-US" sz="3600" baseline="30000" dirty="0" smtClean="0"/>
+              <a:t>8+2+1  </a:t>
+            </a:r>
+            <a:r>
+              <a:rPr lang="en-US" sz="3600" dirty="0" smtClean="0"/>
+              <a:t>= h</a:t>
+            </a:r>
+            <a:r>
+              <a:rPr lang="en-US" sz="3600" baseline="30000" dirty="0" smtClean="0"/>
+              <a:t>8  </a:t>
+            </a:r>
+            <a:r>
+              <a:rPr lang="en-US" sz="3600" dirty="0">
+                <a:latin typeface="Wingdings"/>
+                <a:ea typeface="Wingdings"/>
+                <a:cs typeface="Wingdings"/>
+                <a:sym typeface="Wingdings"/>
+              </a:rPr>
+              <a:t></a:t>
+            </a:r>
+            <a:r>
+              <a:rPr lang="en-US" sz="3600" dirty="0"/>
+              <a:t> </a:t>
+            </a:r>
+            <a:r>
+              <a:rPr lang="en-US" sz="3600" dirty="0" smtClean="0"/>
+              <a:t>h</a:t>
+            </a:r>
+            <a:r>
+              <a:rPr lang="en-US" sz="3600" baseline="30000" dirty="0" smtClean="0"/>
+              <a:t>2 </a:t>
+            </a:r>
+            <a:r>
+              <a:rPr lang="en-US" sz="3600" dirty="0">
+                <a:latin typeface="Wingdings"/>
+                <a:ea typeface="Wingdings"/>
+                <a:cs typeface="Wingdings"/>
+                <a:sym typeface="Wingdings"/>
+              </a:rPr>
+              <a:t></a:t>
+            </a:r>
+            <a:r>
+              <a:rPr lang="en-US" sz="3600" dirty="0"/>
+              <a:t> </a:t>
+            </a:r>
+            <a:r>
+              <a:rPr lang="en-US" sz="3600" dirty="0" smtClean="0"/>
+              <a:t>h </a:t>
+            </a:r>
+            <a:endParaRPr lang="en-US" sz="3600" dirty="0"/>
+          </a:p>
+        </p:txBody>
+      </p:sp>
+      <p:pic>
+        <p:nvPicPr>
+          <p:cNvPr id="6" name="Picture 5"/>
+          <p:cNvPicPr>
+            <a:picLocks noChangeAspect="1"/>
+          </p:cNvPicPr>
+          <p:nvPr/>
+        </p:nvPicPr>
+        <p:blipFill>
+          <a:blip r:embed="rId2"/>
+          <a:stretch>
+            <a:fillRect/>
+          </a:stretch>
+        </p:blipFill>
+        <p:spPr>
+          <a:xfrm>
+            <a:off x="4545236" y="400620"/>
+            <a:ext cx="1855564" cy="968120"/>
+          </a:xfrm>
+          <a:prstGeom prst="rect">
+            <a:avLst/>
+          </a:prstGeom>
+        </p:spPr>
+      </p:pic>
+      <p:pic>
+        <p:nvPicPr>
+          <p:cNvPr id="9" name="Picture 8"/>
+          <p:cNvPicPr>
+            <a:picLocks noChangeAspect="1"/>
+          </p:cNvPicPr>
+          <p:nvPr/>
+        </p:nvPicPr>
+        <p:blipFill>
+          <a:blip r:embed="rId3"/>
+          <a:stretch>
+            <a:fillRect/>
+          </a:stretch>
+        </p:blipFill>
+        <p:spPr>
+          <a:xfrm>
+            <a:off x="4289033" y="1676400"/>
+            <a:ext cx="4511835" cy="1065788"/>
+          </a:xfrm>
+          <a:prstGeom prst="rect">
+            <a:avLst/>
+          </a:prstGeom>
+        </p:spPr>
+      </p:pic>
+    </p:spTree>
+    <p:extLst>
+      <p:ext uri="{BB962C8B-B14F-4D97-AF65-F5344CB8AC3E}">
+        <p14:creationId xmlns:p14="http://schemas.microsoft.com/office/powerpoint/2010/main" val="4121997412"/>
+      </p:ext>
+    </p:extLst>
+  </p:cSld>
+  <p:clrMapOvr>
+    <a:masterClrMapping/>
+  </p:clrMapOvr>
+  <p:timing>
+    <p:tnLst>
+      <p:par>
+        <p:cTn xmlns:p14="http://schemas.microsoft.com/office/powerpoint/2010/main" id="1" dur="indefinite" restart="never" nodeType="tmRoot"/>
+      </p:par>
+    </p:tnLst>
+  </p:timing>
+</p:sld>
+</file>
+
+<file path=ppt/slides/slide36.xml><?xml version="1.0" encoding="utf-8"?>
+<p:sld xmlns:a="http://schemas.openxmlformats.org/drawingml/2006/main" xmlns:r="http://schemas.openxmlformats.org/officeDocument/2006/relationships" xmlns:p="http://schemas.openxmlformats.org/presentationml/2006/main">
+  <p:cSld>
+    <p:spTree>
+      <p:nvGrpSpPr>
+        <p:cNvPr id="1" name=""/>
+        <p:cNvGrpSpPr/>
+        <p:nvPr/>
+      </p:nvGrpSpPr>
+      <p:grpSpPr>
+        <a:xfrm>
+          <a:off x="0" y="0"/>
+          <a:ext cx="0" cy="0"/>
+          <a:chOff x="0" y="0"/>
+          <a:chExt cx="0" cy="0"/>
+        </a:xfrm>
+      </p:grpSpPr>
+      <p:sp>
+        <p:nvSpPr>
+          <p:cNvPr id="4" name="TextBox 3"/>
+          <p:cNvSpPr txBox="1"/>
+          <p:nvPr/>
+        </p:nvSpPr>
+        <p:spPr>
+          <a:xfrm>
+            <a:off x="2209800" y="5312614"/>
+            <a:ext cx="340182" cy="523220"/>
+          </a:xfrm>
+          <a:prstGeom prst="rect">
+            <a:avLst/>
+          </a:prstGeom>
+          <a:noFill/>
+        </p:spPr>
+        <p:txBody>
+          <a:bodyPr wrap="none" rtlCol="0">
+            <a:spAutoFit/>
+          </a:bodyPr>
+          <a:lstStyle/>
+          <a:p>
+            <a:r>
+              <a:rPr lang="en-US" sz="2800" dirty="0" smtClean="0"/>
+              <a:t>x</a:t>
+            </a:r>
+            <a:endParaRPr lang="en-US" sz="2800" dirty="0"/>
+          </a:p>
+        </p:txBody>
+      </p:sp>
+      <p:sp>
+        <p:nvSpPr>
+          <p:cNvPr id="5" name="TextBox 4"/>
+          <p:cNvSpPr txBox="1"/>
+          <p:nvPr/>
+        </p:nvSpPr>
+        <p:spPr>
+          <a:xfrm>
+            <a:off x="6324600" y="5312614"/>
+            <a:ext cx="457360" cy="523220"/>
+          </a:xfrm>
+          <a:prstGeom prst="rect">
+            <a:avLst/>
+          </a:prstGeom>
+          <a:noFill/>
+        </p:spPr>
+        <p:txBody>
+          <a:bodyPr wrap="none" rtlCol="0">
+            <a:spAutoFit/>
+          </a:bodyPr>
+          <a:lstStyle/>
+          <a:p>
+            <a:r>
+              <a:rPr lang="en-US" sz="2800" dirty="0" err="1" smtClean="0"/>
+              <a:t>g</a:t>
+            </a:r>
+            <a:r>
+              <a:rPr lang="en-US" sz="2800" baseline="30000" dirty="0" err="1" smtClean="0"/>
+              <a:t>x</a:t>
+            </a:r>
+            <a:endParaRPr lang="en-US" sz="2800" dirty="0"/>
+          </a:p>
+        </p:txBody>
+      </p:sp>
+      <p:cxnSp>
+        <p:nvCxnSpPr>
+          <p:cNvPr id="6" name="Curved Connector 5"/>
+          <p:cNvCxnSpPr>
+            <a:stCxn id="4" idx="0"/>
+            <a:endCxn id="5" idx="0"/>
+          </p:cNvCxnSpPr>
+          <p:nvPr/>
+        </p:nvCxnSpPr>
+        <p:spPr>
+          <a:xfrm rot="5400000" flipH="1" flipV="1">
+            <a:off x="4466585" y="3225920"/>
+            <a:ext cx="12700" cy="4173389"/>
+          </a:xfrm>
+          <a:prstGeom prst="curvedConnector3">
+            <a:avLst>
+              <a:gd name="adj1" fmla="val 5133472"/>
+            </a:avLst>
+          </a:prstGeom>
+          <a:ln w="38100" cmpd="sng">
+            <a:solidFill>
+              <a:srgbClr val="4F81BD"/>
+            </a:solidFill>
+            <a:headEnd type="none"/>
+            <a:tailEnd type="triangle"/>
+          </a:ln>
+        </p:spPr>
+        <p:style>
+          <a:lnRef idx="2">
+            <a:schemeClr val="accent1"/>
+          </a:lnRef>
+          <a:fillRef idx="0">
+            <a:schemeClr val="accent1"/>
+          </a:fillRef>
+          <a:effectRef idx="1">
+            <a:schemeClr val="accent1"/>
+          </a:effectRef>
+          <a:fontRef idx="minor">
+            <a:schemeClr val="tx1"/>
+          </a:fontRef>
+        </p:style>
+      </p:cxnSp>
+      <p:cxnSp>
+        <p:nvCxnSpPr>
+          <p:cNvPr id="7" name="Curved Connector 6"/>
+          <p:cNvCxnSpPr>
+            <a:stCxn id="5" idx="2"/>
+            <a:endCxn id="4" idx="2"/>
+          </p:cNvCxnSpPr>
+          <p:nvPr/>
+        </p:nvCxnSpPr>
+        <p:spPr>
+          <a:xfrm rot="5400000">
+            <a:off x="4466586" y="3749140"/>
+            <a:ext cx="12700" cy="4173389"/>
+          </a:xfrm>
+          <a:prstGeom prst="curvedConnector3">
+            <a:avLst>
+              <a:gd name="adj1" fmla="val 3962268"/>
+            </a:avLst>
+          </a:prstGeom>
+          <a:ln w="38100" cmpd="sng">
+            <a:solidFill>
+              <a:srgbClr val="4F81BD"/>
+            </a:solidFill>
+            <a:headEnd type="none"/>
+            <a:tailEnd type="triangle"/>
+          </a:ln>
+        </p:spPr>
+        <p:style>
+          <a:lnRef idx="2">
+            <a:schemeClr val="accent1"/>
+          </a:lnRef>
+          <a:fillRef idx="0">
+            <a:schemeClr val="accent1"/>
+          </a:fillRef>
+          <a:effectRef idx="1">
+            <a:schemeClr val="accent1"/>
+          </a:effectRef>
+          <a:fontRef idx="minor">
+            <a:schemeClr val="tx1"/>
+          </a:fontRef>
+        </p:style>
+      </p:cxnSp>
+      <p:sp>
+        <p:nvSpPr>
+          <p:cNvPr id="8" name="TextBox 7"/>
+          <p:cNvSpPr txBox="1"/>
+          <p:nvPr/>
+        </p:nvSpPr>
+        <p:spPr>
+          <a:xfrm>
+            <a:off x="3983424" y="4036368"/>
+            <a:ext cx="748923" cy="461665"/>
+          </a:xfrm>
+          <a:prstGeom prst="rect">
+            <a:avLst/>
+          </a:prstGeom>
+          <a:noFill/>
+        </p:spPr>
+        <p:txBody>
+          <a:bodyPr wrap="none" rtlCol="0">
+            <a:spAutoFit/>
+          </a:bodyPr>
+          <a:lstStyle/>
+          <a:p>
+            <a:r>
+              <a:rPr lang="en-US" sz="2400" dirty="0" smtClean="0"/>
+              <a:t>easy</a:t>
+            </a:r>
+            <a:endParaRPr lang="en-US" sz="2400" dirty="0"/>
+          </a:p>
+        </p:txBody>
+      </p:sp>
+      <p:sp>
+        <p:nvSpPr>
+          <p:cNvPr id="9" name="TextBox 8"/>
+          <p:cNvSpPr txBox="1"/>
+          <p:nvPr/>
+        </p:nvSpPr>
+        <p:spPr>
+          <a:xfrm>
+            <a:off x="4191000" y="6320135"/>
+            <a:ext cx="762799" cy="461665"/>
+          </a:xfrm>
+          <a:prstGeom prst="rect">
+            <a:avLst/>
+          </a:prstGeom>
+          <a:noFill/>
+        </p:spPr>
+        <p:txBody>
+          <a:bodyPr wrap="none" rtlCol="0">
+            <a:spAutoFit/>
+          </a:bodyPr>
+          <a:lstStyle/>
+          <a:p>
+            <a:r>
+              <a:rPr lang="en-US" sz="2400" dirty="0" smtClean="0"/>
+              <a:t>hard</a:t>
+            </a:r>
+            <a:endParaRPr lang="en-US" sz="2400" dirty="0"/>
+          </a:p>
+        </p:txBody>
+      </p:sp>
+      <p:sp>
+        <p:nvSpPr>
+          <p:cNvPr id="13" name="Title 1"/>
+          <p:cNvSpPr>
+            <a:spLocks noGrp="1"/>
+          </p:cNvSpPr>
+          <p:nvPr>
+            <p:ph type="title"/>
+          </p:nvPr>
+        </p:nvSpPr>
+        <p:spPr>
+          <a:xfrm>
+            <a:off x="457200" y="274638"/>
+            <a:ext cx="8229600" cy="1143000"/>
+          </a:xfrm>
+        </p:spPr>
+        <p:txBody>
+          <a:bodyPr/>
+          <a:lstStyle/>
+          <a:p>
+            <a:r>
+              <a:rPr lang="en-US" dirty="0" smtClean="0"/>
+              <a:t>The discrete log problem</a:t>
+            </a:r>
+            <a:endParaRPr lang="en-US" dirty="0"/>
+          </a:p>
+        </p:txBody>
+      </p:sp>
+      <p:sp>
+        <p:nvSpPr>
+          <p:cNvPr id="14" name="TextBox 13"/>
+          <p:cNvSpPr txBox="1"/>
+          <p:nvPr/>
+        </p:nvSpPr>
+        <p:spPr>
+          <a:xfrm>
+            <a:off x="442987" y="1676400"/>
+            <a:ext cx="8520281" cy="2246769"/>
+          </a:xfrm>
+          <a:prstGeom prst="rect">
+            <a:avLst/>
+          </a:prstGeom>
+          <a:noFill/>
+        </p:spPr>
+        <p:txBody>
+          <a:bodyPr wrap="none" rtlCol="0">
+            <a:spAutoFit/>
+          </a:bodyPr>
+          <a:lstStyle/>
+          <a:p>
+            <a:r>
+              <a:rPr lang="en-US" sz="2800" dirty="0" smtClean="0"/>
+              <a:t>Fix a cyclic group G with generator g</a:t>
+            </a:r>
+          </a:p>
+          <a:p>
+            <a:endParaRPr lang="en-US" sz="2800" b="1" dirty="0" smtClean="0"/>
+          </a:p>
+          <a:p>
+            <a:r>
+              <a:rPr lang="en-US" sz="2800" dirty="0" smtClean="0"/>
+              <a:t>Pick x at random from </a:t>
+            </a:r>
+            <a:r>
+              <a:rPr lang="en-US" sz="2800" b="1" dirty="0" smtClean="0"/>
+              <a:t>Z</a:t>
+            </a:r>
+            <a:r>
+              <a:rPr lang="en-US" sz="2800" baseline="-25000" dirty="0" smtClean="0"/>
+              <a:t>|G|</a:t>
+            </a:r>
+          </a:p>
+          <a:p>
+            <a:endParaRPr lang="en-US" sz="2800" dirty="0" smtClean="0"/>
+          </a:p>
+          <a:p>
+            <a:r>
+              <a:rPr lang="en-US" sz="2800" dirty="0" smtClean="0"/>
+              <a:t>Give adversary g, X = </a:t>
+            </a:r>
+            <a:r>
+              <a:rPr lang="en-US" sz="2800" dirty="0" err="1" smtClean="0"/>
+              <a:t>g</a:t>
+            </a:r>
+            <a:r>
+              <a:rPr lang="en-US" sz="2800" baseline="30000" dirty="0" err="1" smtClean="0"/>
+              <a:t>x</a:t>
+            </a:r>
+            <a:r>
+              <a:rPr lang="en-US" sz="2800" dirty="0" smtClean="0"/>
+              <a:t> . Adversary’s goal is to compute x</a:t>
+            </a:r>
+            <a:endParaRPr lang="en-US" sz="2800" dirty="0"/>
+          </a:p>
+        </p:txBody>
+      </p:sp>
+    </p:spTree>
+    <p:extLst>
+      <p:ext uri="{BB962C8B-B14F-4D97-AF65-F5344CB8AC3E}">
+        <p14:creationId xmlns:p14="http://schemas.microsoft.com/office/powerpoint/2010/main" val="1460341439"/>
+      </p:ext>
+    </p:extLst>
+  </p:cSld>
+  <p:clrMapOvr>
+    <a:masterClrMapping/>
+  </p:clrMapOvr>
+  <p:timing>
+    <p:tnLst>
+      <p:par>
+        <p:cTn xmlns:p14="http://schemas.microsoft.com/office/powerpoint/2010/main" id="1" dur="indefinite" restart="never" nodeType="tmRoot">
+          <p:childTnLst>
+            <p:seq concurrent="1" nextAc="seek">
+              <p:cTn id="2" dur="indefinite" nodeType="mainSeq">
+                <p:childTnLst>
+                  <p:par>
+                    <p:cTn id="3" fill="hold">
+                      <p:stCondLst>
+                        <p:cond delay="indefinite"/>
+                      </p:stCondLst>
+                      <p:childTnLst>
+                        <p:par>
+                          <p:cTn id="4" fill="hold">
+                            <p:stCondLst>
+                              <p:cond delay="0"/>
+                            </p:stCondLst>
+                            <p:childTnLst>
+                              <p:par>
+                                <p:cTn id="5" presetID="1" presetClass="entr" presetSubtype="0" fill="hold" nodeType="clickEffect">
+                                  <p:stCondLst>
+                                    <p:cond delay="0"/>
+                                  </p:stCondLst>
+                                  <p:childTnLst>
+                                    <p:set>
+                                      <p:cBhvr>
+                                        <p:cTn id="6" dur="1" fill="hold">
+                                          <p:stCondLst>
+                                            <p:cond delay="0"/>
+                                          </p:stCondLst>
+                                        </p:cTn>
+                                        <p:tgtEl>
+                                          <p:spTgt spid="14">
+                                            <p:txEl>
+                                              <p:pRg st="4" end="4"/>
+                                            </p:txEl>
+                                          </p:spTgt>
+                                        </p:tgtEl>
+                                        <p:attrNameLst>
+                                          <p:attrName>style.visibility</p:attrName>
+                                        </p:attrNameLst>
+                                      </p:cBhvr>
+                                      <p:to>
+                                        <p:strVal val="visible"/>
+                                      </p:to>
+                                    </p:set>
+                                  </p:childTnLst>
+                                </p:cTn>
+                              </p:par>
+                            </p:childTnLst>
+                          </p:cTn>
+                        </p:par>
+                      </p:childTnLst>
+                    </p:cTn>
+                  </p:par>
+                </p:childTnLst>
+              </p:cTn>
+              <p:prevCondLst>
+                <p:cond evt="onPrev" delay="0">
+                  <p:tgtEl>
+                    <p:sldTgt/>
+                  </p:tgtEl>
+                </p:cond>
+              </p:prevCondLst>
+              <p:nextCondLst>
+                <p:cond evt="onNext" delay="0">
+                  <p:tgtEl>
+                    <p:sldTgt/>
+                  </p:tgtEl>
+                </p:cond>
+              </p:nextCondLst>
+            </p:seq>
+          </p:childTnLst>
+        </p:cTn>
+      </p:par>
+    </p:tnLst>
+  </p:timing>
+</p:sld>
+</file>
+
+<file path=ppt/slides/slide37.xml><?xml version="1.0" encoding="utf-8"?>
+<p:sld xmlns:a="http://schemas.openxmlformats.org/drawingml/2006/main" xmlns:r="http://schemas.openxmlformats.org/officeDocument/2006/relationships" xmlns:p="http://schemas.openxmlformats.org/presentationml/2006/main">
+  <p:cSld>
+    <p:spTree>
+      <p:nvGrpSpPr>
+        <p:cNvPr id="1" name=""/>
+        <p:cNvGrpSpPr/>
+        <p:nvPr/>
+      </p:nvGrpSpPr>
+      <p:grpSpPr>
+        <a:xfrm>
+          <a:off x="0" y="0"/>
+          <a:ext cx="0" cy="0"/>
+          <a:chOff x="0" y="0"/>
+          <a:chExt cx="0" cy="0"/>
+        </a:xfrm>
+      </p:grpSpPr>
+      <p:sp>
+        <p:nvSpPr>
+          <p:cNvPr id="2" name="Title 1"/>
+          <p:cNvSpPr>
+            <a:spLocks noGrp="1"/>
+          </p:cNvSpPr>
+          <p:nvPr>
+            <p:ph type="title"/>
+          </p:nvPr>
+        </p:nvSpPr>
+        <p:spPr/>
+        <p:txBody>
+          <a:bodyPr/>
+          <a:lstStyle/>
+          <a:p>
+            <a:r>
+              <a:rPr lang="en-US" dirty="0" smtClean="0"/>
+              <a:t>The discrete log problem</a:t>
+            </a:r>
+            <a:endParaRPr lang="en-US" dirty="0"/>
+          </a:p>
+        </p:txBody>
+      </p:sp>
+      <p:sp>
+        <p:nvSpPr>
+          <p:cNvPr id="10" name="TextBox 9"/>
+          <p:cNvSpPr txBox="1"/>
+          <p:nvPr/>
+        </p:nvSpPr>
+        <p:spPr>
+          <a:xfrm>
+            <a:off x="442987" y="1676400"/>
+            <a:ext cx="8601366" cy="2246769"/>
+          </a:xfrm>
+          <a:prstGeom prst="rect">
+            <a:avLst/>
+          </a:prstGeom>
+          <a:noFill/>
+        </p:spPr>
+        <p:txBody>
+          <a:bodyPr wrap="none" rtlCol="0">
+            <a:spAutoFit/>
+          </a:bodyPr>
+          <a:lstStyle/>
+          <a:p>
+            <a:r>
+              <a:rPr lang="en-US" sz="2800" dirty="0" smtClean="0"/>
+              <a:t>Fix a cyclic group G with generator g</a:t>
+            </a:r>
+          </a:p>
+          <a:p>
+            <a:endParaRPr lang="en-US" sz="2800" b="1" dirty="0" smtClean="0"/>
+          </a:p>
+          <a:p>
+            <a:r>
+              <a:rPr lang="en-US" sz="2800" dirty="0" smtClean="0"/>
+              <a:t>Pick x at random from </a:t>
+            </a:r>
+            <a:r>
+              <a:rPr lang="en-US" sz="2800" b="1" dirty="0" smtClean="0"/>
+              <a:t>Z</a:t>
+            </a:r>
+            <a:r>
+              <a:rPr lang="en-US" sz="2800" baseline="-25000" dirty="0" smtClean="0"/>
+              <a:t>|G|</a:t>
+            </a:r>
+          </a:p>
+          <a:p>
+            <a:endParaRPr lang="en-US" sz="2800" dirty="0" smtClean="0"/>
+          </a:p>
+          <a:p>
+            <a:r>
+              <a:rPr lang="en-US" sz="2800" dirty="0" smtClean="0"/>
+              <a:t>Give adversary g, X = </a:t>
+            </a:r>
+            <a:r>
+              <a:rPr lang="en-US" sz="2800" dirty="0" err="1" smtClean="0"/>
+              <a:t>g</a:t>
+            </a:r>
+            <a:r>
+              <a:rPr lang="en-US" sz="2800" baseline="30000" dirty="0" err="1" smtClean="0"/>
+              <a:t>x</a:t>
+            </a:r>
+            <a:r>
+              <a:rPr lang="en-US" sz="2800" dirty="0" smtClean="0"/>
+              <a:t> . Adversary’s goal is to compute x</a:t>
+            </a:r>
+            <a:endParaRPr lang="en-US" sz="2800" dirty="0"/>
+          </a:p>
+        </p:txBody>
+      </p:sp>
+      <p:sp>
+        <p:nvSpPr>
+          <p:cNvPr id="12" name="TextBox 11"/>
+          <p:cNvSpPr txBox="1"/>
+          <p:nvPr/>
+        </p:nvSpPr>
+        <p:spPr>
+          <a:xfrm>
+            <a:off x="457200" y="4343400"/>
+            <a:ext cx="3671538" cy="1569660"/>
+          </a:xfrm>
+          <a:prstGeom prst="rect">
+            <a:avLst/>
+          </a:prstGeom>
+          <a:noFill/>
+          <a:ln>
+            <a:solidFill>
+              <a:srgbClr val="4F81BD"/>
+            </a:solidFill>
+          </a:ln>
+        </p:spPr>
+        <p:txBody>
+          <a:bodyPr wrap="square" rtlCol="0">
+            <a:spAutoFit/>
+          </a:bodyPr>
+          <a:lstStyle/>
+          <a:p>
+            <a:r>
+              <a:rPr lang="en-US" sz="2400" u="sng" dirty="0" smtClean="0">
+                <a:latin typeface="Apple Chancery"/>
+                <a:cs typeface="Apple Chancery"/>
+              </a:rPr>
+              <a:t>A</a:t>
+            </a:r>
+            <a:r>
+              <a:rPr lang="en-US" sz="2400" u="sng" dirty="0" smtClean="0"/>
+              <a:t>(</a:t>
+            </a:r>
+            <a:r>
+              <a:rPr lang="en-US" sz="2400" u="sng" dirty="0"/>
+              <a:t>X</a:t>
+            </a:r>
+            <a:r>
+              <a:rPr lang="en-US" sz="2400" u="sng" dirty="0" smtClean="0"/>
+              <a:t>):</a:t>
+            </a:r>
+          </a:p>
+          <a:p>
+            <a:r>
+              <a:rPr lang="en-US" sz="2400" dirty="0" smtClean="0"/>
+              <a:t>for </a:t>
+            </a:r>
+            <a:r>
+              <a:rPr lang="en-US" sz="2400" dirty="0" err="1" smtClean="0"/>
+              <a:t>i</a:t>
+            </a:r>
+            <a:r>
+              <a:rPr lang="en-US" sz="2400" dirty="0" smtClean="0"/>
+              <a:t> = 2 , … ,  |G|-1 do</a:t>
+            </a:r>
+          </a:p>
+          <a:p>
+            <a:r>
+              <a:rPr lang="en-US" sz="2400" dirty="0" smtClean="0"/>
+              <a:t>	if X  = </a:t>
+            </a:r>
+            <a:r>
+              <a:rPr lang="en-US" sz="2400" dirty="0" err="1" smtClean="0"/>
+              <a:t>g</a:t>
+            </a:r>
+            <a:r>
+              <a:rPr lang="en-US" sz="2400" baseline="30000" dirty="0" err="1" smtClean="0"/>
+              <a:t>i</a:t>
+            </a:r>
+            <a:r>
+              <a:rPr lang="en-US" sz="2400" dirty="0" smtClean="0"/>
+              <a:t> then </a:t>
+            </a:r>
+          </a:p>
+          <a:p>
+            <a:r>
+              <a:rPr lang="en-US" sz="2400" dirty="0" smtClean="0"/>
+              <a:t>		Return </a:t>
+            </a:r>
+            <a:r>
+              <a:rPr lang="en-US" sz="2400" dirty="0" err="1" smtClean="0"/>
+              <a:t>i</a:t>
+            </a:r>
+            <a:endParaRPr lang="en-US" sz="2400" dirty="0" smtClean="0"/>
+          </a:p>
+        </p:txBody>
+      </p:sp>
+      <p:sp>
+        <p:nvSpPr>
+          <p:cNvPr id="14" name="TextBox 13"/>
+          <p:cNvSpPr txBox="1"/>
+          <p:nvPr/>
+        </p:nvSpPr>
+        <p:spPr>
+          <a:xfrm>
+            <a:off x="4585938" y="4115812"/>
+            <a:ext cx="4366156" cy="3046988"/>
+          </a:xfrm>
+          <a:prstGeom prst="rect">
+            <a:avLst/>
+          </a:prstGeom>
+          <a:noFill/>
+        </p:spPr>
+        <p:txBody>
+          <a:bodyPr wrap="none" rtlCol="0">
+            <a:spAutoFit/>
+          </a:bodyPr>
+          <a:lstStyle/>
+          <a:p>
+            <a:r>
+              <a:rPr lang="en-US" sz="2400" dirty="0" smtClean="0"/>
+              <a:t>Very slow for large groups!</a:t>
+            </a:r>
+          </a:p>
+          <a:p>
+            <a:r>
+              <a:rPr lang="en-US" sz="2400" dirty="0" smtClean="0">
+                <a:latin typeface="Apple Chancery"/>
+                <a:cs typeface="Apple Chancery"/>
+              </a:rPr>
+              <a:t>        O</a:t>
+            </a:r>
+            <a:r>
+              <a:rPr lang="en-US" sz="2400" dirty="0" smtClean="0"/>
+              <a:t>(|G|) </a:t>
+            </a:r>
+          </a:p>
+          <a:p>
+            <a:endParaRPr lang="en-US" sz="2400" dirty="0"/>
+          </a:p>
+          <a:p>
+            <a:r>
+              <a:rPr lang="en-US" sz="2400" dirty="0" smtClean="0"/>
+              <a:t>Baby-step giant-step is better:</a:t>
+            </a:r>
+          </a:p>
+          <a:p>
+            <a:r>
+              <a:rPr lang="en-US" sz="2400" dirty="0" smtClean="0">
+                <a:latin typeface="Apple Chancery"/>
+                <a:cs typeface="Apple Chancery"/>
+              </a:rPr>
+              <a:t>            O</a:t>
+            </a:r>
+            <a:r>
+              <a:rPr lang="en-US" sz="2400" dirty="0" smtClean="0"/>
+              <a:t>(|G|</a:t>
+            </a:r>
+            <a:r>
+              <a:rPr lang="en-US" sz="2400" baseline="30000" dirty="0" smtClean="0"/>
+              <a:t>0.5</a:t>
+            </a:r>
+            <a:r>
+              <a:rPr lang="en-US" sz="2400" dirty="0" smtClean="0"/>
+              <a:t>)</a:t>
+            </a:r>
+          </a:p>
+          <a:p>
+            <a:r>
+              <a:rPr lang="en-US" sz="2400" dirty="0" smtClean="0"/>
+              <a:t>Nothing faster is known for some</a:t>
+            </a:r>
+          </a:p>
+          <a:p>
+            <a:r>
+              <a:rPr lang="en-US" sz="2400" dirty="0" smtClean="0"/>
+              <a:t>groups.</a:t>
+            </a:r>
+          </a:p>
+          <a:p>
+            <a:endParaRPr lang="en-US" sz="2400" dirty="0" smtClean="0"/>
+          </a:p>
+        </p:txBody>
+      </p:sp>
+    </p:spTree>
+    <p:extLst>
+      <p:ext uri="{BB962C8B-B14F-4D97-AF65-F5344CB8AC3E}">
+        <p14:creationId xmlns:p14="http://schemas.microsoft.com/office/powerpoint/2010/main" val="3664622768"/>
+      </p:ext>
+    </p:extLst>
+  </p:cSld>
+  <p:clrMapOvr>
+    <a:masterClrMapping/>
+  </p:clrMapOvr>
+  <p:timing>
+    <p:tnLst>
+      <p:par>
+        <p:cTn xmlns:p14="http://schemas.microsoft.com/office/powerpoint/2010/main" id="1" dur="indefinite" restart="never" nodeType="tmRoot">
+          <p:childTnLst>
+            <p:seq concurrent="1" nextAc="seek">
+              <p:cTn id="2" dur="indefinite" nodeType="mainSeq">
+                <p:childTnLst>
+                  <p:par>
+                    <p:cTn id="3" fill="hold">
+                      <p:stCondLst>
+                        <p:cond delay="indefinite"/>
+                      </p:stCondLst>
+                      <p:childTnLst>
+                        <p:par>
+                          <p:cTn id="4" fill="hold">
+                            <p:stCondLst>
+                              <p:cond delay="0"/>
+                            </p:stCondLst>
+                            <p:childTnLst>
+                              <p:par>
+                                <p:cTn id="5" presetID="1" presetClass="entr" presetSubtype="0" fill="hold" nodeType="clickEffect">
+                                  <p:stCondLst>
+                                    <p:cond delay="0"/>
+                                  </p:stCondLst>
+                                  <p:childTnLst>
+                                    <p:set>
+                                      <p:cBhvr>
+                                        <p:cTn id="6" dur="1" fill="hold">
+                                          <p:stCondLst>
+                                            <p:cond delay="0"/>
+                                          </p:stCondLst>
+                                        </p:cTn>
+                                        <p:tgtEl>
+                                          <p:spTgt spid="10">
+                                            <p:txEl>
+                                              <p:pRg st="4" end="4"/>
+                                            </p:txEl>
+                                          </p:spTgt>
+                                        </p:tgtEl>
+                                        <p:attrNameLst>
+                                          <p:attrName>style.visibility</p:attrName>
+                                        </p:attrNameLst>
+                                      </p:cBhvr>
+                                      <p:to>
+                                        <p:strVal val="visible"/>
+                                      </p:to>
+                                    </p:set>
+                                  </p:childTnLst>
+                                </p:cTn>
+                              </p:par>
+                            </p:childTnLst>
+                          </p:cTn>
+                        </p:par>
+                      </p:childTnLst>
+                    </p:cTn>
+                  </p:par>
+                  <p:par>
+                    <p:cTn id="7" fill="hold">
+                      <p:stCondLst>
+                        <p:cond delay="indefinite"/>
+                      </p:stCondLst>
+                      <p:childTnLst>
+                        <p:par>
+                          <p:cTn id="8" fill="hold">
+                            <p:stCondLst>
+                              <p:cond delay="0"/>
+                            </p:stCondLst>
+                            <p:childTnLst>
+                              <p:par>
+                                <p:cTn id="9" presetID="1" presetClass="entr" presetSubtype="0" fill="hold" grpId="0" nodeType="clickEffect">
+                                  <p:stCondLst>
+                                    <p:cond delay="0"/>
+                                  </p:stCondLst>
+                                  <p:childTnLst>
+                                    <p:set>
+                                      <p:cBhvr>
+                                        <p:cTn id="10" dur="1" fill="hold">
+                                          <p:stCondLst>
+                                            <p:cond delay="0"/>
+                                          </p:stCondLst>
+                                        </p:cTn>
+                                        <p:tgtEl>
+                                          <p:spTgt spid="12"/>
+                                        </p:tgtEl>
+                                        <p:attrNameLst>
+                                          <p:attrName>style.visibility</p:attrName>
+                                        </p:attrNameLst>
+                                      </p:cBhvr>
+                                      <p:to>
+                                        <p:strVal val="visible"/>
+                                      </p:to>
+                                    </p:set>
+                                  </p:childTnLst>
+                                </p:cTn>
+                              </p:par>
+                            </p:childTnLst>
+                          </p:cTn>
+                        </p:par>
+                      </p:childTnLst>
+                    </p:cTn>
+                  </p:par>
+                  <p:par>
+                    <p:cTn id="11" fill="hold">
+                      <p:stCondLst>
+                        <p:cond delay="indefinite"/>
+                      </p:stCondLst>
+                      <p:childTnLst>
+                        <p:par>
+                          <p:cTn id="12" fill="hold">
+                            <p:stCondLst>
+                              <p:cond delay="0"/>
+                            </p:stCondLst>
+                            <p:childTnLst>
+                              <p:par>
+                                <p:cTn id="13" presetID="1" presetClass="entr" presetSubtype="0" fill="hold" nodeType="clickEffect">
+                                  <p:stCondLst>
+                                    <p:cond delay="0"/>
+                                  </p:stCondLst>
+                                  <p:childTnLst>
+                                    <p:set>
+                                      <p:cBhvr>
+                                        <p:cTn id="14" dur="1" fill="hold">
+                                          <p:stCondLst>
+                                            <p:cond delay="0"/>
+                                          </p:stCondLst>
+                                        </p:cTn>
+                                        <p:tgtEl>
+                                          <p:spTgt spid="14">
+                                            <p:txEl>
+                                              <p:pRg st="0" end="0"/>
+                                            </p:txEl>
+                                          </p:spTgt>
+                                        </p:tgtEl>
+                                        <p:attrNameLst>
+                                          <p:attrName>style.visibility</p:attrName>
+                                        </p:attrNameLst>
+                                      </p:cBhvr>
+                                      <p:to>
+                                        <p:strVal val="visible"/>
+                                      </p:to>
+                                    </p:set>
+                                  </p:childTnLst>
+                                </p:cTn>
+                              </p:par>
+                              <p:par>
+                                <p:cTn id="15" presetID="1" presetClass="entr" presetSubtype="0" fill="hold" nodeType="withEffect">
+                                  <p:stCondLst>
+                                    <p:cond delay="0"/>
+                                  </p:stCondLst>
+                                  <p:childTnLst>
+                                    <p:set>
+                                      <p:cBhvr>
+                                        <p:cTn id="16" dur="1" fill="hold">
+                                          <p:stCondLst>
+                                            <p:cond delay="0"/>
+                                          </p:stCondLst>
+                                        </p:cTn>
+                                        <p:tgtEl>
+                                          <p:spTgt spid="14">
+                                            <p:txEl>
+                                              <p:pRg st="1" end="1"/>
+                                            </p:txEl>
+                                          </p:spTgt>
+                                        </p:tgtEl>
+                                        <p:attrNameLst>
+                                          <p:attrName>style.visibility</p:attrName>
+                                        </p:attrNameLst>
+                                      </p:cBhvr>
+                                      <p:to>
+                                        <p:strVal val="visible"/>
+                                      </p:to>
+                                    </p:set>
+                                  </p:childTnLst>
+                                </p:cTn>
+                              </p:par>
+                            </p:childTnLst>
+                          </p:cTn>
+                        </p:par>
+                      </p:childTnLst>
+                    </p:cTn>
+                  </p:par>
+                  <p:par>
+                    <p:cTn id="17" fill="hold">
+                      <p:stCondLst>
+                        <p:cond delay="indefinite"/>
+                      </p:stCondLst>
+                      <p:childTnLst>
+                        <p:par>
+                          <p:cTn id="18" fill="hold">
+                            <p:stCondLst>
+                              <p:cond delay="0"/>
+                            </p:stCondLst>
+                            <p:childTnLst>
+                              <p:par>
+                                <p:cTn id="19" presetID="1" presetClass="entr" presetSubtype="0" fill="hold" nodeType="clickEffect">
+                                  <p:stCondLst>
+                                    <p:cond delay="0"/>
+                                  </p:stCondLst>
+                                  <p:childTnLst>
+                                    <p:set>
+                                      <p:cBhvr>
+                                        <p:cTn id="20" dur="1" fill="hold">
+                                          <p:stCondLst>
+                                            <p:cond delay="0"/>
+                                          </p:stCondLst>
+                                        </p:cTn>
+                                        <p:tgtEl>
+                                          <p:spTgt spid="14">
+                                            <p:txEl>
+                                              <p:pRg st="3" end="3"/>
+                                            </p:txEl>
+                                          </p:spTgt>
+                                        </p:tgtEl>
+                                        <p:attrNameLst>
+                                          <p:attrName>style.visibility</p:attrName>
+                                        </p:attrNameLst>
+                                      </p:cBhvr>
+                                      <p:to>
+                                        <p:strVal val="visible"/>
+                                      </p:to>
+                                    </p:set>
+                                  </p:childTnLst>
+                                </p:cTn>
+                              </p:par>
+                              <p:par>
+                                <p:cTn id="21" presetID="1" presetClass="entr" presetSubtype="0" fill="hold" nodeType="withEffect">
+                                  <p:stCondLst>
+                                    <p:cond delay="0"/>
+                                  </p:stCondLst>
+                                  <p:childTnLst>
+                                    <p:set>
+                                      <p:cBhvr>
+                                        <p:cTn id="22" dur="1" fill="hold">
+                                          <p:stCondLst>
+                                            <p:cond delay="0"/>
+                                          </p:stCondLst>
+                                        </p:cTn>
+                                        <p:tgtEl>
+                                          <p:spTgt spid="14">
+                                            <p:txEl>
+                                              <p:pRg st="4" end="4"/>
+                                            </p:txEl>
+                                          </p:spTgt>
+                                        </p:tgtEl>
+                                        <p:attrNameLst>
+                                          <p:attrName>style.visibility</p:attrName>
+                                        </p:attrNameLst>
+                                      </p:cBhvr>
+                                      <p:to>
+                                        <p:strVal val="visible"/>
+                                      </p:to>
+                                    </p:set>
+                                  </p:childTnLst>
+                                </p:cTn>
+                              </p:par>
+                              <p:par>
+                                <p:cTn id="23" presetID="1" presetClass="entr" presetSubtype="0" fill="hold" nodeType="withEffect">
+                                  <p:stCondLst>
+                                    <p:cond delay="0"/>
+                                  </p:stCondLst>
+                                  <p:childTnLst>
+                                    <p:set>
+                                      <p:cBhvr>
+                                        <p:cTn id="24" dur="1" fill="hold">
+                                          <p:stCondLst>
+                                            <p:cond delay="0"/>
+                                          </p:stCondLst>
+                                        </p:cTn>
+                                        <p:tgtEl>
+                                          <p:spTgt spid="14">
+                                            <p:txEl>
+                                              <p:pRg st="5" end="5"/>
+                                            </p:txEl>
+                                          </p:spTgt>
+                                        </p:tgtEl>
+                                        <p:attrNameLst>
+                                          <p:attrName>style.visibility</p:attrName>
+                                        </p:attrNameLst>
+                                      </p:cBhvr>
+                                      <p:to>
+                                        <p:strVal val="visible"/>
+                                      </p:to>
+                                    </p:set>
+                                  </p:childTnLst>
+                                </p:cTn>
+                              </p:par>
+                              <p:par>
+                                <p:cTn id="25" presetID="1" presetClass="entr" presetSubtype="0" fill="hold" nodeType="withEffect">
+                                  <p:stCondLst>
+                                    <p:cond delay="0"/>
+                                  </p:stCondLst>
+                                  <p:childTnLst>
+                                    <p:set>
+                                      <p:cBhvr>
+                                        <p:cTn id="26" dur="1" fill="hold">
+                                          <p:stCondLst>
+                                            <p:cond delay="0"/>
+                                          </p:stCondLst>
+                                        </p:cTn>
+                                        <p:tgtEl>
+                                          <p:spTgt spid="14">
+                                            <p:txEl>
+                                              <p:pRg st="6" end="6"/>
+                                            </p:txEl>
+                                          </p:spTgt>
+                                        </p:tgtEl>
+                                        <p:attrNameLst>
+                                          <p:attrName>style.visibility</p:attrName>
+                                        </p:attrNameLst>
+                                      </p:cBhvr>
+                                      <p:to>
+                                        <p:strVal val="visible"/>
+                                      </p:to>
+                                    </p:set>
+                                  </p:childTnLst>
+                                </p:cTn>
+                              </p:par>
+                            </p:childTnLst>
+                          </p:cTn>
+                        </p:par>
+                      </p:childTnLst>
+                    </p:cTn>
+                  </p:par>
+                </p:childTnLst>
+              </p:cTn>
+              <p:prevCondLst>
+                <p:cond evt="onPrev" delay="0">
+                  <p:tgtEl>
+                    <p:sldTgt/>
+                  </p:tgtEl>
+                </p:cond>
+              </p:prevCondLst>
+              <p:nextCondLst>
+                <p:cond evt="onNext" delay="0">
+                  <p:tgtEl>
+                    <p:sldTgt/>
+                  </p:tgtEl>
+                </p:cond>
+              </p:nextCondLst>
+            </p:seq>
+          </p:childTnLst>
+        </p:cTn>
+      </p:par>
+    </p:tnLst>
+    <p:bldLst>
+      <p:bldP spid="12" grpId="0" animBg="1"/>
+    </p:bldLst>
+  </p:timing>
+</p:sld>
+</file>
+
+<file path=ppt/slides/slide38.xml><?xml version="1.0" encoding="utf-8"?>
+<p:sld xmlns:a="http://schemas.openxmlformats.org/drawingml/2006/main" xmlns:r="http://schemas.openxmlformats.org/officeDocument/2006/relationships" xmlns:p="http://schemas.openxmlformats.org/presentationml/2006/main">
+  <p:cSld>
+    <p:spTree>
+      <p:nvGrpSpPr>
+        <p:cNvPr id="1" name=""/>
+        <p:cNvGrpSpPr/>
+        <p:nvPr/>
+      </p:nvGrpSpPr>
+      <p:grpSpPr>
+        <a:xfrm>
+          <a:off x="0" y="0"/>
+          <a:ext cx="0" cy="0"/>
+          <a:chOff x="0" y="0"/>
+          <a:chExt cx="0" cy="0"/>
+        </a:xfrm>
+      </p:grpSpPr>
+      <p:sp>
+        <p:nvSpPr>
+          <p:cNvPr id="2" name="Title 1"/>
+          <p:cNvSpPr>
+            <a:spLocks noGrp="1"/>
+          </p:cNvSpPr>
+          <p:nvPr>
+            <p:ph type="title"/>
+          </p:nvPr>
+        </p:nvSpPr>
+        <p:spPr/>
+        <p:txBody>
+          <a:bodyPr>
+            <a:normAutofit/>
+          </a:bodyPr>
+          <a:lstStyle/>
+          <a:p>
+            <a:r>
+              <a:rPr lang="en-US" dirty="0" err="1" smtClean="0"/>
+              <a:t>Diffie</a:t>
+            </a:r>
+            <a:r>
+              <a:rPr lang="en-US" dirty="0" smtClean="0"/>
+              <a:t>-Hellman Key Exchange</a:t>
+            </a:r>
+            <a:endParaRPr lang="en-US" dirty="0"/>
+          </a:p>
+        </p:txBody>
+      </p:sp>
+      <p:sp>
+        <p:nvSpPr>
+          <p:cNvPr id="4" name="TextBox 3"/>
+          <p:cNvSpPr txBox="1"/>
+          <p:nvPr/>
+        </p:nvSpPr>
+        <p:spPr>
+          <a:xfrm>
+            <a:off x="279293" y="2602468"/>
+            <a:ext cx="2659260" cy="707886"/>
+          </a:xfrm>
+          <a:prstGeom prst="rect">
+            <a:avLst/>
+          </a:prstGeom>
+          <a:noFill/>
+        </p:spPr>
+        <p:txBody>
+          <a:bodyPr wrap="none" rtlCol="0">
+            <a:spAutoFit/>
+          </a:bodyPr>
+          <a:lstStyle/>
+          <a:p>
+            <a:r>
+              <a:rPr lang="en-US" sz="2000" dirty="0" smtClean="0"/>
+              <a:t>Pick random x from </a:t>
+            </a:r>
+            <a:r>
+              <a:rPr lang="en-US" sz="2000" b="1" dirty="0" smtClean="0"/>
+              <a:t>Z</a:t>
+            </a:r>
+            <a:r>
+              <a:rPr lang="en-US" sz="2000" baseline="-25000" dirty="0" smtClean="0"/>
+              <a:t>|G|</a:t>
+            </a:r>
+          </a:p>
+          <a:p>
+            <a:r>
+              <a:rPr lang="en-US" sz="2000" dirty="0" smtClean="0"/>
+              <a:t>X = </a:t>
+            </a:r>
+            <a:r>
+              <a:rPr lang="en-US" sz="2000" dirty="0" err="1" smtClean="0"/>
+              <a:t>g</a:t>
+            </a:r>
+            <a:r>
+              <a:rPr lang="en-US" sz="2000" baseline="30000" dirty="0" err="1" smtClean="0"/>
+              <a:t>x</a:t>
+            </a:r>
+            <a:endParaRPr lang="en-US" sz="2000" dirty="0"/>
+          </a:p>
+        </p:txBody>
+      </p:sp>
+      <p:cxnSp>
+        <p:nvCxnSpPr>
+          <p:cNvPr id="5" name="Straight Arrow Connector 4"/>
+          <p:cNvCxnSpPr/>
+          <p:nvPr/>
+        </p:nvCxnSpPr>
+        <p:spPr>
+          <a:xfrm>
+            <a:off x="3352800" y="2188823"/>
+            <a:ext cx="2057400" cy="0"/>
+          </a:xfrm>
+          <a:prstGeom prst="straightConnector1">
+            <a:avLst/>
+          </a:prstGeom>
+          <a:ln>
+            <a:tailEnd type="arrow"/>
+          </a:ln>
+        </p:spPr>
+        <p:style>
+          <a:lnRef idx="2">
+            <a:schemeClr val="accent1"/>
+          </a:lnRef>
+          <a:fillRef idx="0">
+            <a:schemeClr val="accent1"/>
+          </a:fillRef>
+          <a:effectRef idx="1">
+            <a:schemeClr val="accent1"/>
+          </a:effectRef>
+          <a:fontRef idx="minor">
+            <a:schemeClr val="tx1"/>
+          </a:fontRef>
+        </p:style>
+      </p:cxnSp>
+      <p:sp>
+        <p:nvSpPr>
+          <p:cNvPr id="6" name="TextBox 5"/>
+          <p:cNvSpPr txBox="1"/>
+          <p:nvPr/>
+        </p:nvSpPr>
+        <p:spPr>
+          <a:xfrm>
+            <a:off x="4114800" y="1846709"/>
+            <a:ext cx="304478" cy="369332"/>
+          </a:xfrm>
+          <a:prstGeom prst="rect">
+            <a:avLst/>
+          </a:prstGeom>
+          <a:noFill/>
+        </p:spPr>
+        <p:txBody>
+          <a:bodyPr wrap="none" rtlCol="0">
+            <a:spAutoFit/>
+          </a:bodyPr>
+          <a:lstStyle/>
+          <a:p>
+            <a:r>
+              <a:rPr lang="en-US" dirty="0" smtClean="0"/>
+              <a:t>X</a:t>
+            </a:r>
+            <a:endParaRPr lang="en-US" dirty="0"/>
+          </a:p>
+        </p:txBody>
+      </p:sp>
+      <p:cxnSp>
+        <p:nvCxnSpPr>
+          <p:cNvPr id="9" name="Straight Arrow Connector 8"/>
+          <p:cNvCxnSpPr/>
+          <p:nvPr/>
+        </p:nvCxnSpPr>
+        <p:spPr>
+          <a:xfrm flipH="1">
+            <a:off x="3352800" y="2932914"/>
+            <a:ext cx="2057400" cy="0"/>
+          </a:xfrm>
+          <a:prstGeom prst="straightConnector1">
+            <a:avLst/>
+          </a:prstGeom>
+          <a:ln>
+            <a:tailEnd type="arrow"/>
+          </a:ln>
+        </p:spPr>
+        <p:style>
+          <a:lnRef idx="2">
+            <a:schemeClr val="accent1"/>
+          </a:lnRef>
+          <a:fillRef idx="0">
+            <a:schemeClr val="accent1"/>
+          </a:fillRef>
+          <a:effectRef idx="1">
+            <a:schemeClr val="accent1"/>
+          </a:effectRef>
+          <a:fontRef idx="minor">
+            <a:schemeClr val="tx1"/>
+          </a:fontRef>
+        </p:style>
+      </p:cxnSp>
+      <p:sp>
+        <p:nvSpPr>
+          <p:cNvPr id="10" name="TextBox 9"/>
+          <p:cNvSpPr txBox="1"/>
+          <p:nvPr/>
+        </p:nvSpPr>
+        <p:spPr>
+          <a:xfrm>
+            <a:off x="4114800" y="2590800"/>
+            <a:ext cx="300082" cy="369332"/>
+          </a:xfrm>
+          <a:prstGeom prst="rect">
+            <a:avLst/>
+          </a:prstGeom>
+          <a:noFill/>
+        </p:spPr>
+        <p:txBody>
+          <a:bodyPr wrap="none" rtlCol="0">
+            <a:spAutoFit/>
+          </a:bodyPr>
+          <a:lstStyle/>
+          <a:p>
+            <a:r>
+              <a:rPr lang="en-US" dirty="0"/>
+              <a:t>Y</a:t>
+            </a:r>
+          </a:p>
+        </p:txBody>
+      </p:sp>
+      <p:sp>
+        <p:nvSpPr>
+          <p:cNvPr id="13" name="TextBox 12"/>
+          <p:cNvSpPr txBox="1"/>
+          <p:nvPr/>
+        </p:nvSpPr>
+        <p:spPr>
+          <a:xfrm>
+            <a:off x="632702" y="3733800"/>
+            <a:ext cx="1254270" cy="461665"/>
+          </a:xfrm>
+          <a:prstGeom prst="rect">
+            <a:avLst/>
+          </a:prstGeom>
+          <a:noFill/>
+        </p:spPr>
+        <p:txBody>
+          <a:bodyPr wrap="none" rtlCol="0">
+            <a:spAutoFit/>
+          </a:bodyPr>
+          <a:lstStyle/>
+          <a:p>
+            <a:r>
+              <a:rPr lang="en-US" sz="2400" dirty="0" smtClean="0"/>
+              <a:t>K = H(</a:t>
+            </a:r>
+            <a:r>
+              <a:rPr lang="en-US" sz="2400" dirty="0" err="1" smtClean="0"/>
+              <a:t>Y</a:t>
+            </a:r>
+            <a:r>
+              <a:rPr lang="en-US" sz="2400" baseline="30000" dirty="0" err="1" smtClean="0"/>
+              <a:t>x</a:t>
+            </a:r>
+            <a:r>
+              <a:rPr lang="en-US" sz="2400" dirty="0" smtClean="0"/>
+              <a:t>)</a:t>
+            </a:r>
+            <a:endParaRPr lang="en-US" sz="2400" dirty="0"/>
+          </a:p>
+        </p:txBody>
+      </p:sp>
+      <p:pic>
+        <p:nvPicPr>
+          <p:cNvPr id="14" name="Picture 2" descr="C:\Documents and Settings\rist\Local Settings\Temporary Internet Files\Content.IE5\QB8JK7EN\MCj04415380000[1].png"/>
+          <p:cNvPicPr>
+            <a:picLocks noChangeAspect="1" noChangeArrowheads="1"/>
+          </p:cNvPicPr>
+          <p:nvPr/>
+        </p:nvPicPr>
+        <p:blipFill>
+          <a:blip r:embed="rId2"/>
+          <a:srcRect/>
+          <a:stretch>
+            <a:fillRect/>
+          </a:stretch>
+        </p:blipFill>
+        <p:spPr bwMode="auto">
+          <a:xfrm>
+            <a:off x="316495" y="1371600"/>
+            <a:ext cx="1207394" cy="1190624"/>
+          </a:xfrm>
+          <a:prstGeom prst="rect">
+            <a:avLst/>
+          </a:prstGeom>
+          <a:noFill/>
+        </p:spPr>
+      </p:pic>
+      <p:pic>
+        <p:nvPicPr>
+          <p:cNvPr id="15" name="Picture 3" descr="C:\Documents and Settings\rist\Local Settings\Temporary Internet Files\Content.IE5\CNYX6FYV\MCj04352420000[1].png"/>
+          <p:cNvPicPr>
+            <a:picLocks noChangeAspect="1" noChangeArrowheads="1"/>
+          </p:cNvPicPr>
+          <p:nvPr/>
+        </p:nvPicPr>
+        <p:blipFill>
+          <a:blip r:embed="rId3" cstate="print"/>
+          <a:srcRect/>
+          <a:stretch>
+            <a:fillRect/>
+          </a:stretch>
+        </p:blipFill>
+        <p:spPr bwMode="auto">
+          <a:xfrm>
+            <a:off x="6705600" y="1447800"/>
+            <a:ext cx="779079" cy="1541463"/>
+          </a:xfrm>
+          <a:prstGeom prst="rect">
+            <a:avLst/>
+          </a:prstGeom>
+          <a:noFill/>
+        </p:spPr>
+      </p:pic>
+      <p:sp>
+        <p:nvSpPr>
+          <p:cNvPr id="16" name="TextBox 15"/>
+          <p:cNvSpPr txBox="1"/>
+          <p:nvPr/>
+        </p:nvSpPr>
+        <p:spPr>
+          <a:xfrm>
+            <a:off x="5715000" y="2602468"/>
+            <a:ext cx="2664269" cy="707886"/>
+          </a:xfrm>
+          <a:prstGeom prst="rect">
+            <a:avLst/>
+          </a:prstGeom>
+          <a:noFill/>
+        </p:spPr>
+        <p:txBody>
+          <a:bodyPr wrap="none" rtlCol="0">
+            <a:spAutoFit/>
+          </a:bodyPr>
+          <a:lstStyle/>
+          <a:p>
+            <a:r>
+              <a:rPr lang="en-US" sz="2000" dirty="0" smtClean="0"/>
+              <a:t>Pick random y from </a:t>
+            </a:r>
+            <a:r>
+              <a:rPr lang="en-US" sz="2000" b="1" dirty="0" smtClean="0"/>
+              <a:t>Z</a:t>
+            </a:r>
+            <a:r>
+              <a:rPr lang="en-US" sz="2000" baseline="-25000" dirty="0" smtClean="0"/>
+              <a:t>|G|</a:t>
+            </a:r>
+          </a:p>
+          <a:p>
+            <a:r>
+              <a:rPr lang="en-US" sz="2000" dirty="0"/>
+              <a:t>Y</a:t>
+            </a:r>
+            <a:r>
+              <a:rPr lang="en-US" sz="2000" dirty="0" smtClean="0"/>
+              <a:t> = </a:t>
+            </a:r>
+            <a:r>
+              <a:rPr lang="en-US" sz="2000" dirty="0" err="1" smtClean="0"/>
+              <a:t>g</a:t>
+            </a:r>
+            <a:r>
+              <a:rPr lang="en-US" sz="2000" baseline="30000" dirty="0" err="1" smtClean="0"/>
+              <a:t>y</a:t>
+            </a:r>
+            <a:endParaRPr lang="en-US" sz="2000" dirty="0"/>
+          </a:p>
+        </p:txBody>
+      </p:sp>
+      <p:sp>
+        <p:nvSpPr>
+          <p:cNvPr id="17" name="TextBox 16"/>
+          <p:cNvSpPr txBox="1"/>
+          <p:nvPr/>
+        </p:nvSpPr>
+        <p:spPr>
+          <a:xfrm>
+            <a:off x="6441930" y="3729335"/>
+            <a:ext cx="1268045" cy="461665"/>
+          </a:xfrm>
+          <a:prstGeom prst="rect">
+            <a:avLst/>
+          </a:prstGeom>
+          <a:noFill/>
+        </p:spPr>
+        <p:txBody>
+          <a:bodyPr wrap="none" rtlCol="0">
+            <a:spAutoFit/>
+          </a:bodyPr>
+          <a:lstStyle/>
+          <a:p>
+            <a:r>
+              <a:rPr lang="en-US" sz="2400" dirty="0" smtClean="0"/>
+              <a:t>K = H(</a:t>
+            </a:r>
+            <a:r>
+              <a:rPr lang="en-US" sz="2400" dirty="0" err="1" smtClean="0"/>
+              <a:t>X</a:t>
+            </a:r>
+            <a:r>
+              <a:rPr lang="en-US" sz="2400" baseline="30000" dirty="0" err="1" smtClean="0"/>
+              <a:t>y</a:t>
+            </a:r>
+            <a:r>
+              <a:rPr lang="en-US" sz="2400" dirty="0" smtClean="0"/>
+              <a:t>)</a:t>
+            </a:r>
+            <a:endParaRPr lang="en-US" sz="2400" dirty="0"/>
+          </a:p>
+        </p:txBody>
+      </p:sp>
+      <p:sp>
+        <p:nvSpPr>
+          <p:cNvPr id="18" name="TextBox 17"/>
+          <p:cNvSpPr txBox="1"/>
+          <p:nvPr/>
+        </p:nvSpPr>
+        <p:spPr>
+          <a:xfrm>
+            <a:off x="329461" y="4654866"/>
+            <a:ext cx="3225612" cy="461665"/>
+          </a:xfrm>
+          <a:prstGeom prst="rect">
+            <a:avLst/>
+          </a:prstGeom>
+          <a:noFill/>
+        </p:spPr>
+        <p:txBody>
+          <a:bodyPr wrap="none" rtlCol="0">
+            <a:spAutoFit/>
+          </a:bodyPr>
+          <a:lstStyle/>
+          <a:p>
+            <a:r>
+              <a:rPr lang="en-US" sz="2400" dirty="0" smtClean="0"/>
+              <a:t>Get the same key. Why?   </a:t>
+            </a:r>
+          </a:p>
+        </p:txBody>
+      </p:sp>
+      <p:sp>
+        <p:nvSpPr>
+          <p:cNvPr id="19" name="TextBox 18"/>
+          <p:cNvSpPr txBox="1"/>
+          <p:nvPr/>
+        </p:nvSpPr>
+        <p:spPr>
+          <a:xfrm>
+            <a:off x="3866103" y="4648200"/>
+            <a:ext cx="2229897" cy="461665"/>
+          </a:xfrm>
+          <a:prstGeom prst="rect">
+            <a:avLst/>
+          </a:prstGeom>
+          <a:noFill/>
+        </p:spPr>
+        <p:txBody>
+          <a:bodyPr wrap="none" rtlCol="0">
+            <a:spAutoFit/>
+          </a:bodyPr>
+          <a:lstStyle/>
+          <a:p>
+            <a:r>
+              <a:rPr lang="en-US" sz="2400" dirty="0" err="1" smtClean="0"/>
+              <a:t>Y</a:t>
+            </a:r>
+            <a:r>
+              <a:rPr lang="en-US" sz="2400" baseline="30000" dirty="0" err="1" smtClean="0"/>
+              <a:t>x</a:t>
+            </a:r>
+            <a:r>
+              <a:rPr lang="en-US" sz="2400" baseline="30000" dirty="0" smtClean="0"/>
+              <a:t>  </a:t>
+            </a:r>
+            <a:r>
+              <a:rPr lang="en-US" sz="2400" dirty="0" smtClean="0"/>
+              <a:t>= </a:t>
+            </a:r>
+            <a:r>
+              <a:rPr lang="en-US" sz="2400" dirty="0" err="1" smtClean="0"/>
+              <a:t>g</a:t>
+            </a:r>
+            <a:r>
+              <a:rPr lang="en-US" sz="2400" baseline="30000" dirty="0" err="1" smtClean="0"/>
+              <a:t>yx</a:t>
+            </a:r>
+            <a:r>
+              <a:rPr lang="en-US" sz="2400" dirty="0" smtClean="0"/>
+              <a:t> = </a:t>
+            </a:r>
+            <a:r>
+              <a:rPr lang="en-US" sz="2400" dirty="0" err="1" smtClean="0"/>
+              <a:t>g</a:t>
+            </a:r>
+            <a:r>
+              <a:rPr lang="en-US" sz="2400" baseline="30000" dirty="0" err="1" smtClean="0"/>
+              <a:t>xy</a:t>
+            </a:r>
+            <a:r>
+              <a:rPr lang="en-US" sz="2400" dirty="0" smtClean="0"/>
+              <a:t> = </a:t>
+            </a:r>
+            <a:r>
+              <a:rPr lang="en-US" sz="2400" dirty="0" err="1" smtClean="0"/>
+              <a:t>X</a:t>
+            </a:r>
+            <a:r>
+              <a:rPr lang="en-US" sz="2400" baseline="30000" dirty="0" err="1" smtClean="0"/>
+              <a:t>y</a:t>
+            </a:r>
+            <a:r>
+              <a:rPr lang="en-US" sz="2400" dirty="0" smtClean="0"/>
+              <a:t> </a:t>
+            </a:r>
+          </a:p>
+        </p:txBody>
+      </p:sp>
+      <p:sp>
+        <p:nvSpPr>
+          <p:cNvPr id="21" name="TextBox 20"/>
+          <p:cNvSpPr txBox="1"/>
+          <p:nvPr/>
+        </p:nvSpPr>
+        <p:spPr>
+          <a:xfrm>
+            <a:off x="339819" y="5486400"/>
+            <a:ext cx="6368450" cy="461665"/>
+          </a:xfrm>
+          <a:prstGeom prst="rect">
+            <a:avLst/>
+          </a:prstGeom>
+          <a:noFill/>
+        </p:spPr>
+        <p:txBody>
+          <a:bodyPr wrap="none" rtlCol="0">
+            <a:spAutoFit/>
+          </a:bodyPr>
+          <a:lstStyle/>
+          <a:p>
+            <a:r>
+              <a:rPr lang="en-US" sz="2400" dirty="0" smtClean="0"/>
+              <a:t>What type of security does this protocol provide?</a:t>
+            </a:r>
+          </a:p>
+        </p:txBody>
+      </p:sp>
+    </p:spTree>
+    <p:extLst>
+      <p:ext uri="{BB962C8B-B14F-4D97-AF65-F5344CB8AC3E}">
+        <p14:creationId xmlns:p14="http://schemas.microsoft.com/office/powerpoint/2010/main" val="737856662"/>
+      </p:ext>
+    </p:extLst>
+  </p:cSld>
+  <p:clrMapOvr>
+    <a:masterClrMapping/>
+  </p:clrMapOvr>
+  <p:timing>
+    <p:tnLst>
+      <p:par>
+        <p:cTn xmlns:p14="http://schemas.microsoft.com/office/powerpoint/2010/main" id="1" dur="indefinite" restart="never" nodeType="tmRoot"/>
+      </p:par>
+    </p:tnLst>
+  </p:timing>
+</p:sld>
+</file>
+
+<file path=ppt/slides/slide39.xml><?xml version="1.0" encoding="utf-8"?>
+<p:sld xmlns:a="http://schemas.openxmlformats.org/drawingml/2006/main" xmlns:r="http://schemas.openxmlformats.org/officeDocument/2006/relationships" xmlns:p="http://schemas.openxmlformats.org/presentationml/2006/main">
+  <p:cSld>
+    <p:spTree>
+      <p:nvGrpSpPr>
+        <p:cNvPr id="1" name=""/>
+        <p:cNvGrpSpPr/>
+        <p:nvPr/>
+      </p:nvGrpSpPr>
+      <p:grpSpPr>
+        <a:xfrm>
+          <a:off x="0" y="0"/>
+          <a:ext cx="0" cy="0"/>
+          <a:chOff x="0" y="0"/>
+          <a:chExt cx="0" cy="0"/>
+        </a:xfrm>
+      </p:grpSpPr>
+      <p:sp>
+        <p:nvSpPr>
+          <p:cNvPr id="2" name="Title 1"/>
+          <p:cNvSpPr>
+            <a:spLocks noGrp="1"/>
+          </p:cNvSpPr>
+          <p:nvPr>
+            <p:ph type="title"/>
+          </p:nvPr>
+        </p:nvSpPr>
+        <p:spPr/>
+        <p:txBody>
+          <a:bodyPr>
+            <a:normAutofit fontScale="90000"/>
+          </a:bodyPr>
+          <a:lstStyle/>
+          <a:p>
+            <a:r>
+              <a:rPr lang="en-US" dirty="0" smtClean="0"/>
+              <a:t>Computational </a:t>
+            </a:r>
+            <a:r>
+              <a:rPr lang="en-US" dirty="0" err="1" smtClean="0"/>
+              <a:t>Diffie</a:t>
+            </a:r>
+            <a:r>
+              <a:rPr lang="en-US" dirty="0" smtClean="0"/>
+              <a:t>-Hellman Problem</a:t>
+            </a:r>
+            <a:endParaRPr lang="en-US" dirty="0"/>
+          </a:p>
+        </p:txBody>
+      </p:sp>
+      <p:sp>
+        <p:nvSpPr>
+          <p:cNvPr id="10" name="TextBox 9"/>
+          <p:cNvSpPr txBox="1"/>
+          <p:nvPr/>
+        </p:nvSpPr>
+        <p:spPr>
+          <a:xfrm>
+            <a:off x="442987" y="1676400"/>
+            <a:ext cx="5462052" cy="2677656"/>
+          </a:xfrm>
+          <a:prstGeom prst="rect">
+            <a:avLst/>
+          </a:prstGeom>
+          <a:noFill/>
+        </p:spPr>
+        <p:txBody>
+          <a:bodyPr wrap="none" rtlCol="0">
+            <a:spAutoFit/>
+          </a:bodyPr>
+          <a:lstStyle/>
+          <a:p>
+            <a:r>
+              <a:rPr lang="en-US" sz="2800" dirty="0" smtClean="0"/>
+              <a:t>Fix a cyclic group G with generator g</a:t>
+            </a:r>
+          </a:p>
+          <a:p>
+            <a:endParaRPr lang="en-US" sz="2800" b="1" dirty="0" smtClean="0"/>
+          </a:p>
+          <a:p>
+            <a:r>
+              <a:rPr lang="en-US" sz="2800" dirty="0" smtClean="0"/>
+              <a:t>Pick </a:t>
+            </a:r>
+            <a:r>
+              <a:rPr lang="en-US" sz="2800" dirty="0" err="1" smtClean="0"/>
+              <a:t>x,y</a:t>
+            </a:r>
+            <a:r>
+              <a:rPr lang="en-US" sz="2800" dirty="0" smtClean="0"/>
+              <a:t> both at random </a:t>
+            </a:r>
+            <a:r>
+              <a:rPr lang="en-US" sz="2800" b="1" dirty="0" smtClean="0"/>
+              <a:t>Z</a:t>
+            </a:r>
+            <a:r>
+              <a:rPr lang="en-US" sz="2800" baseline="-25000" dirty="0" smtClean="0"/>
+              <a:t>|G|</a:t>
+            </a:r>
+            <a:endParaRPr lang="en-US" sz="2800" dirty="0" smtClean="0"/>
+          </a:p>
+          <a:p>
+            <a:endParaRPr lang="en-US" sz="2800" dirty="0" smtClean="0"/>
+          </a:p>
+          <a:p>
+            <a:r>
+              <a:rPr lang="en-US" sz="2800" dirty="0" smtClean="0"/>
+              <a:t>Give adversary  g, X = </a:t>
+            </a:r>
+            <a:r>
+              <a:rPr lang="en-US" sz="2800" dirty="0" err="1" smtClean="0"/>
+              <a:t>g</a:t>
+            </a:r>
+            <a:r>
+              <a:rPr lang="en-US" sz="2800" baseline="30000" dirty="0" err="1" smtClean="0"/>
+              <a:t>x</a:t>
+            </a:r>
+            <a:r>
+              <a:rPr lang="en-US" sz="2800" dirty="0" smtClean="0"/>
+              <a:t> , Y = </a:t>
+            </a:r>
+            <a:r>
+              <a:rPr lang="en-US" sz="2800" dirty="0" err="1" smtClean="0"/>
+              <a:t>g</a:t>
+            </a:r>
+            <a:r>
+              <a:rPr lang="en-US" sz="2800" baseline="30000" dirty="0" err="1" smtClean="0"/>
+              <a:t>y</a:t>
+            </a:r>
+            <a:r>
+              <a:rPr lang="en-US" sz="2800" dirty="0" smtClean="0"/>
+              <a:t>. </a:t>
+            </a:r>
+          </a:p>
+          <a:p>
+            <a:r>
+              <a:rPr lang="en-US" sz="2800" dirty="0" smtClean="0"/>
+              <a:t>Adversary must compute </a:t>
+            </a:r>
+            <a:r>
+              <a:rPr lang="en-US" sz="2800" dirty="0" err="1" smtClean="0"/>
+              <a:t>g</a:t>
+            </a:r>
+            <a:r>
+              <a:rPr lang="en-US" sz="2800" baseline="30000" dirty="0" err="1" smtClean="0"/>
+              <a:t>xy</a:t>
+            </a:r>
+            <a:endParaRPr lang="en-US" sz="2800" dirty="0"/>
+          </a:p>
+        </p:txBody>
+      </p:sp>
+      <p:sp>
+        <p:nvSpPr>
+          <p:cNvPr id="3" name="TextBox 2"/>
+          <p:cNvSpPr txBox="1"/>
+          <p:nvPr/>
+        </p:nvSpPr>
+        <p:spPr>
+          <a:xfrm>
+            <a:off x="421511" y="4863405"/>
+            <a:ext cx="7187284" cy="1384995"/>
+          </a:xfrm>
+          <a:prstGeom prst="rect">
+            <a:avLst/>
+          </a:prstGeom>
+          <a:noFill/>
+        </p:spPr>
+        <p:txBody>
+          <a:bodyPr wrap="none" rtlCol="0">
+            <a:spAutoFit/>
+          </a:bodyPr>
+          <a:lstStyle/>
+          <a:p>
+            <a:r>
+              <a:rPr lang="en-US" sz="2800" dirty="0" smtClean="0"/>
+              <a:t>For most groups, best known algorithm finds </a:t>
+            </a:r>
+          </a:p>
+          <a:p>
+            <a:r>
+              <a:rPr lang="en-US" sz="2800" dirty="0" smtClean="0"/>
+              <a:t>discrete log of X or Y. </a:t>
+            </a:r>
+          </a:p>
+          <a:p>
+            <a:r>
+              <a:rPr lang="en-US" sz="2800" dirty="0" smtClean="0"/>
+              <a:t>But we have no proof that this is best approach.</a:t>
+            </a:r>
+            <a:endParaRPr lang="en-US" sz="2800" dirty="0"/>
+          </a:p>
+        </p:txBody>
+      </p:sp>
+    </p:spTree>
+    <p:extLst>
+      <p:ext uri="{BB962C8B-B14F-4D97-AF65-F5344CB8AC3E}">
+        <p14:creationId xmlns:p14="http://schemas.microsoft.com/office/powerpoint/2010/main" val="378609769"/>
+      </p:ext>
+    </p:extLst>
+  </p:cSld>
+  <p:clrMapOvr>
+    <a:masterClrMapping/>
+  </p:clrMapOvr>
+  <p:timing>
+    <p:tnLst>
+      <p:par>
+        <p:cTn xmlns:p14="http://schemas.microsoft.com/office/powerpoint/2010/main" id="1" dur="indefinite" restart="never" nodeType="tmRoot">
+          <p:childTnLst>
+            <p:seq concurrent="1" nextAc="seek">
+              <p:cTn id="2" dur="indefinite" nodeType="mainSeq">
+                <p:childTnLst>
+                  <p:par>
+                    <p:cTn id="3" fill="hold">
+                      <p:stCondLst>
+                        <p:cond delay="indefinite"/>
+                      </p:stCondLst>
+                      <p:childTnLst>
+                        <p:par>
+                          <p:cTn id="4" fill="hold">
+                            <p:stCondLst>
+                              <p:cond delay="0"/>
+                            </p:stCondLst>
+                            <p:childTnLst>
+                              <p:par>
+                                <p:cTn id="5" presetID="1" presetClass="entr" presetSubtype="0" fill="hold" nodeType="clickEffect">
+                                  <p:stCondLst>
+                                    <p:cond delay="0"/>
+                                  </p:stCondLst>
+                                  <p:childTnLst>
+                                    <p:set>
+                                      <p:cBhvr>
+                                        <p:cTn id="6" dur="1" fill="hold">
+                                          <p:stCondLst>
+                                            <p:cond delay="0"/>
+                                          </p:stCondLst>
+                                        </p:cTn>
+                                        <p:tgtEl>
+                                          <p:spTgt spid="10">
+                                            <p:txEl>
+                                              <p:pRg st="4" end="4"/>
+                                            </p:txEl>
+                                          </p:spTgt>
+                                        </p:tgtEl>
+                                        <p:attrNameLst>
+                                          <p:attrName>style.visibility</p:attrName>
+                                        </p:attrNameLst>
+                                      </p:cBhvr>
+                                      <p:to>
+                                        <p:strVal val="visible"/>
+                                      </p:to>
+                                    </p:set>
+                                  </p:childTnLst>
+                                </p:cTn>
+                              </p:par>
+                            </p:childTnLst>
+                          </p:cTn>
+                        </p:par>
+                      </p:childTnLst>
+                    </p:cTn>
+                  </p:par>
+                  <p:par>
+                    <p:cTn id="7" fill="hold">
+                      <p:stCondLst>
+                        <p:cond delay="indefinite"/>
+                      </p:stCondLst>
+                      <p:childTnLst>
+                        <p:par>
+                          <p:cTn id="8" fill="hold">
+                            <p:stCondLst>
+                              <p:cond delay="0"/>
+                            </p:stCondLst>
+                            <p:childTnLst>
+                              <p:par>
+                                <p:cTn id="9" presetID="1" presetClass="entr" presetSubtype="0" fill="hold" nodeType="clickEffect">
+                                  <p:stCondLst>
+                                    <p:cond delay="0"/>
+                                  </p:stCondLst>
+                                  <p:childTnLst>
+                                    <p:set>
+                                      <p:cBhvr>
+                                        <p:cTn id="10" dur="1" fill="hold">
+                                          <p:stCondLst>
+                                            <p:cond delay="0"/>
+                                          </p:stCondLst>
+                                        </p:cTn>
+                                        <p:tgtEl>
+                                          <p:spTgt spid="10">
+                                            <p:txEl>
+                                              <p:pRg st="5" end="5"/>
+                                            </p:txEl>
+                                          </p:spTgt>
+                                        </p:tgtEl>
+                                        <p:attrNameLst>
+                                          <p:attrName>style.visibility</p:attrName>
+                                        </p:attrNameLst>
+                                      </p:cBhvr>
+                                      <p:to>
+                                        <p:strVal val="visible"/>
+                                      </p:to>
+                                    </p:set>
+                                  </p:childTnLst>
+                                </p:cTn>
+                              </p:par>
+                            </p:childTnLst>
+                          </p:cTn>
+                        </p:par>
+                      </p:childTnLst>
+                    </p:cTn>
+                  </p:par>
+                  <p:par>
+                    <p:cTn id="11" fill="hold">
+                      <p:stCondLst>
+                        <p:cond delay="indefinite"/>
+                      </p:stCondLst>
+                      <p:childTnLst>
+                        <p:par>
+                          <p:cTn id="12" fill="hold">
+                            <p:stCondLst>
+                              <p:cond delay="0"/>
+                            </p:stCondLst>
+                            <p:childTnLst>
+                              <p:par>
+                                <p:cTn id="13" presetID="1" presetClass="entr" presetSubtype="0" fill="hold" grpId="0" nodeType="clickEffect">
+                                  <p:stCondLst>
+                                    <p:cond delay="0"/>
+                                  </p:stCondLst>
+                                  <p:childTnLst>
+                                    <p:set>
+                                      <p:cBhvr>
+                                        <p:cTn id="14" dur="1" fill="hold">
+                                          <p:stCondLst>
+                                            <p:cond delay="0"/>
+                                          </p:stCondLst>
+                                        </p:cTn>
+                                        <p:tgtEl>
+                                          <p:spTgt spid="3"/>
+                                        </p:tgtEl>
+                                        <p:attrNameLst>
+                                          <p:attrName>style.visibility</p:attrName>
+                                        </p:attrNameLst>
+                                      </p:cBhvr>
+                                      <p:to>
+                                        <p:strVal val="visible"/>
+                                      </p:to>
+                                    </p:set>
+                                  </p:childTnLst>
+                                </p:cTn>
+                              </p:par>
+                            </p:childTnLst>
+                          </p:cTn>
+                        </p:par>
+                      </p:childTnLst>
+                    </p:cTn>
+                  </p:par>
+                </p:childTnLst>
+              </p:cTn>
+              <p:prevCondLst>
+                <p:cond evt="onPrev" delay="0">
+                  <p:tgtEl>
+                    <p:sldTgt/>
+                  </p:tgtEl>
+                </p:cond>
+              </p:prevCondLst>
+              <p:nextCondLst>
+                <p:cond evt="onNext" delay="0">
+                  <p:tgtEl>
+                    <p:sldTgt/>
+                  </p:tgtEl>
+                </p:cond>
+              </p:nextCondLst>
+            </p:seq>
+          </p:childTnLst>
+        </p:cTn>
+      </p:par>
+    </p:tnLst>
+    <p:bldLst>
+      <p:bldP spid="3" grpId="0"/>
+    </p:bldLst>
+  </p:timing>
+</p:sld>
+</file>
+
 <file path=ppt/slides/slide4.xml><?xml version="1.0" encoding="utf-8"?>
 <p:sld xmlns:a="http://schemas.openxmlformats.org/drawingml/2006/main" xmlns:r="http://schemas.openxmlformats.org/officeDocument/2006/relationships" xmlns:p="http://schemas.openxmlformats.org/presentationml/2006/main">
   <p:cSld>
@@ -18221,6 +23607,1158 @@
     <p:extLst>
       <p:ext uri="{BB962C8B-B14F-4D97-AF65-F5344CB8AC3E}">
         <p14:creationId xmlns:p14="http://schemas.microsoft.com/office/powerpoint/2010/main" val="3987809539"/>
+      </p:ext>
+    </p:extLst>
+  </p:cSld>
+  <p:clrMapOvr>
+    <a:masterClrMapping/>
+  </p:clrMapOvr>
+  <p:timing>
+    <p:tnLst>
+      <p:par>
+        <p:cTn xmlns:p14="http://schemas.microsoft.com/office/powerpoint/2010/main" id="1" dur="indefinite" restart="never" nodeType="tmRoot"/>
+      </p:par>
+    </p:tnLst>
+  </p:timing>
+</p:sld>
+</file>
+
+<file path=ppt/slides/slide40.xml><?xml version="1.0" encoding="utf-8"?>
+<p:sld xmlns:a="http://schemas.openxmlformats.org/drawingml/2006/main" xmlns:r="http://schemas.openxmlformats.org/officeDocument/2006/relationships" xmlns:p="http://schemas.openxmlformats.org/presentationml/2006/main">
+  <p:cSld>
+    <p:spTree>
+      <p:nvGrpSpPr>
+        <p:cNvPr id="1" name=""/>
+        <p:cNvGrpSpPr/>
+        <p:nvPr/>
+      </p:nvGrpSpPr>
+      <p:grpSpPr>
+        <a:xfrm>
+          <a:off x="0" y="0"/>
+          <a:ext cx="0" cy="0"/>
+          <a:chOff x="0" y="0"/>
+          <a:chExt cx="0" cy="0"/>
+        </a:xfrm>
+      </p:grpSpPr>
+      <p:sp>
+        <p:nvSpPr>
+          <p:cNvPr id="2" name="Title 1"/>
+          <p:cNvSpPr>
+            <a:spLocks noGrp="1"/>
+          </p:cNvSpPr>
+          <p:nvPr>
+            <p:ph type="title"/>
+          </p:nvPr>
+        </p:nvSpPr>
+        <p:spPr/>
+        <p:txBody>
+          <a:bodyPr>
+            <a:normAutofit fontScale="90000"/>
+          </a:bodyPr>
+          <a:lstStyle/>
+          <a:p>
+            <a:r>
+              <a:rPr lang="en-US" dirty="0" smtClean="0"/>
+              <a:t>TLS handshake for</a:t>
+            </a:r>
+            <a:br>
+              <a:rPr lang="en-US" dirty="0" smtClean="0"/>
+            </a:br>
+            <a:r>
+              <a:rPr lang="en-US" dirty="0" err="1" smtClean="0"/>
+              <a:t>Diffie</a:t>
+            </a:r>
+            <a:r>
+              <a:rPr lang="en-US" dirty="0" smtClean="0"/>
+              <a:t>-Hellman Key Exchange</a:t>
+            </a:r>
+            <a:endParaRPr lang="en-US" dirty="0"/>
+          </a:p>
+        </p:txBody>
+      </p:sp>
+      <p:pic>
+        <p:nvPicPr>
+          <p:cNvPr id="4" name="Picture 3" descr="C:\Documents and Settings\rist\Local Settings\Temporary Internet Files\Content.IE5\CNYX6FYV\MCj04352420000[1].png"/>
+          <p:cNvPicPr>
+            <a:picLocks noChangeAspect="1" noChangeArrowheads="1"/>
+          </p:cNvPicPr>
+          <p:nvPr/>
+        </p:nvPicPr>
+        <p:blipFill>
+          <a:blip r:embed="rId2" cstate="print"/>
+          <a:srcRect/>
+          <a:stretch>
+            <a:fillRect/>
+          </a:stretch>
+        </p:blipFill>
+        <p:spPr bwMode="auto">
+          <a:xfrm>
+            <a:off x="8114947" y="228600"/>
+            <a:ext cx="533400" cy="1055370"/>
+          </a:xfrm>
+          <a:prstGeom prst="rect">
+            <a:avLst/>
+          </a:prstGeom>
+          <a:noFill/>
+        </p:spPr>
+      </p:pic>
+      <p:pic>
+        <p:nvPicPr>
+          <p:cNvPr id="5" name="Picture 4" descr="C:\Documents and Settings\rist\Local Settings\Temporary Internet Files\Content.IE5\CNYX6FYV\MCj04352420000[1].png"/>
+          <p:cNvPicPr>
+            <a:picLocks noChangeAspect="1" noChangeArrowheads="1"/>
+          </p:cNvPicPr>
+          <p:nvPr/>
+        </p:nvPicPr>
+        <p:blipFill>
+          <a:blip r:embed="rId2" cstate="print"/>
+          <a:srcRect/>
+          <a:stretch>
+            <a:fillRect/>
+          </a:stretch>
+        </p:blipFill>
+        <p:spPr bwMode="auto">
+          <a:xfrm>
+            <a:off x="457200" y="304800"/>
+            <a:ext cx="457200" cy="904603"/>
+          </a:xfrm>
+          <a:prstGeom prst="rect">
+            <a:avLst/>
+          </a:prstGeom>
+          <a:noFill/>
+        </p:spPr>
+      </p:pic>
+      <p:sp>
+        <p:nvSpPr>
+          <p:cNvPr id="6" name="TextBox 5"/>
+          <p:cNvSpPr txBox="1"/>
+          <p:nvPr/>
+        </p:nvSpPr>
+        <p:spPr>
+          <a:xfrm>
+            <a:off x="263455" y="1055610"/>
+            <a:ext cx="727145" cy="369332"/>
+          </a:xfrm>
+          <a:prstGeom prst="rect">
+            <a:avLst/>
+          </a:prstGeom>
+          <a:noFill/>
+        </p:spPr>
+        <p:txBody>
+          <a:bodyPr wrap="none" rtlCol="0">
+            <a:spAutoFit/>
+          </a:bodyPr>
+          <a:lstStyle/>
+          <a:p>
+            <a:r>
+              <a:rPr lang="en-US" dirty="0" smtClean="0"/>
+              <a:t>Client</a:t>
+            </a:r>
+            <a:endParaRPr lang="en-US" dirty="0"/>
+          </a:p>
+        </p:txBody>
+      </p:sp>
+      <p:sp>
+        <p:nvSpPr>
+          <p:cNvPr id="7" name="TextBox 6"/>
+          <p:cNvSpPr txBox="1"/>
+          <p:nvPr/>
+        </p:nvSpPr>
+        <p:spPr>
+          <a:xfrm>
+            <a:off x="8077200" y="1066800"/>
+            <a:ext cx="787395" cy="369332"/>
+          </a:xfrm>
+          <a:prstGeom prst="rect">
+            <a:avLst/>
+          </a:prstGeom>
+          <a:noFill/>
+        </p:spPr>
+        <p:txBody>
+          <a:bodyPr wrap="none" rtlCol="0">
+            <a:spAutoFit/>
+          </a:bodyPr>
+          <a:lstStyle/>
+          <a:p>
+            <a:r>
+              <a:rPr lang="en-US" dirty="0" smtClean="0"/>
+              <a:t>Server</a:t>
+            </a:r>
+            <a:endParaRPr lang="en-US" dirty="0"/>
+          </a:p>
+        </p:txBody>
+      </p:sp>
+      <p:sp>
+        <p:nvSpPr>
+          <p:cNvPr id="8" name="TextBox 7"/>
+          <p:cNvSpPr txBox="1"/>
+          <p:nvPr/>
+        </p:nvSpPr>
+        <p:spPr>
+          <a:xfrm>
+            <a:off x="7391400" y="3962400"/>
+            <a:ext cx="1082348" cy="369332"/>
+          </a:xfrm>
+          <a:prstGeom prst="rect">
+            <a:avLst/>
+          </a:prstGeom>
+          <a:noFill/>
+        </p:spPr>
+        <p:txBody>
+          <a:bodyPr wrap="none" rtlCol="0">
+            <a:spAutoFit/>
+          </a:bodyPr>
+          <a:lstStyle/>
+          <a:p>
+            <a:r>
+              <a:rPr lang="en-US" dirty="0" smtClean="0"/>
+              <a:t>PMS = </a:t>
+            </a:r>
+            <a:r>
+              <a:rPr lang="en-US" dirty="0" err="1" smtClean="0"/>
+              <a:t>g</a:t>
+            </a:r>
+            <a:r>
+              <a:rPr lang="en-US" baseline="30000" dirty="0" err="1" smtClean="0"/>
+              <a:t>xy</a:t>
+            </a:r>
+            <a:endParaRPr lang="en-US" dirty="0" smtClean="0"/>
+          </a:p>
+        </p:txBody>
+      </p:sp>
+      <p:cxnSp>
+        <p:nvCxnSpPr>
+          <p:cNvPr id="10" name="Straight Arrow Connector 9"/>
+          <p:cNvCxnSpPr/>
+          <p:nvPr/>
+        </p:nvCxnSpPr>
+        <p:spPr>
+          <a:xfrm>
+            <a:off x="2057400" y="2133600"/>
+            <a:ext cx="4953000" cy="0"/>
+          </a:xfrm>
+          <a:prstGeom prst="straightConnector1">
+            <a:avLst/>
+          </a:prstGeom>
+          <a:ln>
+            <a:tailEnd type="arrow"/>
+          </a:ln>
+        </p:spPr>
+        <p:style>
+          <a:lnRef idx="2">
+            <a:schemeClr val="accent1"/>
+          </a:lnRef>
+          <a:fillRef idx="0">
+            <a:schemeClr val="accent1"/>
+          </a:fillRef>
+          <a:effectRef idx="1">
+            <a:schemeClr val="accent1"/>
+          </a:effectRef>
+          <a:fontRef idx="minor">
+            <a:schemeClr val="tx1"/>
+          </a:fontRef>
+        </p:style>
+      </p:cxnSp>
+      <p:sp>
+        <p:nvSpPr>
+          <p:cNvPr id="12" name="TextBox 11"/>
+          <p:cNvSpPr txBox="1"/>
+          <p:nvPr/>
+        </p:nvSpPr>
+        <p:spPr>
+          <a:xfrm>
+            <a:off x="2044606" y="1764268"/>
+            <a:ext cx="4763781" cy="369332"/>
+          </a:xfrm>
+          <a:prstGeom prst="rect">
+            <a:avLst/>
+          </a:prstGeom>
+          <a:noFill/>
+        </p:spPr>
+        <p:txBody>
+          <a:bodyPr wrap="none" rtlCol="0">
+            <a:spAutoFit/>
+          </a:bodyPr>
+          <a:lstStyle/>
+          <a:p>
+            <a:r>
+              <a:rPr lang="en-US" dirty="0" err="1" smtClean="0"/>
+              <a:t>ClientHello</a:t>
+            </a:r>
+            <a:r>
+              <a:rPr lang="en-US" dirty="0" smtClean="0"/>
+              <a:t>, </a:t>
+            </a:r>
+            <a:r>
+              <a:rPr lang="en-US" dirty="0" err="1" smtClean="0"/>
+              <a:t>MaxVer</a:t>
+            </a:r>
+            <a:r>
+              <a:rPr lang="en-US" dirty="0" smtClean="0"/>
+              <a:t>, </a:t>
+            </a:r>
+            <a:r>
+              <a:rPr lang="en-US" dirty="0" err="1" smtClean="0"/>
+              <a:t>Nc</a:t>
+            </a:r>
+            <a:r>
+              <a:rPr lang="en-US" dirty="0" smtClean="0"/>
+              <a:t>, Ciphers/</a:t>
+            </a:r>
+            <a:r>
+              <a:rPr lang="en-US" dirty="0" err="1" smtClean="0"/>
+              <a:t>CompMethods</a:t>
+            </a:r>
+            <a:endParaRPr lang="en-US" dirty="0"/>
+          </a:p>
+        </p:txBody>
+      </p:sp>
+      <p:cxnSp>
+        <p:nvCxnSpPr>
+          <p:cNvPr id="13" name="Straight Arrow Connector 12"/>
+          <p:cNvCxnSpPr/>
+          <p:nvPr/>
+        </p:nvCxnSpPr>
+        <p:spPr>
+          <a:xfrm flipH="1">
+            <a:off x="2070194" y="2743200"/>
+            <a:ext cx="4953000" cy="0"/>
+          </a:xfrm>
+          <a:prstGeom prst="straightConnector1">
+            <a:avLst/>
+          </a:prstGeom>
+          <a:ln>
+            <a:tailEnd type="arrow"/>
+          </a:ln>
+        </p:spPr>
+        <p:style>
+          <a:lnRef idx="2">
+            <a:schemeClr val="accent1"/>
+          </a:lnRef>
+          <a:fillRef idx="0">
+            <a:schemeClr val="accent1"/>
+          </a:fillRef>
+          <a:effectRef idx="1">
+            <a:schemeClr val="accent1"/>
+          </a:effectRef>
+          <a:fontRef idx="minor">
+            <a:schemeClr val="tx1"/>
+          </a:fontRef>
+        </p:style>
+      </p:cxnSp>
+      <p:sp>
+        <p:nvSpPr>
+          <p:cNvPr id="14" name="TextBox 13"/>
+          <p:cNvSpPr txBox="1"/>
+          <p:nvPr/>
+        </p:nvSpPr>
+        <p:spPr>
+          <a:xfrm>
+            <a:off x="2057400" y="2362200"/>
+            <a:ext cx="5202341" cy="369332"/>
+          </a:xfrm>
+          <a:prstGeom prst="rect">
+            <a:avLst/>
+          </a:prstGeom>
+          <a:noFill/>
+        </p:spPr>
+        <p:txBody>
+          <a:bodyPr wrap="none" rtlCol="0">
+            <a:spAutoFit/>
+          </a:bodyPr>
+          <a:lstStyle/>
+          <a:p>
+            <a:r>
+              <a:rPr lang="en-US" dirty="0" err="1" smtClean="0"/>
+              <a:t>ServerHello</a:t>
+            </a:r>
+            <a:r>
+              <a:rPr lang="en-US" dirty="0" smtClean="0"/>
+              <a:t>, </a:t>
+            </a:r>
+            <a:r>
+              <a:rPr lang="en-US" dirty="0" err="1" smtClean="0"/>
+              <a:t>Ver</a:t>
+            </a:r>
+            <a:r>
+              <a:rPr lang="en-US" dirty="0" smtClean="0"/>
+              <a:t>, Ns, </a:t>
+            </a:r>
+            <a:r>
+              <a:rPr lang="en-US" dirty="0" err="1" smtClean="0"/>
+              <a:t>SessionID</a:t>
+            </a:r>
+            <a:r>
+              <a:rPr lang="en-US" dirty="0" smtClean="0"/>
+              <a:t>, Cipher/</a:t>
+            </a:r>
+            <a:r>
+              <a:rPr lang="en-US" dirty="0" err="1" smtClean="0"/>
+              <a:t>CompMethod</a:t>
+            </a:r>
+            <a:endParaRPr lang="en-US" dirty="0"/>
+          </a:p>
+        </p:txBody>
+      </p:sp>
+      <p:cxnSp>
+        <p:nvCxnSpPr>
+          <p:cNvPr id="15" name="Straight Arrow Connector 14"/>
+          <p:cNvCxnSpPr/>
+          <p:nvPr/>
+        </p:nvCxnSpPr>
+        <p:spPr>
+          <a:xfrm flipH="1">
+            <a:off x="2057400" y="3124200"/>
+            <a:ext cx="4953000" cy="0"/>
+          </a:xfrm>
+          <a:prstGeom prst="straightConnector1">
+            <a:avLst/>
+          </a:prstGeom>
+          <a:ln>
+            <a:tailEnd type="arrow"/>
+          </a:ln>
+        </p:spPr>
+        <p:style>
+          <a:lnRef idx="2">
+            <a:schemeClr val="accent1"/>
+          </a:lnRef>
+          <a:fillRef idx="0">
+            <a:schemeClr val="accent1"/>
+          </a:fillRef>
+          <a:effectRef idx="1">
+            <a:schemeClr val="accent1"/>
+          </a:effectRef>
+          <a:fontRef idx="minor">
+            <a:schemeClr val="tx1"/>
+          </a:fontRef>
+        </p:style>
+      </p:cxnSp>
+      <p:sp>
+        <p:nvSpPr>
+          <p:cNvPr id="16" name="TextBox 15"/>
+          <p:cNvSpPr txBox="1"/>
+          <p:nvPr/>
+        </p:nvSpPr>
+        <p:spPr>
+          <a:xfrm>
+            <a:off x="2682745" y="2743200"/>
+            <a:ext cx="2999627" cy="369332"/>
+          </a:xfrm>
+          <a:prstGeom prst="rect">
+            <a:avLst/>
+          </a:prstGeom>
+          <a:noFill/>
+        </p:spPr>
+        <p:txBody>
+          <a:bodyPr wrap="none" rtlCol="0">
+            <a:spAutoFit/>
+          </a:bodyPr>
+          <a:lstStyle/>
+          <a:p>
+            <a:r>
+              <a:rPr lang="en-US" dirty="0" smtClean="0"/>
+              <a:t>CERT = (</a:t>
+            </a:r>
+            <a:r>
+              <a:rPr lang="en-US" dirty="0" err="1" smtClean="0"/>
+              <a:t>pk</a:t>
+            </a:r>
+            <a:r>
+              <a:rPr lang="en-US" baseline="-25000" dirty="0" err="1" smtClean="0"/>
+              <a:t>s</a:t>
+            </a:r>
+            <a:r>
+              <a:rPr lang="en-US" dirty="0" smtClean="0"/>
+              <a:t> , signature over it)</a:t>
+            </a:r>
+            <a:endParaRPr lang="en-US" dirty="0"/>
+          </a:p>
+        </p:txBody>
+      </p:sp>
+      <p:sp>
+        <p:nvSpPr>
+          <p:cNvPr id="17" name="TextBox 16"/>
+          <p:cNvSpPr txBox="1"/>
+          <p:nvPr/>
+        </p:nvSpPr>
+        <p:spPr>
+          <a:xfrm>
+            <a:off x="68869" y="2362200"/>
+            <a:ext cx="1615647" cy="1200329"/>
+          </a:xfrm>
+          <a:prstGeom prst="rect">
+            <a:avLst/>
+          </a:prstGeom>
+          <a:noFill/>
+        </p:spPr>
+        <p:txBody>
+          <a:bodyPr wrap="none" rtlCol="0">
+            <a:spAutoFit/>
+          </a:bodyPr>
+          <a:lstStyle/>
+          <a:p>
+            <a:r>
+              <a:rPr lang="en-US" dirty="0" smtClean="0"/>
+              <a:t>Check CERT</a:t>
+            </a:r>
+          </a:p>
+          <a:p>
+            <a:r>
+              <a:rPr lang="en-US" dirty="0" smtClean="0"/>
+              <a:t>using CA public</a:t>
+            </a:r>
+          </a:p>
+          <a:p>
+            <a:r>
+              <a:rPr lang="en-US" dirty="0" smtClean="0"/>
+              <a:t>verification key</a:t>
+            </a:r>
+          </a:p>
+          <a:p>
+            <a:r>
+              <a:rPr lang="en-US" dirty="0" smtClean="0"/>
+              <a:t>Check </a:t>
+            </a:r>
+            <a:r>
+              <a:rPr lang="en-US" dirty="0" err="1" smtClean="0"/>
+              <a:t>σ</a:t>
+            </a:r>
+            <a:endParaRPr lang="en-US" dirty="0"/>
+          </a:p>
+        </p:txBody>
+      </p:sp>
+      <p:sp>
+        <p:nvSpPr>
+          <p:cNvPr id="18" name="TextBox 17"/>
+          <p:cNvSpPr txBox="1"/>
+          <p:nvPr/>
+        </p:nvSpPr>
+        <p:spPr>
+          <a:xfrm>
+            <a:off x="0" y="1905000"/>
+            <a:ext cx="1650136" cy="369332"/>
+          </a:xfrm>
+          <a:prstGeom prst="rect">
+            <a:avLst/>
+          </a:prstGeom>
+          <a:noFill/>
+        </p:spPr>
+        <p:txBody>
+          <a:bodyPr wrap="none" rtlCol="0">
+            <a:spAutoFit/>
+          </a:bodyPr>
+          <a:lstStyle/>
+          <a:p>
+            <a:r>
+              <a:rPr lang="en-US" dirty="0" smtClean="0"/>
+              <a:t>Pick random </a:t>
+            </a:r>
+            <a:r>
+              <a:rPr lang="en-US" dirty="0" err="1" smtClean="0"/>
+              <a:t>Nc</a:t>
+            </a:r>
+            <a:endParaRPr lang="en-US" dirty="0"/>
+          </a:p>
+        </p:txBody>
+      </p:sp>
+      <p:cxnSp>
+        <p:nvCxnSpPr>
+          <p:cNvPr id="20" name="Straight Connector 19"/>
+          <p:cNvCxnSpPr/>
+          <p:nvPr/>
+        </p:nvCxnSpPr>
+        <p:spPr>
+          <a:xfrm>
+            <a:off x="0" y="1600200"/>
+            <a:ext cx="9144000" cy="0"/>
+          </a:xfrm>
+          <a:prstGeom prst="line">
+            <a:avLst/>
+          </a:prstGeom>
+        </p:spPr>
+        <p:style>
+          <a:lnRef idx="2">
+            <a:schemeClr val="dk1"/>
+          </a:lnRef>
+          <a:fillRef idx="0">
+            <a:schemeClr val="dk1"/>
+          </a:fillRef>
+          <a:effectRef idx="1">
+            <a:schemeClr val="dk1"/>
+          </a:effectRef>
+          <a:fontRef idx="minor">
+            <a:schemeClr val="tx1"/>
+          </a:fontRef>
+        </p:style>
+      </p:cxnSp>
+      <p:sp>
+        <p:nvSpPr>
+          <p:cNvPr id="21" name="TextBox 20"/>
+          <p:cNvSpPr txBox="1"/>
+          <p:nvPr/>
+        </p:nvSpPr>
+        <p:spPr>
+          <a:xfrm>
+            <a:off x="7391400" y="2286000"/>
+            <a:ext cx="1646605" cy="369332"/>
+          </a:xfrm>
+          <a:prstGeom prst="rect">
+            <a:avLst/>
+          </a:prstGeom>
+          <a:noFill/>
+        </p:spPr>
+        <p:txBody>
+          <a:bodyPr wrap="none" rtlCol="0">
+            <a:spAutoFit/>
+          </a:bodyPr>
+          <a:lstStyle/>
+          <a:p>
+            <a:r>
+              <a:rPr lang="en-US" dirty="0" smtClean="0"/>
+              <a:t>Pick random Ns</a:t>
+            </a:r>
+            <a:endParaRPr lang="en-US" dirty="0"/>
+          </a:p>
+        </p:txBody>
+      </p:sp>
+      <p:sp>
+        <p:nvSpPr>
+          <p:cNvPr id="22" name="TextBox 21"/>
+          <p:cNvSpPr txBox="1"/>
+          <p:nvPr/>
+        </p:nvSpPr>
+        <p:spPr>
+          <a:xfrm>
+            <a:off x="78809" y="3620869"/>
+            <a:ext cx="1556924" cy="646331"/>
+          </a:xfrm>
+          <a:prstGeom prst="rect">
+            <a:avLst/>
+          </a:prstGeom>
+          <a:noFill/>
+        </p:spPr>
+        <p:txBody>
+          <a:bodyPr wrap="none" rtlCol="0">
+            <a:spAutoFit/>
+          </a:bodyPr>
+          <a:lstStyle/>
+          <a:p>
+            <a:r>
+              <a:rPr lang="en-US" dirty="0" smtClean="0"/>
+              <a:t>Pick random y</a:t>
+            </a:r>
+          </a:p>
+          <a:p>
+            <a:r>
+              <a:rPr lang="en-US" dirty="0" smtClean="0"/>
+              <a:t>Y = </a:t>
+            </a:r>
+            <a:r>
+              <a:rPr lang="en-US" dirty="0" err="1" smtClean="0"/>
+              <a:t>g</a:t>
+            </a:r>
+            <a:r>
+              <a:rPr lang="en-US" baseline="30000" dirty="0" err="1" smtClean="0"/>
+              <a:t>y</a:t>
+            </a:r>
+            <a:endParaRPr lang="en-US" dirty="0"/>
+          </a:p>
+        </p:txBody>
+      </p:sp>
+      <p:cxnSp>
+        <p:nvCxnSpPr>
+          <p:cNvPr id="24" name="Straight Arrow Connector 23"/>
+          <p:cNvCxnSpPr/>
+          <p:nvPr/>
+        </p:nvCxnSpPr>
+        <p:spPr>
+          <a:xfrm>
+            <a:off x="2070194" y="4038600"/>
+            <a:ext cx="4953000" cy="0"/>
+          </a:xfrm>
+          <a:prstGeom prst="straightConnector1">
+            <a:avLst/>
+          </a:prstGeom>
+          <a:ln>
+            <a:tailEnd type="arrow"/>
+          </a:ln>
+        </p:spPr>
+        <p:style>
+          <a:lnRef idx="2">
+            <a:schemeClr val="accent1"/>
+          </a:lnRef>
+          <a:fillRef idx="0">
+            <a:schemeClr val="accent1"/>
+          </a:fillRef>
+          <a:effectRef idx="1">
+            <a:schemeClr val="accent1"/>
+          </a:effectRef>
+          <a:fontRef idx="minor">
+            <a:schemeClr val="tx1"/>
+          </a:fontRef>
+        </p:style>
+      </p:cxnSp>
+      <p:sp>
+        <p:nvSpPr>
+          <p:cNvPr id="25" name="TextBox 24"/>
+          <p:cNvSpPr txBox="1"/>
+          <p:nvPr/>
+        </p:nvSpPr>
+        <p:spPr>
+          <a:xfrm>
+            <a:off x="4182894" y="3657600"/>
+            <a:ext cx="300082" cy="369332"/>
+          </a:xfrm>
+          <a:prstGeom prst="rect">
+            <a:avLst/>
+          </a:prstGeom>
+          <a:noFill/>
+        </p:spPr>
+        <p:txBody>
+          <a:bodyPr wrap="none" rtlCol="0">
+            <a:spAutoFit/>
+          </a:bodyPr>
+          <a:lstStyle/>
+          <a:p>
+            <a:r>
+              <a:rPr lang="en-US" dirty="0"/>
+              <a:t>Y</a:t>
+            </a:r>
+          </a:p>
+        </p:txBody>
+      </p:sp>
+      <p:cxnSp>
+        <p:nvCxnSpPr>
+          <p:cNvPr id="26" name="Straight Arrow Connector 25"/>
+          <p:cNvCxnSpPr/>
+          <p:nvPr/>
+        </p:nvCxnSpPr>
+        <p:spPr>
+          <a:xfrm>
+            <a:off x="2057400" y="4953000"/>
+            <a:ext cx="4953000" cy="0"/>
+          </a:xfrm>
+          <a:prstGeom prst="straightConnector1">
+            <a:avLst/>
+          </a:prstGeom>
+          <a:ln>
+            <a:tailEnd type="arrow"/>
+          </a:ln>
+        </p:spPr>
+        <p:style>
+          <a:lnRef idx="2">
+            <a:schemeClr val="accent1"/>
+          </a:lnRef>
+          <a:fillRef idx="0">
+            <a:schemeClr val="accent1"/>
+          </a:fillRef>
+          <a:effectRef idx="1">
+            <a:schemeClr val="accent1"/>
+          </a:effectRef>
+          <a:fontRef idx="minor">
+            <a:schemeClr val="tx1"/>
+          </a:fontRef>
+        </p:style>
+      </p:cxnSp>
+      <p:sp>
+        <p:nvSpPr>
+          <p:cNvPr id="27" name="TextBox 26"/>
+          <p:cNvSpPr txBox="1"/>
+          <p:nvPr/>
+        </p:nvSpPr>
+        <p:spPr>
+          <a:xfrm>
+            <a:off x="2105923" y="4267200"/>
+            <a:ext cx="5275803" cy="646331"/>
+          </a:xfrm>
+          <a:prstGeom prst="rect">
+            <a:avLst/>
+          </a:prstGeom>
+          <a:noFill/>
+        </p:spPr>
+        <p:txBody>
+          <a:bodyPr wrap="none" rtlCol="0">
+            <a:spAutoFit/>
+          </a:bodyPr>
+          <a:lstStyle/>
+          <a:p>
+            <a:r>
+              <a:rPr lang="en-US" dirty="0" err="1" smtClean="0"/>
+              <a:t>ChangeCipherSpec</a:t>
+            </a:r>
+            <a:r>
+              <a:rPr lang="en-US" dirty="0" smtClean="0"/>
+              <a:t>, </a:t>
+            </a:r>
+          </a:p>
+          <a:p>
+            <a:r>
+              <a:rPr lang="en-US" dirty="0" smtClean="0"/>
+              <a:t>{ Finished, PRF(MS, “Client finished” || H(transcript)) }  </a:t>
+            </a:r>
+            <a:endParaRPr lang="en-US" dirty="0"/>
+          </a:p>
+        </p:txBody>
+      </p:sp>
+      <p:cxnSp>
+        <p:nvCxnSpPr>
+          <p:cNvPr id="28" name="Straight Arrow Connector 27"/>
+          <p:cNvCxnSpPr/>
+          <p:nvPr/>
+        </p:nvCxnSpPr>
+        <p:spPr>
+          <a:xfrm flipH="1">
+            <a:off x="2057400" y="5751731"/>
+            <a:ext cx="4953000" cy="0"/>
+          </a:xfrm>
+          <a:prstGeom prst="straightConnector1">
+            <a:avLst/>
+          </a:prstGeom>
+          <a:ln>
+            <a:tailEnd type="arrow"/>
+          </a:ln>
+        </p:spPr>
+        <p:style>
+          <a:lnRef idx="2">
+            <a:schemeClr val="accent1"/>
+          </a:lnRef>
+          <a:fillRef idx="0">
+            <a:schemeClr val="accent1"/>
+          </a:fillRef>
+          <a:effectRef idx="1">
+            <a:schemeClr val="accent1"/>
+          </a:effectRef>
+          <a:fontRef idx="minor">
+            <a:schemeClr val="tx1"/>
+          </a:fontRef>
+        </p:style>
+      </p:cxnSp>
+      <p:sp>
+        <p:nvSpPr>
+          <p:cNvPr id="29" name="TextBox 28"/>
+          <p:cNvSpPr txBox="1"/>
+          <p:nvPr/>
+        </p:nvSpPr>
+        <p:spPr>
+          <a:xfrm>
+            <a:off x="2133600" y="5029200"/>
+            <a:ext cx="5339923" cy="646331"/>
+          </a:xfrm>
+          <a:prstGeom prst="rect">
+            <a:avLst/>
+          </a:prstGeom>
+          <a:noFill/>
+        </p:spPr>
+        <p:txBody>
+          <a:bodyPr wrap="none" rtlCol="0">
+            <a:spAutoFit/>
+          </a:bodyPr>
+          <a:lstStyle/>
+          <a:p>
+            <a:r>
+              <a:rPr lang="en-US" dirty="0" err="1" smtClean="0"/>
+              <a:t>ChangeCipherSpec</a:t>
+            </a:r>
+            <a:r>
+              <a:rPr lang="en-US" dirty="0" smtClean="0"/>
+              <a:t>, </a:t>
+            </a:r>
+          </a:p>
+          <a:p>
+            <a:r>
+              <a:rPr lang="en-US" dirty="0" smtClean="0"/>
+              <a:t>{ Finished, PRF(MS, “Server finished” || H(transcript’)) }  </a:t>
+            </a:r>
+            <a:endParaRPr lang="en-US" dirty="0"/>
+          </a:p>
+        </p:txBody>
+      </p:sp>
+      <p:sp>
+        <p:nvSpPr>
+          <p:cNvPr id="30" name="TextBox 29"/>
+          <p:cNvSpPr txBox="1"/>
+          <p:nvPr/>
+        </p:nvSpPr>
+        <p:spPr>
+          <a:xfrm>
+            <a:off x="2514600" y="6172200"/>
+            <a:ext cx="4451797" cy="369332"/>
+          </a:xfrm>
+          <a:prstGeom prst="rect">
+            <a:avLst/>
+          </a:prstGeom>
+          <a:noFill/>
+        </p:spPr>
+        <p:txBody>
+          <a:bodyPr wrap="none" rtlCol="0">
+            <a:spAutoFit/>
+          </a:bodyPr>
+          <a:lstStyle/>
+          <a:p>
+            <a:r>
+              <a:rPr lang="en-US" dirty="0" smtClean="0"/>
+              <a:t>MS &lt;- PRF(PMS, “master secret” || </a:t>
+            </a:r>
+            <a:r>
+              <a:rPr lang="en-US" dirty="0" err="1" smtClean="0"/>
+              <a:t>Nc</a:t>
+            </a:r>
+            <a:r>
+              <a:rPr lang="en-US" dirty="0" smtClean="0"/>
+              <a:t> || Ns )</a:t>
+            </a:r>
+            <a:endParaRPr lang="en-US" dirty="0"/>
+          </a:p>
+        </p:txBody>
+      </p:sp>
+      <p:sp>
+        <p:nvSpPr>
+          <p:cNvPr id="32" name="TextBox 31"/>
+          <p:cNvSpPr txBox="1"/>
+          <p:nvPr/>
+        </p:nvSpPr>
+        <p:spPr>
+          <a:xfrm>
+            <a:off x="41588" y="5248870"/>
+            <a:ext cx="1750675" cy="923330"/>
+          </a:xfrm>
+          <a:prstGeom prst="rect">
+            <a:avLst/>
+          </a:prstGeom>
+          <a:noFill/>
+          <a:ln>
+            <a:solidFill>
+              <a:srgbClr val="008000"/>
+            </a:solidFill>
+          </a:ln>
+        </p:spPr>
+        <p:txBody>
+          <a:bodyPr wrap="none" rtlCol="0">
+            <a:spAutoFit/>
+          </a:bodyPr>
+          <a:lstStyle/>
+          <a:p>
+            <a:r>
+              <a:rPr lang="en-US" dirty="0" smtClean="0"/>
+              <a:t>Bracket notation</a:t>
+            </a:r>
+          </a:p>
+          <a:p>
+            <a:r>
+              <a:rPr lang="en-US" dirty="0" smtClean="0"/>
+              <a:t>means contents </a:t>
+            </a:r>
+          </a:p>
+          <a:p>
+            <a:r>
+              <a:rPr lang="en-US" dirty="0" smtClean="0"/>
+              <a:t>encrypted</a:t>
+            </a:r>
+          </a:p>
+        </p:txBody>
+      </p:sp>
+      <p:cxnSp>
+        <p:nvCxnSpPr>
+          <p:cNvPr id="34" name="Straight Arrow Connector 33"/>
+          <p:cNvCxnSpPr/>
+          <p:nvPr/>
+        </p:nvCxnSpPr>
+        <p:spPr>
+          <a:xfrm flipV="1">
+            <a:off x="1219200" y="4800600"/>
+            <a:ext cx="886723" cy="448270"/>
+          </a:xfrm>
+          <a:prstGeom prst="straightConnector1">
+            <a:avLst/>
+          </a:prstGeom>
+          <a:ln>
+            <a:tailEnd type="arrow"/>
+          </a:ln>
+        </p:spPr>
+        <p:style>
+          <a:lnRef idx="2">
+            <a:schemeClr val="accent3"/>
+          </a:lnRef>
+          <a:fillRef idx="0">
+            <a:schemeClr val="accent3"/>
+          </a:fillRef>
+          <a:effectRef idx="1">
+            <a:schemeClr val="accent3"/>
+          </a:effectRef>
+          <a:fontRef idx="minor">
+            <a:schemeClr val="tx1"/>
+          </a:fontRef>
+        </p:style>
+      </p:cxnSp>
+      <p:cxnSp>
+        <p:nvCxnSpPr>
+          <p:cNvPr id="36" name="Straight Arrow Connector 35"/>
+          <p:cNvCxnSpPr/>
+          <p:nvPr/>
+        </p:nvCxnSpPr>
+        <p:spPr>
+          <a:xfrm flipH="1">
+            <a:off x="2057400" y="3505200"/>
+            <a:ext cx="4953000" cy="0"/>
+          </a:xfrm>
+          <a:prstGeom prst="straightConnector1">
+            <a:avLst/>
+          </a:prstGeom>
+          <a:ln>
+            <a:tailEnd type="arrow"/>
+          </a:ln>
+        </p:spPr>
+        <p:style>
+          <a:lnRef idx="2">
+            <a:schemeClr val="accent1"/>
+          </a:lnRef>
+          <a:fillRef idx="0">
+            <a:schemeClr val="accent1"/>
+          </a:fillRef>
+          <a:effectRef idx="1">
+            <a:schemeClr val="accent1"/>
+          </a:effectRef>
+          <a:fontRef idx="minor">
+            <a:schemeClr val="tx1"/>
+          </a:fontRef>
+        </p:style>
+      </p:cxnSp>
+      <p:sp>
+        <p:nvSpPr>
+          <p:cNvPr id="37" name="TextBox 36"/>
+          <p:cNvSpPr txBox="1"/>
+          <p:nvPr/>
+        </p:nvSpPr>
+        <p:spPr>
+          <a:xfrm>
+            <a:off x="2682745" y="3124200"/>
+            <a:ext cx="3396708" cy="369332"/>
+          </a:xfrm>
+          <a:prstGeom prst="rect">
+            <a:avLst/>
+          </a:prstGeom>
+          <a:noFill/>
+        </p:spPr>
+        <p:txBody>
+          <a:bodyPr wrap="none" rtlCol="0">
+            <a:spAutoFit/>
+          </a:bodyPr>
+          <a:lstStyle/>
+          <a:p>
+            <a:r>
+              <a:rPr lang="en-US" dirty="0" smtClean="0"/>
+              <a:t>p , g , X ,   </a:t>
+            </a:r>
+            <a:r>
+              <a:rPr lang="en-US" dirty="0" err="1" smtClean="0"/>
+              <a:t>σ</a:t>
+            </a:r>
+            <a:r>
+              <a:rPr lang="en-US" dirty="0" smtClean="0"/>
+              <a:t>  = Sign(</a:t>
+            </a:r>
+            <a:r>
+              <a:rPr lang="en-US" dirty="0" err="1" smtClean="0"/>
+              <a:t>sk</a:t>
+            </a:r>
+            <a:r>
+              <a:rPr lang="en-US" baseline="-25000" dirty="0" err="1" smtClean="0"/>
+              <a:t>s</a:t>
+            </a:r>
+            <a:r>
+              <a:rPr lang="en-US" dirty="0" smtClean="0"/>
+              <a:t>, p || g || X) </a:t>
+            </a:r>
+            <a:endParaRPr lang="en-US" dirty="0"/>
+          </a:p>
+        </p:txBody>
+      </p:sp>
+      <p:sp>
+        <p:nvSpPr>
+          <p:cNvPr id="38" name="TextBox 37"/>
+          <p:cNvSpPr txBox="1"/>
+          <p:nvPr/>
+        </p:nvSpPr>
+        <p:spPr>
+          <a:xfrm>
+            <a:off x="7391400" y="2678668"/>
+            <a:ext cx="1505540" cy="646331"/>
+          </a:xfrm>
+          <a:prstGeom prst="rect">
+            <a:avLst/>
+          </a:prstGeom>
+          <a:noFill/>
+        </p:spPr>
+        <p:txBody>
+          <a:bodyPr wrap="none" rtlCol="0">
+            <a:spAutoFit/>
+          </a:bodyPr>
+          <a:lstStyle/>
+          <a:p>
+            <a:r>
+              <a:rPr lang="en-US" dirty="0" smtClean="0"/>
+              <a:t>Pick random x</a:t>
+            </a:r>
+          </a:p>
+          <a:p>
+            <a:r>
+              <a:rPr lang="en-US" dirty="0" smtClean="0"/>
+              <a:t>X = </a:t>
+            </a:r>
+            <a:r>
+              <a:rPr lang="en-US" dirty="0" err="1" smtClean="0"/>
+              <a:t>g</a:t>
+            </a:r>
+            <a:r>
+              <a:rPr lang="en-US" baseline="30000" dirty="0" err="1" smtClean="0"/>
+              <a:t>x</a:t>
+            </a:r>
+            <a:endParaRPr lang="en-US" dirty="0"/>
+          </a:p>
+        </p:txBody>
+      </p:sp>
+      <p:sp>
+        <p:nvSpPr>
+          <p:cNvPr id="39" name="TextBox 38"/>
+          <p:cNvSpPr txBox="1"/>
+          <p:nvPr/>
+        </p:nvSpPr>
+        <p:spPr>
+          <a:xfrm>
+            <a:off x="76200" y="4419600"/>
+            <a:ext cx="1082348" cy="369332"/>
+          </a:xfrm>
+          <a:prstGeom prst="rect">
+            <a:avLst/>
+          </a:prstGeom>
+          <a:noFill/>
+        </p:spPr>
+        <p:txBody>
+          <a:bodyPr wrap="none" rtlCol="0">
+            <a:spAutoFit/>
+          </a:bodyPr>
+          <a:lstStyle/>
+          <a:p>
+            <a:r>
+              <a:rPr lang="en-US" dirty="0" smtClean="0"/>
+              <a:t>PMS = </a:t>
+            </a:r>
+            <a:r>
+              <a:rPr lang="en-US" dirty="0" err="1" smtClean="0"/>
+              <a:t>g</a:t>
+            </a:r>
+            <a:r>
+              <a:rPr lang="en-US" baseline="30000" dirty="0" err="1" smtClean="0"/>
+              <a:t>xy</a:t>
+            </a:r>
+            <a:endParaRPr lang="en-US" dirty="0" smtClean="0"/>
+          </a:p>
+        </p:txBody>
+      </p:sp>
+    </p:spTree>
+    <p:extLst>
+      <p:ext uri="{BB962C8B-B14F-4D97-AF65-F5344CB8AC3E}">
+        <p14:creationId xmlns:p14="http://schemas.microsoft.com/office/powerpoint/2010/main" val="2382867972"/>
       </p:ext>
     </p:extLst>
   </p:cSld>
